--- a/Stacks and Queues/Queues.pptx
+++ b/Stacks and Queues/Queues.pptx
@@ -16,18 +16,13 @@
     <p:sldId id="264" r:id="rId10"/>
     <p:sldId id="265" r:id="rId11"/>
     <p:sldId id="267" r:id="rId12"/>
-    <p:sldId id="266" r:id="rId13"/>
-    <p:sldId id="268" r:id="rId14"/>
-    <p:sldId id="271" r:id="rId15"/>
-    <p:sldId id="270" r:id="rId16"/>
-    <p:sldId id="269" r:id="rId17"/>
-    <p:sldId id="272" r:id="rId18"/>
-    <p:sldId id="273" r:id="rId19"/>
-    <p:sldId id="274" r:id="rId20"/>
-    <p:sldId id="275" r:id="rId21"/>
-    <p:sldId id="276" r:id="rId22"/>
-    <p:sldId id="277" r:id="rId23"/>
-    <p:sldId id="278" r:id="rId24"/>
+    <p:sldId id="274" r:id="rId13"/>
+    <p:sldId id="279" r:id="rId14"/>
+    <p:sldId id="275" r:id="rId15"/>
+    <p:sldId id="280" r:id="rId16"/>
+    <p:sldId id="276" r:id="rId17"/>
+    <p:sldId id="277" r:id="rId18"/>
+    <p:sldId id="278" r:id="rId19"/>
   </p:sldIdLst>
   <p:sldSz cx="12192000" cy="6858000"/>
   <p:notesSz cx="6858000" cy="9144000"/>
@@ -126,13 +121,18 @@
       </a:defRPr>
     </a:lvl9pPr>
   </p:defaultTextStyle>
+  <p:extLst>
+    <p:ext uri="{EFAFB233-063F-42B5-8137-9DF3F51BA10A}">
+      <p15:sldGuideLst xmlns:p15="http://schemas.microsoft.com/office/powerpoint/2012/main"/>
+    </p:ext>
+  </p:extLst>
 </p:presentation>
 </file>
 
 <file path=ppt/revisionInfo.xml><?xml version="1.0" encoding="utf-8"?>
 <p1510:revInfo xmlns:a="http://schemas.openxmlformats.org/drawingml/2006/main" xmlns:r="http://schemas.openxmlformats.org/officeDocument/2006/relationships" xmlns:p1510="http://schemas.microsoft.com/office/powerpoint/2015/10/main">
   <p1510:revLst>
-    <p1510:client id="{6502E760-37F0-4329-A005-734CC1FAE9BB}" v="106" dt="2019-08-14T05:04:12.281"/>
+    <p1510:client id="{6502E760-37F0-4329-A005-734CC1FAE9BB}" v="110" dt="2019-08-20T22:48:57.182"/>
   </p1510:revLst>
 </p1510:revInfo>
 </file>
@@ -141,13 +141,13 @@
 <pc:chgInfo xmlns:a="http://schemas.openxmlformats.org/drawingml/2006/main" xmlns:r="http://schemas.openxmlformats.org/officeDocument/2006/relationships" xmlns:ac="http://schemas.microsoft.com/office/drawing/2013/main/command" xmlns:pc="http://schemas.microsoft.com/office/powerpoint/2013/main/command">
   <pc:docChgLst>
     <pc:chgData name="Julien NYAMBAL" userId="ab1197cc928146b1" providerId="LiveId" clId="{6502E760-37F0-4329-A005-734CC1FAE9BB}"/>
-    <pc:docChg chg="undo custSel addSld modSld sldOrd">
-      <pc:chgData name="Julien NYAMBAL" userId="ab1197cc928146b1" providerId="LiveId" clId="{6502E760-37F0-4329-A005-734CC1FAE9BB}" dt="2019-08-14T05:04:59.940" v="2082" actId="20577"/>
+    <pc:docChg chg="undo custSel addSld delSld modSld sldOrd">
+      <pc:chgData name="Julien NYAMBAL" userId="ab1197cc928146b1" providerId="LiveId" clId="{6502E760-37F0-4329-A005-734CC1FAE9BB}" dt="2019-08-20T22:55:27.197" v="2108" actId="313"/>
       <pc:docMkLst>
         <pc:docMk/>
       </pc:docMkLst>
-      <pc:sldChg chg="modSp">
-        <pc:chgData name="Julien NYAMBAL" userId="ab1197cc928146b1" providerId="LiveId" clId="{6502E760-37F0-4329-A005-734CC1FAE9BB}" dt="2019-08-13T21:49:23.196" v="49" actId="27636"/>
+      <pc:sldChg chg="modSp del">
+        <pc:chgData name="Julien NYAMBAL" userId="ab1197cc928146b1" providerId="LiveId" clId="{6502E760-37F0-4329-A005-734CC1FAE9BB}" dt="2019-08-20T22:40:40.455" v="2084" actId="2696"/>
         <pc:sldMkLst>
           <pc:docMk/>
           <pc:sldMk cId="206732189" sldId="266"/>
@@ -161,8 +161,8 @@
           </ac:spMkLst>
         </pc:spChg>
       </pc:sldChg>
-      <pc:sldChg chg="addSp delSp modSp add">
-        <pc:chgData name="Julien NYAMBAL" userId="ab1197cc928146b1" providerId="LiveId" clId="{6502E760-37F0-4329-A005-734CC1FAE9BB}" dt="2019-08-13T22:50:46.404" v="1038" actId="207"/>
+      <pc:sldChg chg="addSp delSp modSp add del">
+        <pc:chgData name="Julien NYAMBAL" userId="ab1197cc928146b1" providerId="LiveId" clId="{6502E760-37F0-4329-A005-734CC1FAE9BB}" dt="2019-08-20T22:40:40.458" v="2085" actId="2696"/>
         <pc:sldMkLst>
           <pc:docMk/>
           <pc:sldMk cId="1136556751" sldId="268"/>
@@ -256,8 +256,8 @@
           </ac:graphicFrameMkLst>
         </pc:graphicFrameChg>
       </pc:sldChg>
-      <pc:sldChg chg="addSp delSp modSp add ord">
-        <pc:chgData name="Julien NYAMBAL" userId="ab1197cc928146b1" providerId="LiveId" clId="{6502E760-37F0-4329-A005-734CC1FAE9BB}" dt="2019-08-13T22:46:27.923" v="975"/>
+      <pc:sldChg chg="addSp delSp modSp add del ord">
+        <pc:chgData name="Julien NYAMBAL" userId="ab1197cc928146b1" providerId="LiveId" clId="{6502E760-37F0-4329-A005-734CC1FAE9BB}" dt="2019-08-20T22:40:40.470" v="2088" actId="2696"/>
         <pc:sldMkLst>
           <pc:docMk/>
           <pc:sldMk cId="1848003365" sldId="269"/>
@@ -535,8 +535,8 @@
           </ac:cxnSpMkLst>
         </pc:cxnChg>
       </pc:sldChg>
-      <pc:sldChg chg="modSp add">
-        <pc:chgData name="Julien NYAMBAL" userId="ab1197cc928146b1" providerId="LiveId" clId="{6502E760-37F0-4329-A005-734CC1FAE9BB}" dt="2019-08-13T22:48:45.733" v="1014" actId="14100"/>
+      <pc:sldChg chg="modSp add del">
+        <pc:chgData name="Julien NYAMBAL" userId="ab1197cc928146b1" providerId="LiveId" clId="{6502E760-37F0-4329-A005-734CC1FAE9BB}" dt="2019-08-20T22:40:40.467" v="2087" actId="2696"/>
         <pc:sldMkLst>
           <pc:docMk/>
           <pc:sldMk cId="1831600755" sldId="270"/>
@@ -558,8 +558,8 @@
           </ac:cxnSpMkLst>
         </pc:cxnChg>
       </pc:sldChg>
-      <pc:sldChg chg="addSp delSp modSp add">
-        <pc:chgData name="Julien NYAMBAL" userId="ab1197cc928146b1" providerId="LiveId" clId="{6502E760-37F0-4329-A005-734CC1FAE9BB}" dt="2019-08-13T22:56:17.891" v="1051" actId="15"/>
+      <pc:sldChg chg="addSp delSp modSp add del">
+        <pc:chgData name="Julien NYAMBAL" userId="ab1197cc928146b1" providerId="LiveId" clId="{6502E760-37F0-4329-A005-734CC1FAE9BB}" dt="2019-08-20T22:40:40.461" v="2086" actId="2696"/>
         <pc:sldMkLst>
           <pc:docMk/>
           <pc:sldMk cId="844901512" sldId="271"/>
@@ -605,8 +605,8 @@
           </ac:spMkLst>
         </pc:spChg>
       </pc:sldChg>
-      <pc:sldChg chg="addSp delSp modSp add">
-        <pc:chgData name="Julien NYAMBAL" userId="ab1197cc928146b1" providerId="LiveId" clId="{6502E760-37F0-4329-A005-734CC1FAE9BB}" dt="2019-08-13T23:13:26.543" v="1153" actId="1076"/>
+      <pc:sldChg chg="addSp delSp modSp add del">
+        <pc:chgData name="Julien NYAMBAL" userId="ab1197cc928146b1" providerId="LiveId" clId="{6502E760-37F0-4329-A005-734CC1FAE9BB}" dt="2019-08-20T22:40:40.473" v="2089" actId="2696"/>
         <pc:sldMkLst>
           <pc:docMk/>
           <pc:sldMk cId="394608922" sldId="272"/>
@@ -684,8 +684,8 @@
           </ac:graphicFrameMkLst>
         </pc:graphicFrameChg>
       </pc:sldChg>
-      <pc:sldChg chg="modSp add">
-        <pc:chgData name="Julien NYAMBAL" userId="ab1197cc928146b1" providerId="LiveId" clId="{6502E760-37F0-4329-A005-734CC1FAE9BB}" dt="2019-08-13T23:20:59.303" v="1418" actId="2710"/>
+      <pc:sldChg chg="modSp add del">
+        <pc:chgData name="Julien NYAMBAL" userId="ab1197cc928146b1" providerId="LiveId" clId="{6502E760-37F0-4329-A005-734CC1FAE9BB}" dt="2019-08-20T22:40:40.453" v="2083" actId="2696"/>
         <pc:sldMkLst>
           <pc:docMk/>
           <pc:sldMk cId="4038939913" sldId="273"/>
@@ -920,13 +920,13 @@
         </pc:graphicFrameChg>
       </pc:sldChg>
       <pc:sldChg chg="modSp add">
-        <pc:chgData name="Julien NYAMBAL" userId="ab1197cc928146b1" providerId="LiveId" clId="{6502E760-37F0-4329-A005-734CC1FAE9BB}" dt="2019-08-14T05:04:59.940" v="2082" actId="20577"/>
+        <pc:chgData name="Julien NYAMBAL" userId="ab1197cc928146b1" providerId="LiveId" clId="{6502E760-37F0-4329-A005-734CC1FAE9BB}" dt="2019-08-20T22:55:27.197" v="2108" actId="313"/>
         <pc:sldMkLst>
           <pc:docMk/>
           <pc:sldMk cId="1893556725" sldId="278"/>
         </pc:sldMkLst>
         <pc:spChg chg="mod">
-          <ac:chgData name="Julien NYAMBAL" userId="ab1197cc928146b1" providerId="LiveId" clId="{6502E760-37F0-4329-A005-734CC1FAE9BB}" dt="2019-08-14T05:03:56.808" v="2033" actId="20577"/>
+          <ac:chgData name="Julien NYAMBAL" userId="ab1197cc928146b1" providerId="LiveId" clId="{6502E760-37F0-4329-A005-734CC1FAE9BB}" dt="2019-08-20T22:55:27.197" v="2108" actId="313"/>
           <ac:spMkLst>
             <pc:docMk/>
             <pc:sldMk cId="1893556725" sldId="278"/>
@@ -939,6 +939,92 @@
             <pc:docMk/>
             <pc:sldMk cId="1893556725" sldId="278"/>
             <ac:spMk id="3" creationId="{8C3B3377-4A0C-4069-A798-966E081ED89B}"/>
+          </ac:spMkLst>
+        </pc:spChg>
+      </pc:sldChg>
+      <pc:sldChg chg="modSp add">
+        <pc:chgData name="Julien NYAMBAL" userId="ab1197cc928146b1" providerId="LiveId" clId="{6502E760-37F0-4329-A005-734CC1FAE9BB}" dt="2019-08-20T22:45:35.953" v="2099" actId="1076"/>
+        <pc:sldMkLst>
+          <pc:docMk/>
+          <pc:sldMk cId="3845038498" sldId="279"/>
+        </pc:sldMkLst>
+        <pc:spChg chg="mod">
+          <ac:chgData name="Julien NYAMBAL" userId="ab1197cc928146b1" providerId="LiveId" clId="{6502E760-37F0-4329-A005-734CC1FAE9BB}" dt="2019-08-20T22:45:27.011" v="2098" actId="20577"/>
+          <ac:spMkLst>
+            <pc:docMk/>
+            <pc:sldMk cId="3845038498" sldId="279"/>
+            <ac:spMk id="3" creationId="{56E6416D-72F7-4006-BAF1-0C79C81F746A}"/>
+          </ac:spMkLst>
+        </pc:spChg>
+        <pc:spChg chg="mod">
+          <ac:chgData name="Julien NYAMBAL" userId="ab1197cc928146b1" providerId="LiveId" clId="{6502E760-37F0-4329-A005-734CC1FAE9BB}" dt="2019-08-20T22:45:35.953" v="2099" actId="1076"/>
+          <ac:spMkLst>
+            <pc:docMk/>
+            <pc:sldMk cId="3845038498" sldId="279"/>
+            <ac:spMk id="5" creationId="{491B0CEF-9AA8-4155-AFAC-69C7BDD05A4D}"/>
+          </ac:spMkLst>
+        </pc:spChg>
+        <pc:spChg chg="mod">
+          <ac:chgData name="Julien NYAMBAL" userId="ab1197cc928146b1" providerId="LiveId" clId="{6502E760-37F0-4329-A005-734CC1FAE9BB}" dt="2019-08-20T22:45:35.953" v="2099" actId="1076"/>
+          <ac:spMkLst>
+            <pc:docMk/>
+            <pc:sldMk cId="3845038498" sldId="279"/>
+            <ac:spMk id="8" creationId="{C66771C6-79AC-4AFB-BEDC-A046511A8319}"/>
+          </ac:spMkLst>
+        </pc:spChg>
+        <pc:spChg chg="mod">
+          <ac:chgData name="Julien NYAMBAL" userId="ab1197cc928146b1" providerId="LiveId" clId="{6502E760-37F0-4329-A005-734CC1FAE9BB}" dt="2019-08-20T22:45:35.953" v="2099" actId="1076"/>
+          <ac:spMkLst>
+            <pc:docMk/>
+            <pc:sldMk cId="3845038498" sldId="279"/>
+            <ac:spMk id="11" creationId="{426EAD5C-0082-420B-B63C-B20EDD9FDB4B}"/>
+          </ac:spMkLst>
+        </pc:spChg>
+        <pc:graphicFrameChg chg="mod">
+          <ac:chgData name="Julien NYAMBAL" userId="ab1197cc928146b1" providerId="LiveId" clId="{6502E760-37F0-4329-A005-734CC1FAE9BB}" dt="2019-08-20T22:45:35.953" v="2099" actId="1076"/>
+          <ac:graphicFrameMkLst>
+            <pc:docMk/>
+            <pc:sldMk cId="3845038498" sldId="279"/>
+            <ac:graphicFrameMk id="4" creationId="{634FAB40-AA1E-4105-8BB9-262C5AF3F84E}"/>
+          </ac:graphicFrameMkLst>
+        </pc:graphicFrameChg>
+        <pc:cxnChg chg="mod">
+          <ac:chgData name="Julien NYAMBAL" userId="ab1197cc928146b1" providerId="LiveId" clId="{6502E760-37F0-4329-A005-734CC1FAE9BB}" dt="2019-08-20T22:45:35.953" v="2099" actId="1076"/>
+          <ac:cxnSpMkLst>
+            <pc:docMk/>
+            <pc:sldMk cId="3845038498" sldId="279"/>
+            <ac:cxnSpMk id="7" creationId="{E5458E35-1C16-4B7F-BFF8-BF9681435009}"/>
+          </ac:cxnSpMkLst>
+        </pc:cxnChg>
+        <pc:cxnChg chg="mod">
+          <ac:chgData name="Julien NYAMBAL" userId="ab1197cc928146b1" providerId="LiveId" clId="{6502E760-37F0-4329-A005-734CC1FAE9BB}" dt="2019-08-20T22:45:35.953" v="2099" actId="1076"/>
+          <ac:cxnSpMkLst>
+            <pc:docMk/>
+            <pc:sldMk cId="3845038498" sldId="279"/>
+            <ac:cxnSpMk id="10" creationId="{4C67F254-BC29-4EEF-9F20-D4B3EF7FF5C6}"/>
+          </ac:cxnSpMkLst>
+        </pc:cxnChg>
+      </pc:sldChg>
+      <pc:sldChg chg="modSp add">
+        <pc:chgData name="Julien NYAMBAL" userId="ab1197cc928146b1" providerId="LiveId" clId="{6502E760-37F0-4329-A005-734CC1FAE9BB}" dt="2019-08-20T22:49:03.062" v="2107" actId="14100"/>
+        <pc:sldMkLst>
+          <pc:docMk/>
+          <pc:sldMk cId="38663190" sldId="280"/>
+        </pc:sldMkLst>
+        <pc:spChg chg="mod">
+          <ac:chgData name="Julien NYAMBAL" userId="ab1197cc928146b1" providerId="LiveId" clId="{6502E760-37F0-4329-A005-734CC1FAE9BB}" dt="2019-08-20T22:49:03.062" v="2107" actId="14100"/>
+          <ac:spMkLst>
+            <pc:docMk/>
+            <pc:sldMk cId="38663190" sldId="280"/>
+            <ac:spMk id="2" creationId="{CD9C4791-DCF2-4729-9C8D-681888220DC5}"/>
+          </ac:spMkLst>
+        </pc:spChg>
+        <pc:spChg chg="mod">
+          <ac:chgData name="Julien NYAMBAL" userId="ab1197cc928146b1" providerId="LiveId" clId="{6502E760-37F0-4329-A005-734CC1FAE9BB}" dt="2019-08-20T22:48:52.817" v="2102" actId="6549"/>
+          <ac:spMkLst>
+            <pc:docMk/>
+            <pc:sldMk cId="38663190" sldId="280"/>
+            <ac:spMk id="9" creationId="{65FF80B6-E363-4D42-9535-311E9D127A0D}"/>
           </ac:spMkLst>
         </pc:spChg>
       </pc:sldChg>
@@ -1096,7 +1182,7 @@
           <a:p>
             <a:fld id="{EAE48BEC-4E3B-4FE1-892F-DE3002781673}" type="datetimeFigureOut">
               <a:rPr lang="en-ZA" smtClean="0"/>
-              <a:t>2019/08/13</a:t>
+              <a:t>2019/08/21</a:t>
             </a:fld>
             <a:endParaRPr lang="en-ZA"/>
           </a:p>
@@ -1296,7 +1382,7 @@
           <a:p>
             <a:fld id="{EAE48BEC-4E3B-4FE1-892F-DE3002781673}" type="datetimeFigureOut">
               <a:rPr lang="en-ZA" smtClean="0"/>
-              <a:t>2019/08/13</a:t>
+              <a:t>2019/08/21</a:t>
             </a:fld>
             <a:endParaRPr lang="en-ZA"/>
           </a:p>
@@ -1506,7 +1592,7 @@
           <a:p>
             <a:fld id="{EAE48BEC-4E3B-4FE1-892F-DE3002781673}" type="datetimeFigureOut">
               <a:rPr lang="en-ZA" smtClean="0"/>
-              <a:t>2019/08/13</a:t>
+              <a:t>2019/08/21</a:t>
             </a:fld>
             <a:endParaRPr lang="en-ZA"/>
           </a:p>
@@ -1706,7 +1792,7 @@
           <a:p>
             <a:fld id="{EAE48BEC-4E3B-4FE1-892F-DE3002781673}" type="datetimeFigureOut">
               <a:rPr lang="en-ZA" smtClean="0"/>
-              <a:t>2019/08/13</a:t>
+              <a:t>2019/08/21</a:t>
             </a:fld>
             <a:endParaRPr lang="en-ZA"/>
           </a:p>
@@ -1982,7 +2068,7 @@
           <a:p>
             <a:fld id="{EAE48BEC-4E3B-4FE1-892F-DE3002781673}" type="datetimeFigureOut">
               <a:rPr lang="en-ZA" smtClean="0"/>
-              <a:t>2019/08/13</a:t>
+              <a:t>2019/08/21</a:t>
             </a:fld>
             <a:endParaRPr lang="en-ZA"/>
           </a:p>
@@ -2250,7 +2336,7 @@
           <a:p>
             <a:fld id="{EAE48BEC-4E3B-4FE1-892F-DE3002781673}" type="datetimeFigureOut">
               <a:rPr lang="en-ZA" smtClean="0"/>
-              <a:t>2019/08/13</a:t>
+              <a:t>2019/08/21</a:t>
             </a:fld>
             <a:endParaRPr lang="en-ZA"/>
           </a:p>
@@ -2665,7 +2751,7 @@
           <a:p>
             <a:fld id="{EAE48BEC-4E3B-4FE1-892F-DE3002781673}" type="datetimeFigureOut">
               <a:rPr lang="en-ZA" smtClean="0"/>
-              <a:t>2019/08/13</a:t>
+              <a:t>2019/08/21</a:t>
             </a:fld>
             <a:endParaRPr lang="en-ZA"/>
           </a:p>
@@ -2807,7 +2893,7 @@
           <a:p>
             <a:fld id="{EAE48BEC-4E3B-4FE1-892F-DE3002781673}" type="datetimeFigureOut">
               <a:rPr lang="en-ZA" smtClean="0"/>
-              <a:t>2019/08/13</a:t>
+              <a:t>2019/08/21</a:t>
             </a:fld>
             <a:endParaRPr lang="en-ZA"/>
           </a:p>
@@ -2920,7 +3006,7 @@
           <a:p>
             <a:fld id="{EAE48BEC-4E3B-4FE1-892F-DE3002781673}" type="datetimeFigureOut">
               <a:rPr lang="en-ZA" smtClean="0"/>
-              <a:t>2019/08/13</a:t>
+              <a:t>2019/08/21</a:t>
             </a:fld>
             <a:endParaRPr lang="en-ZA"/>
           </a:p>
@@ -3233,7 +3319,7 @@
           <a:p>
             <a:fld id="{EAE48BEC-4E3B-4FE1-892F-DE3002781673}" type="datetimeFigureOut">
               <a:rPr lang="en-ZA" smtClean="0"/>
-              <a:t>2019/08/13</a:t>
+              <a:t>2019/08/21</a:t>
             </a:fld>
             <a:endParaRPr lang="en-ZA"/>
           </a:p>
@@ -3522,7 +3608,7 @@
           <a:p>
             <a:fld id="{EAE48BEC-4E3B-4FE1-892F-DE3002781673}" type="datetimeFigureOut">
               <a:rPr lang="en-ZA" smtClean="0"/>
-              <a:t>2019/08/13</a:t>
+              <a:t>2019/08/21</a:t>
             </a:fld>
             <a:endParaRPr lang="en-ZA"/>
           </a:p>
@@ -3765,7 +3851,7 @@
           <a:p>
             <a:fld id="{EAE48BEC-4E3B-4FE1-892F-DE3002781673}" type="datetimeFigureOut">
               <a:rPr lang="en-ZA" smtClean="0"/>
-              <a:t>2019/08/13</a:t>
+              <a:t>2019/08/21</a:t>
             </a:fld>
             <a:endParaRPr lang="en-ZA"/>
           </a:p>
@@ -7419,6962 +7505,6 @@
           <p:cNvPr id="2" name="Title 1">
             <a:extLst>
               <a:ext uri="{FF2B5EF4-FFF2-40B4-BE49-F238E27FC236}">
-                <a16:creationId xmlns:a16="http://schemas.microsoft.com/office/drawing/2014/main" id="{D5ADB741-E60D-422D-8B8C-3C91984C06A5}"/>
-              </a:ext>
-            </a:extLst>
-          </p:cNvPr>
-          <p:cNvSpPr>
-            <a:spLocks noGrp="1"/>
-          </p:cNvSpPr>
-          <p:nvPr>
-            <p:ph type="title"/>
-          </p:nvPr>
-        </p:nvSpPr>
-        <p:spPr/>
-        <p:txBody>
-          <a:bodyPr/>
-          <a:lstStyle/>
-          <a:p>
-            <a:r>
-              <a:rPr lang="en-ZA" dirty="0"/>
-              <a:t>Stacks</a:t>
-            </a:r>
-          </a:p>
-        </p:txBody>
-      </p:sp>
-      <p:sp>
-        <p:nvSpPr>
-          <p:cNvPr id="3" name="Content Placeholder 2">
-            <a:extLst>
-              <a:ext uri="{FF2B5EF4-FFF2-40B4-BE49-F238E27FC236}">
-                <a16:creationId xmlns:a16="http://schemas.microsoft.com/office/drawing/2014/main" id="{7544E79E-2158-45A3-94D9-1C8DF516C63C}"/>
-              </a:ext>
-            </a:extLst>
-          </p:cNvPr>
-          <p:cNvSpPr>
-            <a:spLocks noGrp="1"/>
-          </p:cNvSpPr>
-          <p:nvPr>
-            <p:ph idx="1"/>
-          </p:nvPr>
-        </p:nvSpPr>
-        <p:spPr>
-          <a:xfrm>
-            <a:off x="838200" y="2132120"/>
-            <a:ext cx="10515600" cy="4725879"/>
-          </a:xfrm>
-        </p:spPr>
-        <p:txBody>
-          <a:bodyPr>
-            <a:normAutofit fontScale="92500"/>
-          </a:bodyPr>
-          <a:lstStyle/>
-          <a:p>
-            <a:pPr>
-              <a:lnSpc>
-                <a:spcPct val="210000"/>
-              </a:lnSpc>
-            </a:pPr>
-            <a:r>
-              <a:rPr lang="en-ZA" dirty="0"/>
-              <a:t>From our earlier exercise, removing from the back  = O(1)</a:t>
-            </a:r>
-          </a:p>
-          <a:p>
-            <a:pPr>
-              <a:lnSpc>
-                <a:spcPct val="210000"/>
-              </a:lnSpc>
-            </a:pPr>
-            <a:r>
-              <a:rPr lang="en-ZA" dirty="0"/>
-              <a:t>From our earlier exercise, adding from the back  = O(1)</a:t>
-            </a:r>
-          </a:p>
-          <a:p>
-            <a:pPr>
-              <a:lnSpc>
-                <a:spcPct val="210000"/>
-              </a:lnSpc>
-            </a:pPr>
-            <a:r>
-              <a:rPr lang="en-ZA" dirty="0"/>
-              <a:t>We keep the order in which the elements came into the list</a:t>
-            </a:r>
-          </a:p>
-          <a:p>
-            <a:pPr>
-              <a:lnSpc>
-                <a:spcPct val="210000"/>
-              </a:lnSpc>
-            </a:pPr>
-            <a:r>
-              <a:rPr lang="en-ZA" dirty="0"/>
-              <a:t>LIFO &lt;- Last In First Out</a:t>
-            </a:r>
-          </a:p>
-          <a:p>
-            <a:pPr>
-              <a:lnSpc>
-                <a:spcPct val="210000"/>
-              </a:lnSpc>
-            </a:pPr>
-            <a:r>
-              <a:rPr lang="en-ZA" dirty="0"/>
-              <a:t>Has 2 main actions: push and pop</a:t>
-            </a:r>
-          </a:p>
-        </p:txBody>
-      </p:sp>
-      <p:graphicFrame>
-        <p:nvGraphicFramePr>
-          <p:cNvPr id="4" name="Table 3">
-            <a:extLst>
-              <a:ext uri="{FF2B5EF4-FFF2-40B4-BE49-F238E27FC236}">
-                <a16:creationId xmlns:a16="http://schemas.microsoft.com/office/drawing/2014/main" id="{994A58CA-3D76-4425-94C2-475E6B04C21E}"/>
-              </a:ext>
-            </a:extLst>
-          </p:cNvPr>
-          <p:cNvGraphicFramePr>
-            <a:graphicFrameLocks noGrp="1"/>
-          </p:cNvGraphicFramePr>
-          <p:nvPr>
-            <p:extLst>
-              <p:ext uri="{D42A27DB-BD31-4B8C-83A1-F6EECF244321}">
-                <p14:modId xmlns:p14="http://schemas.microsoft.com/office/powerpoint/2010/main" val="506830386"/>
-              </p:ext>
-            </p:extLst>
-          </p:nvPr>
-        </p:nvGraphicFramePr>
-        <p:xfrm>
-          <a:off x="5949036" y="1384192"/>
-          <a:ext cx="2686637" cy="747929"/>
-        </p:xfrm>
-        <a:graphic>
-          <a:graphicData uri="http://schemas.openxmlformats.org/drawingml/2006/table">
-            <a:tbl>
-              <a:tblPr firstRow="1" bandRow="1">
-                <a:tableStyleId>{5C22544A-7EE6-4342-B048-85BDC9FD1C3A}</a:tableStyleId>
-              </a:tblPr>
-              <a:tblGrid>
-                <a:gridCol w="2686637">
-                  <a:extLst>
-                    <a:ext uri="{9D8B030D-6E8A-4147-A177-3AD203B41FA5}">
-                      <a16:colId xmlns:a16="http://schemas.microsoft.com/office/drawing/2014/main" val="3796963812"/>
-                    </a:ext>
-                  </a:extLst>
-                </a:gridCol>
-              </a:tblGrid>
-              <a:tr h="377089">
-                <a:tc>
-                  <a:txBody>
-                    <a:bodyPr/>
-                    <a:lstStyle/>
-                    <a:p>
-                      <a:pPr algn="ctr"/>
-                      <a:r>
-                        <a:rPr lang="en-ZA" dirty="0"/>
-                        <a:t>Remove Last (From Back)  </a:t>
-                      </a:r>
-                    </a:p>
-                  </a:txBody>
-                  <a:tcPr>
-                    <a:solidFill>
-                      <a:schemeClr val="tx1">
-                        <a:lumMod val="75000"/>
-                        <a:lumOff val="25000"/>
-                      </a:schemeClr>
-                    </a:solidFill>
-                  </a:tcPr>
-                </a:tc>
-                <a:extLst>
-                  <a:ext uri="{0D108BD9-81ED-4DB2-BD59-A6C34878D82A}">
-                    <a16:rowId xmlns:a16="http://schemas.microsoft.com/office/drawing/2014/main" val="222445295"/>
-                  </a:ext>
-                </a:extLst>
-              </a:tr>
-              <a:tr h="370840">
-                <a:tc>
-                  <a:txBody>
-                    <a:bodyPr/>
-                    <a:lstStyle/>
-                    <a:p>
-                      <a:pPr algn="ctr"/>
-                      <a:r>
-                        <a:rPr lang="en-ZA" dirty="0"/>
-                        <a:t>O(1)</a:t>
-                      </a:r>
-                    </a:p>
-                  </a:txBody>
-                  <a:tcPr>
-                    <a:solidFill>
-                      <a:schemeClr val="accent4">
-                        <a:lumMod val="60000"/>
-                        <a:lumOff val="40000"/>
-                      </a:schemeClr>
-                    </a:solidFill>
-                  </a:tcPr>
-                </a:tc>
-                <a:extLst>
-                  <a:ext uri="{0D108BD9-81ED-4DB2-BD59-A6C34878D82A}">
-                    <a16:rowId xmlns:a16="http://schemas.microsoft.com/office/drawing/2014/main" val="1314663892"/>
-                  </a:ext>
-                </a:extLst>
-              </a:tr>
-            </a:tbl>
-          </a:graphicData>
-        </a:graphic>
-      </p:graphicFrame>
-      <p:graphicFrame>
-        <p:nvGraphicFramePr>
-          <p:cNvPr id="5" name="Table 4">
-            <a:extLst>
-              <a:ext uri="{FF2B5EF4-FFF2-40B4-BE49-F238E27FC236}">
-                <a16:creationId xmlns:a16="http://schemas.microsoft.com/office/drawing/2014/main" id="{6498EF5F-38CE-4036-B7C4-63D5550FAF58}"/>
-              </a:ext>
-            </a:extLst>
-          </p:cNvPr>
-          <p:cNvGraphicFramePr>
-            <a:graphicFrameLocks noGrp="1"/>
-          </p:cNvGraphicFramePr>
-          <p:nvPr>
-            <p:extLst>
-              <p:ext uri="{D42A27DB-BD31-4B8C-83A1-F6EECF244321}">
-                <p14:modId xmlns:p14="http://schemas.microsoft.com/office/powerpoint/2010/main" val="3648462825"/>
-              </p:ext>
-            </p:extLst>
-          </p:nvPr>
-        </p:nvGraphicFramePr>
-        <p:xfrm>
-          <a:off x="838200" y="1384192"/>
-          <a:ext cx="2272146" cy="747929"/>
-        </p:xfrm>
-        <a:graphic>
-          <a:graphicData uri="http://schemas.openxmlformats.org/drawingml/2006/table">
-            <a:tbl>
-              <a:tblPr firstRow="1" bandRow="1">
-                <a:tableStyleId>{5C22544A-7EE6-4342-B048-85BDC9FD1C3A}</a:tableStyleId>
-              </a:tblPr>
-              <a:tblGrid>
-                <a:gridCol w="2272146">
-                  <a:extLst>
-                    <a:ext uri="{9D8B030D-6E8A-4147-A177-3AD203B41FA5}">
-                      <a16:colId xmlns:a16="http://schemas.microsoft.com/office/drawing/2014/main" val="3796963812"/>
-                    </a:ext>
-                  </a:extLst>
-                </a:gridCol>
-              </a:tblGrid>
-              <a:tr h="377089">
-                <a:tc>
-                  <a:txBody>
-                    <a:bodyPr/>
-                    <a:lstStyle/>
-                    <a:p>
-                      <a:pPr algn="ctr"/>
-                      <a:r>
-                        <a:rPr lang="en-ZA" dirty="0"/>
-                        <a:t>Add First (From Back)  </a:t>
-                      </a:r>
-                    </a:p>
-                  </a:txBody>
-                  <a:tcPr>
-                    <a:solidFill>
-                      <a:schemeClr val="tx1">
-                        <a:lumMod val="75000"/>
-                        <a:lumOff val="25000"/>
-                        <a:alpha val="10000"/>
-                      </a:schemeClr>
-                    </a:solidFill>
-                  </a:tcPr>
-                </a:tc>
-                <a:extLst>
-                  <a:ext uri="{0D108BD9-81ED-4DB2-BD59-A6C34878D82A}">
-                    <a16:rowId xmlns:a16="http://schemas.microsoft.com/office/drawing/2014/main" val="222445295"/>
-                  </a:ext>
-                </a:extLst>
-              </a:tr>
-              <a:tr h="370840">
-                <a:tc>
-                  <a:txBody>
-                    <a:bodyPr/>
-                    <a:lstStyle/>
-                    <a:p>
-                      <a:pPr algn="ctr"/>
-                      <a:r>
-                        <a:rPr lang="en-ZA" dirty="0"/>
-                        <a:t>O(n)</a:t>
-                      </a:r>
-                    </a:p>
-                  </a:txBody>
-                  <a:tcPr>
-                    <a:solidFill>
-                      <a:schemeClr val="accent4">
-                        <a:lumMod val="60000"/>
-                        <a:lumOff val="40000"/>
-                        <a:alpha val="10000"/>
-                      </a:schemeClr>
-                    </a:solidFill>
-                  </a:tcPr>
-                </a:tc>
-                <a:extLst>
-                  <a:ext uri="{0D108BD9-81ED-4DB2-BD59-A6C34878D82A}">
-                    <a16:rowId xmlns:a16="http://schemas.microsoft.com/office/drawing/2014/main" val="1314663892"/>
-                  </a:ext>
-                </a:extLst>
-              </a:tr>
-            </a:tbl>
-          </a:graphicData>
-        </a:graphic>
-      </p:graphicFrame>
-      <p:graphicFrame>
-        <p:nvGraphicFramePr>
-          <p:cNvPr id="6" name="Table 5">
-            <a:extLst>
-              <a:ext uri="{FF2B5EF4-FFF2-40B4-BE49-F238E27FC236}">
-                <a16:creationId xmlns:a16="http://schemas.microsoft.com/office/drawing/2014/main" id="{E0C2AA83-4BA3-4AAD-B113-9A8D20DF1FBB}"/>
-              </a:ext>
-            </a:extLst>
-          </p:cNvPr>
-          <p:cNvGraphicFramePr>
-            <a:graphicFrameLocks noGrp="1"/>
-          </p:cNvGraphicFramePr>
-          <p:nvPr>
-            <p:extLst>
-              <p:ext uri="{D42A27DB-BD31-4B8C-83A1-F6EECF244321}">
-                <p14:modId xmlns:p14="http://schemas.microsoft.com/office/powerpoint/2010/main" val="1395158390"/>
-              </p:ext>
-            </p:extLst>
-          </p:nvPr>
-        </p:nvGraphicFramePr>
-        <p:xfrm>
-          <a:off x="8729181" y="1384192"/>
-          <a:ext cx="2272145" cy="747929"/>
-        </p:xfrm>
-        <a:graphic>
-          <a:graphicData uri="http://schemas.openxmlformats.org/drawingml/2006/table">
-            <a:tbl>
-              <a:tblPr firstRow="1" bandRow="1">
-                <a:tableStyleId>{5C22544A-7EE6-4342-B048-85BDC9FD1C3A}</a:tableStyleId>
-              </a:tblPr>
-              <a:tblGrid>
-                <a:gridCol w="2272145">
-                  <a:extLst>
-                    <a:ext uri="{9D8B030D-6E8A-4147-A177-3AD203B41FA5}">
-                      <a16:colId xmlns:a16="http://schemas.microsoft.com/office/drawing/2014/main" val="3796963812"/>
-                    </a:ext>
-                  </a:extLst>
-                </a:gridCol>
-              </a:tblGrid>
-              <a:tr h="377089">
-                <a:tc>
-                  <a:txBody>
-                    <a:bodyPr/>
-                    <a:lstStyle/>
-                    <a:p>
-                      <a:pPr algn="ctr"/>
-                      <a:r>
-                        <a:rPr lang="en-ZA" dirty="0"/>
-                        <a:t>Add Last (From Back) </a:t>
-                      </a:r>
-                    </a:p>
-                  </a:txBody>
-                  <a:tcPr>
-                    <a:solidFill>
-                      <a:schemeClr val="tx1">
-                        <a:lumMod val="75000"/>
-                        <a:lumOff val="25000"/>
-                      </a:schemeClr>
-                    </a:solidFill>
-                  </a:tcPr>
-                </a:tc>
-                <a:extLst>
-                  <a:ext uri="{0D108BD9-81ED-4DB2-BD59-A6C34878D82A}">
-                    <a16:rowId xmlns:a16="http://schemas.microsoft.com/office/drawing/2014/main" val="222445295"/>
-                  </a:ext>
-                </a:extLst>
-              </a:tr>
-              <a:tr h="370840">
-                <a:tc>
-                  <a:txBody>
-                    <a:bodyPr/>
-                    <a:lstStyle/>
-                    <a:p>
-                      <a:pPr algn="ctr"/>
-                      <a:r>
-                        <a:rPr lang="en-ZA" dirty="0"/>
-                        <a:t>O(1)</a:t>
-                      </a:r>
-                    </a:p>
-                  </a:txBody>
-                  <a:tcPr>
-                    <a:solidFill>
-                      <a:schemeClr val="accent4">
-                        <a:lumMod val="60000"/>
-                        <a:lumOff val="40000"/>
-                      </a:schemeClr>
-                    </a:solidFill>
-                  </a:tcPr>
-                </a:tc>
-                <a:extLst>
-                  <a:ext uri="{0D108BD9-81ED-4DB2-BD59-A6C34878D82A}">
-                    <a16:rowId xmlns:a16="http://schemas.microsoft.com/office/drawing/2014/main" val="1314663892"/>
-                  </a:ext>
-                </a:extLst>
-              </a:tr>
-            </a:tbl>
-          </a:graphicData>
-        </a:graphic>
-      </p:graphicFrame>
-      <p:graphicFrame>
-        <p:nvGraphicFramePr>
-          <p:cNvPr id="7" name="Table 6">
-            <a:extLst>
-              <a:ext uri="{FF2B5EF4-FFF2-40B4-BE49-F238E27FC236}">
-                <a16:creationId xmlns:a16="http://schemas.microsoft.com/office/drawing/2014/main" id="{6419E500-1FB4-4F32-BAD1-E29C5F9630D1}"/>
-              </a:ext>
-            </a:extLst>
-          </p:cNvPr>
-          <p:cNvGraphicFramePr>
-            <a:graphicFrameLocks noGrp="1"/>
-          </p:cNvGraphicFramePr>
-          <p:nvPr>
-            <p:extLst>
-              <p:ext uri="{D42A27DB-BD31-4B8C-83A1-F6EECF244321}">
-                <p14:modId xmlns:p14="http://schemas.microsoft.com/office/powerpoint/2010/main" val="1279799632"/>
-              </p:ext>
-            </p:extLst>
-          </p:nvPr>
-        </p:nvGraphicFramePr>
-        <p:xfrm>
-          <a:off x="3203854" y="1384192"/>
-          <a:ext cx="2651674" cy="747929"/>
-        </p:xfrm>
-        <a:graphic>
-          <a:graphicData uri="http://schemas.openxmlformats.org/drawingml/2006/table">
-            <a:tbl>
-              <a:tblPr firstRow="1" bandRow="1">
-                <a:tableStyleId>{5C22544A-7EE6-4342-B048-85BDC9FD1C3A}</a:tableStyleId>
-              </a:tblPr>
-              <a:tblGrid>
-                <a:gridCol w="2651674">
-                  <a:extLst>
-                    <a:ext uri="{9D8B030D-6E8A-4147-A177-3AD203B41FA5}">
-                      <a16:colId xmlns:a16="http://schemas.microsoft.com/office/drawing/2014/main" val="3796963812"/>
-                    </a:ext>
-                  </a:extLst>
-                </a:gridCol>
-              </a:tblGrid>
-              <a:tr h="377089">
-                <a:tc>
-                  <a:txBody>
-                    <a:bodyPr/>
-                    <a:lstStyle/>
-                    <a:p>
-                      <a:pPr algn="ctr"/>
-                      <a:r>
-                        <a:rPr lang="en-ZA" dirty="0"/>
-                        <a:t>Remove First (From Back)  </a:t>
-                      </a:r>
-                    </a:p>
-                  </a:txBody>
-                  <a:tcPr>
-                    <a:solidFill>
-                      <a:schemeClr val="tx1">
-                        <a:lumMod val="75000"/>
-                        <a:lumOff val="25000"/>
-                        <a:alpha val="10000"/>
-                      </a:schemeClr>
-                    </a:solidFill>
-                  </a:tcPr>
-                </a:tc>
-                <a:extLst>
-                  <a:ext uri="{0D108BD9-81ED-4DB2-BD59-A6C34878D82A}">
-                    <a16:rowId xmlns:a16="http://schemas.microsoft.com/office/drawing/2014/main" val="222445295"/>
-                  </a:ext>
-                </a:extLst>
-              </a:tr>
-              <a:tr h="370840">
-                <a:tc>
-                  <a:txBody>
-                    <a:bodyPr/>
-                    <a:lstStyle/>
-                    <a:p>
-                      <a:pPr algn="ctr"/>
-                      <a:r>
-                        <a:rPr lang="en-ZA" dirty="0"/>
-                        <a:t>O(n)</a:t>
-                      </a:r>
-                    </a:p>
-                  </a:txBody>
-                  <a:tcPr>
-                    <a:solidFill>
-                      <a:schemeClr val="accent4">
-                        <a:lumMod val="60000"/>
-                        <a:lumOff val="40000"/>
-                        <a:alpha val="10000"/>
-                      </a:schemeClr>
-                    </a:solidFill>
-                  </a:tcPr>
-                </a:tc>
-                <a:extLst>
-                  <a:ext uri="{0D108BD9-81ED-4DB2-BD59-A6C34878D82A}">
-                    <a16:rowId xmlns:a16="http://schemas.microsoft.com/office/drawing/2014/main" val="1314663892"/>
-                  </a:ext>
-                </a:extLst>
-              </a:tr>
-            </a:tbl>
-          </a:graphicData>
-        </a:graphic>
-      </p:graphicFrame>
-      <p:sp>
-        <p:nvSpPr>
-          <p:cNvPr id="8" name="Right Brace 7">
-            <a:extLst>
-              <a:ext uri="{FF2B5EF4-FFF2-40B4-BE49-F238E27FC236}">
-                <a16:creationId xmlns:a16="http://schemas.microsoft.com/office/drawing/2014/main" id="{713EACFE-7D01-428C-AB11-6EF1B479038E}"/>
-              </a:ext>
-            </a:extLst>
-          </p:cNvPr>
-          <p:cNvSpPr/>
-          <p:nvPr/>
-        </p:nvSpPr>
-        <p:spPr>
-          <a:xfrm>
-            <a:off x="9531927" y="2132121"/>
-            <a:ext cx="193964" cy="1019067"/>
-          </a:xfrm>
-          <a:prstGeom prst="rightBrace">
-            <a:avLst/>
-          </a:prstGeom>
-        </p:spPr>
-        <p:style>
-          <a:lnRef idx="1">
-            <a:schemeClr val="accent1"/>
-          </a:lnRef>
-          <a:fillRef idx="0">
-            <a:schemeClr val="accent1"/>
-          </a:fillRef>
-          <a:effectRef idx="0">
-            <a:schemeClr val="accent1"/>
-          </a:effectRef>
-          <a:fontRef idx="minor">
-            <a:schemeClr val="tx1"/>
-          </a:fontRef>
-        </p:style>
-        <p:txBody>
-          <a:bodyPr rtlCol="0" anchor="ctr"/>
-          <a:lstStyle/>
-          <a:p>
-            <a:pPr algn="ctr"/>
-            <a:endParaRPr lang="en-ZA" dirty="0"/>
-          </a:p>
-        </p:txBody>
-      </p:sp>
-      <p:sp>
-        <p:nvSpPr>
-          <p:cNvPr id="9" name="TextBox 8">
-            <a:extLst>
-              <a:ext uri="{FF2B5EF4-FFF2-40B4-BE49-F238E27FC236}">
-                <a16:creationId xmlns:a16="http://schemas.microsoft.com/office/drawing/2014/main" id="{4118A915-77CC-490B-9084-182C26DB6377}"/>
-              </a:ext>
-            </a:extLst>
-          </p:cNvPr>
-          <p:cNvSpPr txBox="1"/>
-          <p:nvPr/>
-        </p:nvSpPr>
-        <p:spPr>
-          <a:xfrm>
-            <a:off x="9865253" y="2456988"/>
-            <a:ext cx="1020344" cy="369332"/>
-          </a:xfrm>
-          <a:prstGeom prst="rect">
-            <a:avLst/>
-          </a:prstGeom>
-          <a:noFill/>
-        </p:spPr>
-        <p:txBody>
-          <a:bodyPr wrap="none" rtlCol="0">
-            <a:spAutoFit/>
-          </a:bodyPr>
-          <a:lstStyle/>
-          <a:p>
-            <a:r>
-              <a:rPr lang="en-ZA" dirty="0"/>
-              <a:t>Constant</a:t>
-            </a:r>
-          </a:p>
-        </p:txBody>
-      </p:sp>
-    </p:spTree>
-    <p:extLst>
-      <p:ext uri="{BB962C8B-B14F-4D97-AF65-F5344CB8AC3E}">
-        <p14:creationId xmlns:p14="http://schemas.microsoft.com/office/powerpoint/2010/main" val="206732189"/>
-      </p:ext>
-    </p:extLst>
-  </p:cSld>
-  <p:clrMapOvr>
-    <a:masterClrMapping/>
-  </p:clrMapOvr>
-</p:sld>
-</file>
-
-<file path=ppt/slides/slide13.xml><?xml version="1.0" encoding="utf-8"?>
-<p:sld xmlns:a="http://schemas.openxmlformats.org/drawingml/2006/main" xmlns:r="http://schemas.openxmlformats.org/officeDocument/2006/relationships" xmlns:p="http://schemas.openxmlformats.org/presentationml/2006/main">
-  <p:cSld>
-    <p:spTree>
-      <p:nvGrpSpPr>
-        <p:cNvPr id="1" name=""/>
-        <p:cNvGrpSpPr/>
-        <p:nvPr/>
-      </p:nvGrpSpPr>
-      <p:grpSpPr>
-        <a:xfrm>
-          <a:off x="0" y="0"/>
-          <a:ext cx="0" cy="0"/>
-          <a:chOff x="0" y="0"/>
-          <a:chExt cx="0" cy="0"/>
-        </a:xfrm>
-      </p:grpSpPr>
-      <p:sp>
-        <p:nvSpPr>
-          <p:cNvPr id="2" name="Title 1">
-            <a:extLst>
-              <a:ext uri="{FF2B5EF4-FFF2-40B4-BE49-F238E27FC236}">
-                <a16:creationId xmlns:a16="http://schemas.microsoft.com/office/drawing/2014/main" id="{D5ADB741-E60D-422D-8B8C-3C91984C06A5}"/>
-              </a:ext>
-            </a:extLst>
-          </p:cNvPr>
-          <p:cNvSpPr>
-            <a:spLocks noGrp="1"/>
-          </p:cNvSpPr>
-          <p:nvPr>
-            <p:ph type="title"/>
-          </p:nvPr>
-        </p:nvSpPr>
-        <p:spPr/>
-        <p:txBody>
-          <a:bodyPr/>
-          <a:lstStyle/>
-          <a:p>
-            <a:r>
-              <a:rPr lang="en-ZA" dirty="0"/>
-              <a:t>Stacks</a:t>
-            </a:r>
-          </a:p>
-        </p:txBody>
-      </p:sp>
-      <p:graphicFrame>
-        <p:nvGraphicFramePr>
-          <p:cNvPr id="4" name="Table 3">
-            <a:extLst>
-              <a:ext uri="{FF2B5EF4-FFF2-40B4-BE49-F238E27FC236}">
-                <a16:creationId xmlns:a16="http://schemas.microsoft.com/office/drawing/2014/main" id="{994A58CA-3D76-4425-94C2-475E6B04C21E}"/>
-              </a:ext>
-            </a:extLst>
-          </p:cNvPr>
-          <p:cNvGraphicFramePr>
-            <a:graphicFrameLocks noGrp="1"/>
-          </p:cNvGraphicFramePr>
-          <p:nvPr/>
-        </p:nvGraphicFramePr>
-        <p:xfrm>
-          <a:off x="5949036" y="1384192"/>
-          <a:ext cx="2686637" cy="747929"/>
-        </p:xfrm>
-        <a:graphic>
-          <a:graphicData uri="http://schemas.openxmlformats.org/drawingml/2006/table">
-            <a:tbl>
-              <a:tblPr firstRow="1" bandRow="1">
-                <a:tableStyleId>{5C22544A-7EE6-4342-B048-85BDC9FD1C3A}</a:tableStyleId>
-              </a:tblPr>
-              <a:tblGrid>
-                <a:gridCol w="2686637">
-                  <a:extLst>
-                    <a:ext uri="{9D8B030D-6E8A-4147-A177-3AD203B41FA5}">
-                      <a16:colId xmlns:a16="http://schemas.microsoft.com/office/drawing/2014/main" val="3796963812"/>
-                    </a:ext>
-                  </a:extLst>
-                </a:gridCol>
-              </a:tblGrid>
-              <a:tr h="377089">
-                <a:tc>
-                  <a:txBody>
-                    <a:bodyPr/>
-                    <a:lstStyle/>
-                    <a:p>
-                      <a:pPr algn="ctr"/>
-                      <a:r>
-                        <a:rPr lang="en-ZA" dirty="0"/>
-                        <a:t>Remove Last (From Back)  </a:t>
-                      </a:r>
-                    </a:p>
-                  </a:txBody>
-                  <a:tcPr>
-                    <a:solidFill>
-                      <a:schemeClr val="tx1">
-                        <a:lumMod val="75000"/>
-                        <a:lumOff val="25000"/>
-                      </a:schemeClr>
-                    </a:solidFill>
-                  </a:tcPr>
-                </a:tc>
-                <a:extLst>
-                  <a:ext uri="{0D108BD9-81ED-4DB2-BD59-A6C34878D82A}">
-                    <a16:rowId xmlns:a16="http://schemas.microsoft.com/office/drawing/2014/main" val="222445295"/>
-                  </a:ext>
-                </a:extLst>
-              </a:tr>
-              <a:tr h="370840">
-                <a:tc>
-                  <a:txBody>
-                    <a:bodyPr/>
-                    <a:lstStyle/>
-                    <a:p>
-                      <a:pPr algn="ctr"/>
-                      <a:r>
-                        <a:rPr lang="en-ZA" dirty="0"/>
-                        <a:t>O(1)</a:t>
-                      </a:r>
-                    </a:p>
-                  </a:txBody>
-                  <a:tcPr>
-                    <a:solidFill>
-                      <a:schemeClr val="accent4">
-                        <a:lumMod val="60000"/>
-                        <a:lumOff val="40000"/>
-                      </a:schemeClr>
-                    </a:solidFill>
-                  </a:tcPr>
-                </a:tc>
-                <a:extLst>
-                  <a:ext uri="{0D108BD9-81ED-4DB2-BD59-A6C34878D82A}">
-                    <a16:rowId xmlns:a16="http://schemas.microsoft.com/office/drawing/2014/main" val="1314663892"/>
-                  </a:ext>
-                </a:extLst>
-              </a:tr>
-            </a:tbl>
-          </a:graphicData>
-        </a:graphic>
-      </p:graphicFrame>
-      <p:graphicFrame>
-        <p:nvGraphicFramePr>
-          <p:cNvPr id="5" name="Table 4">
-            <a:extLst>
-              <a:ext uri="{FF2B5EF4-FFF2-40B4-BE49-F238E27FC236}">
-                <a16:creationId xmlns:a16="http://schemas.microsoft.com/office/drawing/2014/main" id="{6498EF5F-38CE-4036-B7C4-63D5550FAF58}"/>
-              </a:ext>
-            </a:extLst>
-          </p:cNvPr>
-          <p:cNvGraphicFramePr>
-            <a:graphicFrameLocks noGrp="1"/>
-          </p:cNvGraphicFramePr>
-          <p:nvPr/>
-        </p:nvGraphicFramePr>
-        <p:xfrm>
-          <a:off x="838200" y="1384192"/>
-          <a:ext cx="2272146" cy="747929"/>
-        </p:xfrm>
-        <a:graphic>
-          <a:graphicData uri="http://schemas.openxmlformats.org/drawingml/2006/table">
-            <a:tbl>
-              <a:tblPr firstRow="1" bandRow="1">
-                <a:tableStyleId>{5C22544A-7EE6-4342-B048-85BDC9FD1C3A}</a:tableStyleId>
-              </a:tblPr>
-              <a:tblGrid>
-                <a:gridCol w="2272146">
-                  <a:extLst>
-                    <a:ext uri="{9D8B030D-6E8A-4147-A177-3AD203B41FA5}">
-                      <a16:colId xmlns:a16="http://schemas.microsoft.com/office/drawing/2014/main" val="3796963812"/>
-                    </a:ext>
-                  </a:extLst>
-                </a:gridCol>
-              </a:tblGrid>
-              <a:tr h="377089">
-                <a:tc>
-                  <a:txBody>
-                    <a:bodyPr/>
-                    <a:lstStyle/>
-                    <a:p>
-                      <a:pPr algn="ctr"/>
-                      <a:r>
-                        <a:rPr lang="en-ZA" dirty="0"/>
-                        <a:t>Add First (From Back)  </a:t>
-                      </a:r>
-                    </a:p>
-                  </a:txBody>
-                  <a:tcPr>
-                    <a:solidFill>
-                      <a:schemeClr val="tx1">
-                        <a:lumMod val="75000"/>
-                        <a:lumOff val="25000"/>
-                        <a:alpha val="10000"/>
-                      </a:schemeClr>
-                    </a:solidFill>
-                  </a:tcPr>
-                </a:tc>
-                <a:extLst>
-                  <a:ext uri="{0D108BD9-81ED-4DB2-BD59-A6C34878D82A}">
-                    <a16:rowId xmlns:a16="http://schemas.microsoft.com/office/drawing/2014/main" val="222445295"/>
-                  </a:ext>
-                </a:extLst>
-              </a:tr>
-              <a:tr h="370840">
-                <a:tc>
-                  <a:txBody>
-                    <a:bodyPr/>
-                    <a:lstStyle/>
-                    <a:p>
-                      <a:pPr algn="ctr"/>
-                      <a:r>
-                        <a:rPr lang="en-ZA" dirty="0"/>
-                        <a:t>O(n)</a:t>
-                      </a:r>
-                    </a:p>
-                  </a:txBody>
-                  <a:tcPr>
-                    <a:solidFill>
-                      <a:schemeClr val="accent4">
-                        <a:lumMod val="60000"/>
-                        <a:lumOff val="40000"/>
-                        <a:alpha val="10000"/>
-                      </a:schemeClr>
-                    </a:solidFill>
-                  </a:tcPr>
-                </a:tc>
-                <a:extLst>
-                  <a:ext uri="{0D108BD9-81ED-4DB2-BD59-A6C34878D82A}">
-                    <a16:rowId xmlns:a16="http://schemas.microsoft.com/office/drawing/2014/main" val="1314663892"/>
-                  </a:ext>
-                </a:extLst>
-              </a:tr>
-            </a:tbl>
-          </a:graphicData>
-        </a:graphic>
-      </p:graphicFrame>
-      <p:graphicFrame>
-        <p:nvGraphicFramePr>
-          <p:cNvPr id="6" name="Table 5">
-            <a:extLst>
-              <a:ext uri="{FF2B5EF4-FFF2-40B4-BE49-F238E27FC236}">
-                <a16:creationId xmlns:a16="http://schemas.microsoft.com/office/drawing/2014/main" id="{E0C2AA83-4BA3-4AAD-B113-9A8D20DF1FBB}"/>
-              </a:ext>
-            </a:extLst>
-          </p:cNvPr>
-          <p:cNvGraphicFramePr>
-            <a:graphicFrameLocks noGrp="1"/>
-          </p:cNvGraphicFramePr>
-          <p:nvPr/>
-        </p:nvGraphicFramePr>
-        <p:xfrm>
-          <a:off x="8729181" y="1384192"/>
-          <a:ext cx="2272145" cy="747929"/>
-        </p:xfrm>
-        <a:graphic>
-          <a:graphicData uri="http://schemas.openxmlformats.org/drawingml/2006/table">
-            <a:tbl>
-              <a:tblPr firstRow="1" bandRow="1">
-                <a:tableStyleId>{5C22544A-7EE6-4342-B048-85BDC9FD1C3A}</a:tableStyleId>
-              </a:tblPr>
-              <a:tblGrid>
-                <a:gridCol w="2272145">
-                  <a:extLst>
-                    <a:ext uri="{9D8B030D-6E8A-4147-A177-3AD203B41FA5}">
-                      <a16:colId xmlns:a16="http://schemas.microsoft.com/office/drawing/2014/main" val="3796963812"/>
-                    </a:ext>
-                  </a:extLst>
-                </a:gridCol>
-              </a:tblGrid>
-              <a:tr h="377089">
-                <a:tc>
-                  <a:txBody>
-                    <a:bodyPr/>
-                    <a:lstStyle/>
-                    <a:p>
-                      <a:pPr algn="ctr"/>
-                      <a:r>
-                        <a:rPr lang="en-ZA" dirty="0"/>
-                        <a:t>Add Last (From Back) </a:t>
-                      </a:r>
-                    </a:p>
-                  </a:txBody>
-                  <a:tcPr>
-                    <a:solidFill>
-                      <a:schemeClr val="tx1">
-                        <a:lumMod val="75000"/>
-                        <a:lumOff val="25000"/>
-                      </a:schemeClr>
-                    </a:solidFill>
-                  </a:tcPr>
-                </a:tc>
-                <a:extLst>
-                  <a:ext uri="{0D108BD9-81ED-4DB2-BD59-A6C34878D82A}">
-                    <a16:rowId xmlns:a16="http://schemas.microsoft.com/office/drawing/2014/main" val="222445295"/>
-                  </a:ext>
-                </a:extLst>
-              </a:tr>
-              <a:tr h="370840">
-                <a:tc>
-                  <a:txBody>
-                    <a:bodyPr/>
-                    <a:lstStyle/>
-                    <a:p>
-                      <a:pPr algn="ctr"/>
-                      <a:r>
-                        <a:rPr lang="en-ZA" dirty="0"/>
-                        <a:t>O(1)</a:t>
-                      </a:r>
-                    </a:p>
-                  </a:txBody>
-                  <a:tcPr>
-                    <a:solidFill>
-                      <a:schemeClr val="accent4">
-                        <a:lumMod val="60000"/>
-                        <a:lumOff val="40000"/>
-                      </a:schemeClr>
-                    </a:solidFill>
-                  </a:tcPr>
-                </a:tc>
-                <a:extLst>
-                  <a:ext uri="{0D108BD9-81ED-4DB2-BD59-A6C34878D82A}">
-                    <a16:rowId xmlns:a16="http://schemas.microsoft.com/office/drawing/2014/main" val="1314663892"/>
-                  </a:ext>
-                </a:extLst>
-              </a:tr>
-            </a:tbl>
-          </a:graphicData>
-        </a:graphic>
-      </p:graphicFrame>
-      <p:graphicFrame>
-        <p:nvGraphicFramePr>
-          <p:cNvPr id="7" name="Table 6">
-            <a:extLst>
-              <a:ext uri="{FF2B5EF4-FFF2-40B4-BE49-F238E27FC236}">
-                <a16:creationId xmlns:a16="http://schemas.microsoft.com/office/drawing/2014/main" id="{6419E500-1FB4-4F32-BAD1-E29C5F9630D1}"/>
-              </a:ext>
-            </a:extLst>
-          </p:cNvPr>
-          <p:cNvGraphicFramePr>
-            <a:graphicFrameLocks noGrp="1"/>
-          </p:cNvGraphicFramePr>
-          <p:nvPr/>
-        </p:nvGraphicFramePr>
-        <p:xfrm>
-          <a:off x="3203854" y="1384192"/>
-          <a:ext cx="2651674" cy="747929"/>
-        </p:xfrm>
-        <a:graphic>
-          <a:graphicData uri="http://schemas.openxmlformats.org/drawingml/2006/table">
-            <a:tbl>
-              <a:tblPr firstRow="1" bandRow="1">
-                <a:tableStyleId>{5C22544A-7EE6-4342-B048-85BDC9FD1C3A}</a:tableStyleId>
-              </a:tblPr>
-              <a:tblGrid>
-                <a:gridCol w="2651674">
-                  <a:extLst>
-                    <a:ext uri="{9D8B030D-6E8A-4147-A177-3AD203B41FA5}">
-                      <a16:colId xmlns:a16="http://schemas.microsoft.com/office/drawing/2014/main" val="3796963812"/>
-                    </a:ext>
-                  </a:extLst>
-                </a:gridCol>
-              </a:tblGrid>
-              <a:tr h="377089">
-                <a:tc>
-                  <a:txBody>
-                    <a:bodyPr/>
-                    <a:lstStyle/>
-                    <a:p>
-                      <a:pPr algn="ctr"/>
-                      <a:r>
-                        <a:rPr lang="en-ZA" dirty="0"/>
-                        <a:t>Remove First (From Back)  </a:t>
-                      </a:r>
-                    </a:p>
-                  </a:txBody>
-                  <a:tcPr>
-                    <a:solidFill>
-                      <a:schemeClr val="tx1">
-                        <a:lumMod val="75000"/>
-                        <a:lumOff val="25000"/>
-                        <a:alpha val="10000"/>
-                      </a:schemeClr>
-                    </a:solidFill>
-                  </a:tcPr>
-                </a:tc>
-                <a:extLst>
-                  <a:ext uri="{0D108BD9-81ED-4DB2-BD59-A6C34878D82A}">
-                    <a16:rowId xmlns:a16="http://schemas.microsoft.com/office/drawing/2014/main" val="222445295"/>
-                  </a:ext>
-                </a:extLst>
-              </a:tr>
-              <a:tr h="370840">
-                <a:tc>
-                  <a:txBody>
-                    <a:bodyPr/>
-                    <a:lstStyle/>
-                    <a:p>
-                      <a:pPr algn="ctr"/>
-                      <a:r>
-                        <a:rPr lang="en-ZA" dirty="0"/>
-                        <a:t>O(n)</a:t>
-                      </a:r>
-                    </a:p>
-                  </a:txBody>
-                  <a:tcPr>
-                    <a:solidFill>
-                      <a:schemeClr val="accent4">
-                        <a:lumMod val="60000"/>
-                        <a:lumOff val="40000"/>
-                        <a:alpha val="10000"/>
-                      </a:schemeClr>
-                    </a:solidFill>
-                  </a:tcPr>
-                </a:tc>
-                <a:extLst>
-                  <a:ext uri="{0D108BD9-81ED-4DB2-BD59-A6C34878D82A}">
-                    <a16:rowId xmlns:a16="http://schemas.microsoft.com/office/drawing/2014/main" val="1314663892"/>
-                  </a:ext>
-                </a:extLst>
-              </a:tr>
-            </a:tbl>
-          </a:graphicData>
-        </a:graphic>
-      </p:graphicFrame>
-      <p:sp>
-        <p:nvSpPr>
-          <p:cNvPr id="15" name="Rectangle 3">
-            <a:extLst>
-              <a:ext uri="{FF2B5EF4-FFF2-40B4-BE49-F238E27FC236}">
-                <a16:creationId xmlns:a16="http://schemas.microsoft.com/office/drawing/2014/main" id="{42E86C25-93E3-487A-AE5C-C20715CF9684}"/>
-              </a:ext>
-            </a:extLst>
-          </p:cNvPr>
-          <p:cNvSpPr>
-            <a:spLocks noChangeArrowheads="1"/>
-          </p:cNvSpPr>
-          <p:nvPr/>
-        </p:nvSpPr>
-        <p:spPr bwMode="auto">
-          <a:xfrm>
-            <a:off x="997755" y="2679933"/>
-            <a:ext cx="4888839" cy="3831818"/>
-          </a:xfrm>
-          <a:prstGeom prst="rect">
-            <a:avLst/>
-          </a:prstGeom>
-          <a:noFill/>
-          <a:ln>
-            <a:noFill/>
-          </a:ln>
-          <a:effectLst/>
-          <a:extLst>
-            <a:ext uri="{909E8E84-426E-40DD-AFC4-6F175D3DCCD1}">
-              <a14:hiddenFill xmlns:a14="http://schemas.microsoft.com/office/drawing/2010/main">
-                <a:solidFill>
-                  <a:schemeClr val="accent1"/>
-                </a:solidFill>
-              </a14:hiddenFill>
-            </a:ext>
-            <a:ext uri="{91240B29-F687-4F45-9708-019B960494DF}">
-              <a14:hiddenLine xmlns:a14="http://schemas.microsoft.com/office/drawing/2010/main" w="9525">
-                <a:solidFill>
-                  <a:schemeClr val="tx1"/>
-                </a:solidFill>
-                <a:miter lim="800000"/>
-                <a:headEnd/>
-                <a:tailEnd/>
-              </a14:hiddenLine>
-            </a:ext>
-            <a:ext uri="{AF507438-7753-43E0-B8FC-AC1667EBCBE1}">
-              <a14:hiddenEffects xmlns:a14="http://schemas.microsoft.com/office/drawing/2010/main">
-                <a:effectLst>
-                  <a:outerShdw dist="35921" dir="2700000" algn="ctr" rotWithShape="0">
-                    <a:schemeClr val="bg2"/>
-                  </a:outerShdw>
-                </a:effectLst>
-              </a14:hiddenEffects>
-            </a:ext>
-          </a:extLst>
-        </p:spPr>
-        <p:txBody>
-          <a:bodyPr vert="horz" wrap="none" lIns="91440" tIns="45720" rIns="91440" bIns="45720" numCol="1" anchor="ctr" anchorCtr="0" compatLnSpc="1">
-            <a:prstTxWarp prst="textNoShape">
-              <a:avLst/>
-            </a:prstTxWarp>
-            <a:spAutoFit/>
-          </a:bodyPr>
-          <a:lstStyle/>
-          <a:p>
-            <a:pPr marL="0" marR="0" lvl="0" indent="0" algn="l" defTabSz="914400" rtl="0" eaLnBrk="0" fontAlgn="base" latinLnBrk="0" hangingPunct="0">
-              <a:lnSpc>
-                <a:spcPct val="250000"/>
-              </a:lnSpc>
-              <a:spcBef>
-                <a:spcPct val="0"/>
-              </a:spcBef>
-              <a:spcAft>
-                <a:spcPct val="0"/>
-              </a:spcAft>
-              <a:buClrTx/>
-              <a:buSzTx/>
-              <a:buFontTx/>
-              <a:buNone/>
-              <a:tabLst/>
-            </a:pPr>
-            <a:r>
-              <a:rPr kumimoji="0" lang="en-US" altLang="en-US" sz="1800" b="0" i="0" u="none" strike="noStrike" cap="none" normalizeH="0" baseline="0" dirty="0">
-                <a:ln>
-                  <a:noFill/>
-                </a:ln>
-                <a:solidFill>
-                  <a:schemeClr val="tx1"/>
-                </a:solidFill>
-                <a:effectLst/>
-                <a:latin typeface="Arial" panose="020B0604020202020204" pitchFamily="34" charset="0"/>
-              </a:rPr>
-              <a:t>Main functions of Stacks STL:</a:t>
-            </a:r>
-          </a:p>
-          <a:p>
-            <a:pPr lvl="0" eaLnBrk="0" fontAlgn="base" hangingPunct="0">
-              <a:lnSpc>
-                <a:spcPct val="250000"/>
-              </a:lnSpc>
-              <a:spcBef>
-                <a:spcPct val="0"/>
-              </a:spcBef>
-              <a:spcAft>
-                <a:spcPct val="0"/>
-              </a:spcAft>
-              <a:buFontTx/>
-              <a:buChar char="•"/>
-            </a:pPr>
-            <a:r>
-              <a:rPr lang="en-US" altLang="en-US" dirty="0">
-                <a:latin typeface="Arial Unicode MS"/>
-              </a:rPr>
-              <a:t>S</a:t>
-            </a:r>
-            <a:r>
-              <a:rPr kumimoji="0" lang="en-US" altLang="en-US" sz="1800" b="0" i="0" u="none" strike="noStrike" cap="none" normalizeH="0" baseline="0" dirty="0">
-                <a:ln>
-                  <a:noFill/>
-                </a:ln>
-                <a:solidFill>
-                  <a:schemeClr val="tx1"/>
-                </a:solidFill>
-                <a:effectLst/>
-                <a:latin typeface="Arial Unicode MS"/>
-              </a:rPr>
-              <a:t>ize()</a:t>
-            </a:r>
-            <a:r>
-              <a:rPr kumimoji="0" lang="en-US" altLang="en-US" sz="1800" b="0" i="0" u="none" strike="noStrike" cap="none" normalizeH="0" baseline="0" dirty="0">
-                <a:ln>
-                  <a:noFill/>
-                </a:ln>
-                <a:solidFill>
-                  <a:schemeClr val="tx1"/>
-                </a:solidFill>
-                <a:effectLst/>
-              </a:rPr>
-              <a:t> : </a:t>
-            </a:r>
-            <a:r>
-              <a:rPr lang="en-US" dirty="0"/>
-              <a:t>Return size of the stack</a:t>
-            </a:r>
-            <a:endParaRPr kumimoji="0" lang="en-US" altLang="en-US" sz="1800" b="0" i="0" u="none" strike="noStrike" cap="none" normalizeH="0" baseline="0" dirty="0">
-              <a:ln>
-                <a:noFill/>
-              </a:ln>
-              <a:solidFill>
-                <a:schemeClr val="tx1"/>
-              </a:solidFill>
-              <a:effectLst/>
-              <a:latin typeface="Arial" panose="020B0604020202020204" pitchFamily="34" charset="0"/>
-            </a:endParaRPr>
-          </a:p>
-          <a:p>
-            <a:pPr lvl="0" eaLnBrk="0" fontAlgn="base" hangingPunct="0">
-              <a:lnSpc>
-                <a:spcPct val="250000"/>
-              </a:lnSpc>
-              <a:spcBef>
-                <a:spcPct val="0"/>
-              </a:spcBef>
-              <a:spcAft>
-                <a:spcPct val="0"/>
-              </a:spcAft>
-              <a:buFontTx/>
-              <a:buChar char="•"/>
-            </a:pPr>
-            <a:r>
-              <a:rPr kumimoji="0" lang="en-US" altLang="en-US" sz="1800" b="0" i="0" u="none" strike="noStrike" cap="none" normalizeH="0" baseline="0" dirty="0">
-                <a:ln>
-                  <a:noFill/>
-                </a:ln>
-                <a:solidFill>
-                  <a:schemeClr val="tx1"/>
-                </a:solidFill>
-                <a:effectLst/>
-                <a:latin typeface="Arial Unicode MS"/>
-              </a:rPr>
-              <a:t>Push(x): </a:t>
-            </a:r>
-            <a:r>
-              <a:rPr lang="en-US" dirty="0"/>
-              <a:t>Insert element x at the top of the stack.</a:t>
-            </a:r>
-            <a:endParaRPr kumimoji="0" lang="en-US" altLang="en-US" sz="1800" b="0" i="0" u="none" strike="noStrike" cap="none" normalizeH="0" baseline="0" dirty="0">
-              <a:ln>
-                <a:noFill/>
-              </a:ln>
-              <a:solidFill>
-                <a:schemeClr val="tx1"/>
-              </a:solidFill>
-              <a:effectLst/>
-              <a:latin typeface="Arial" panose="020B0604020202020204" pitchFamily="34" charset="0"/>
-            </a:endParaRPr>
-          </a:p>
-          <a:p>
-            <a:pPr lvl="0" eaLnBrk="0" fontAlgn="base" hangingPunct="0">
-              <a:lnSpc>
-                <a:spcPct val="250000"/>
-              </a:lnSpc>
-              <a:spcBef>
-                <a:spcPct val="0"/>
-              </a:spcBef>
-              <a:spcAft>
-                <a:spcPct val="0"/>
-              </a:spcAft>
-              <a:buFontTx/>
-              <a:buChar char="•"/>
-            </a:pPr>
-            <a:r>
-              <a:rPr kumimoji="0" lang="en-US" altLang="en-US" sz="1800" b="0" i="0" u="none" strike="noStrike" cap="none" normalizeH="0" baseline="0" dirty="0">
-                <a:ln>
-                  <a:noFill/>
-                </a:ln>
-                <a:solidFill>
-                  <a:schemeClr val="tx1"/>
-                </a:solidFill>
-                <a:effectLst/>
-                <a:latin typeface="Arial Unicode MS"/>
-              </a:rPr>
-              <a:t>Empty</a:t>
-            </a:r>
-            <a:r>
-              <a:rPr lang="en-US" altLang="en-US" dirty="0">
-                <a:latin typeface="Arial Unicode MS"/>
-              </a:rPr>
-              <a:t>(): </a:t>
-            </a:r>
-            <a:r>
-              <a:rPr lang="en-US" dirty="0"/>
-              <a:t>Test whether container is empty</a:t>
-            </a:r>
-            <a:endParaRPr kumimoji="0" lang="en-US" altLang="en-US" sz="1800" b="0" i="0" u="none" strike="noStrike" cap="none" normalizeH="0" baseline="0" dirty="0">
-              <a:ln>
-                <a:noFill/>
-              </a:ln>
-              <a:solidFill>
-                <a:schemeClr val="tx1"/>
-              </a:solidFill>
-              <a:effectLst/>
-              <a:latin typeface="Arial" panose="020B0604020202020204" pitchFamily="34" charset="0"/>
-            </a:endParaRPr>
-          </a:p>
-          <a:p>
-            <a:pPr marL="0" marR="0" lvl="0" indent="0" algn="l" defTabSz="914400" rtl="0" eaLnBrk="0" fontAlgn="base" latinLnBrk="0" hangingPunct="0">
-              <a:lnSpc>
-                <a:spcPct val="250000"/>
-              </a:lnSpc>
-              <a:spcBef>
-                <a:spcPct val="0"/>
-              </a:spcBef>
-              <a:spcAft>
-                <a:spcPct val="0"/>
-              </a:spcAft>
-              <a:buClrTx/>
-              <a:buSzTx/>
-              <a:buFontTx/>
-              <a:buChar char="•"/>
-              <a:tabLst/>
-            </a:pPr>
-            <a:r>
-              <a:rPr kumimoji="0" lang="en-US" altLang="en-US" sz="1800" b="0" i="0" u="none" strike="noStrike" cap="none" normalizeH="0" baseline="0" dirty="0">
-                <a:ln>
-                  <a:noFill/>
-                </a:ln>
-                <a:solidFill>
-                  <a:schemeClr val="tx1"/>
-                </a:solidFill>
-                <a:effectLst/>
-                <a:latin typeface="Arial Unicode MS"/>
-              </a:rPr>
-              <a:t>Pop(): Removes top element </a:t>
-            </a:r>
-            <a:endParaRPr kumimoji="0" lang="en-US" altLang="en-US" sz="1800" b="0" i="0" u="none" strike="noStrike" cap="none" normalizeH="0" baseline="0" dirty="0">
-              <a:ln>
-                <a:noFill/>
-              </a:ln>
-              <a:solidFill>
-                <a:schemeClr val="tx1"/>
-              </a:solidFill>
-              <a:effectLst/>
-            </a:endParaRPr>
-          </a:p>
-          <a:p>
-            <a:pPr marL="0" marR="0" lvl="0" indent="0" algn="l" defTabSz="914400" rtl="0" eaLnBrk="0" fontAlgn="base" latinLnBrk="0" hangingPunct="0">
-              <a:lnSpc>
-                <a:spcPct val="100000"/>
-              </a:lnSpc>
-              <a:spcBef>
-                <a:spcPct val="0"/>
-              </a:spcBef>
-              <a:spcAft>
-                <a:spcPct val="0"/>
-              </a:spcAft>
-              <a:buClrTx/>
-              <a:buSzTx/>
-              <a:buFontTx/>
-              <a:buNone/>
-              <a:tabLst/>
-            </a:pPr>
-            <a:endParaRPr kumimoji="0" lang="en-US" altLang="en-US" sz="1800" b="0" i="0" u="none" strike="noStrike" cap="none" normalizeH="0" baseline="0" dirty="0">
-              <a:ln>
-                <a:noFill/>
-              </a:ln>
-              <a:solidFill>
-                <a:schemeClr val="tx1"/>
-              </a:solidFill>
-              <a:effectLst/>
-              <a:latin typeface="Arial" panose="020B0604020202020204" pitchFamily="34" charset="0"/>
-            </a:endParaRPr>
-          </a:p>
-        </p:txBody>
-      </p:sp>
-      <p:sp>
-        <p:nvSpPr>
-          <p:cNvPr id="17" name="TextBox 16">
-            <a:extLst>
-              <a:ext uri="{FF2B5EF4-FFF2-40B4-BE49-F238E27FC236}">
-                <a16:creationId xmlns:a16="http://schemas.microsoft.com/office/drawing/2014/main" id="{5E6C2D41-71CF-4658-9D73-347A2A8B3A55}"/>
-              </a:ext>
-            </a:extLst>
-          </p:cNvPr>
-          <p:cNvSpPr txBox="1"/>
-          <p:nvPr/>
-        </p:nvSpPr>
-        <p:spPr>
-          <a:xfrm>
-            <a:off x="7407562" y="3151188"/>
-            <a:ext cx="4047005" cy="923330"/>
-          </a:xfrm>
-          <a:prstGeom prst="rect">
-            <a:avLst/>
-          </a:prstGeom>
-          <a:noFill/>
-        </p:spPr>
-        <p:txBody>
-          <a:bodyPr wrap="none" rtlCol="0">
-            <a:spAutoFit/>
-          </a:bodyPr>
-          <a:lstStyle/>
-          <a:p>
-            <a:r>
-              <a:rPr lang="en-US" dirty="0"/>
-              <a:t>#include&lt;stack&gt;</a:t>
-            </a:r>
-          </a:p>
-          <a:p>
-            <a:r>
-              <a:rPr lang="en-US" dirty="0"/>
-              <a:t>using std::stack; // make stack accessible </a:t>
-            </a:r>
-          </a:p>
-          <a:p>
-            <a:r>
-              <a:rPr lang="en-US" dirty="0"/>
-              <a:t>stack&lt;int&gt;</a:t>
-            </a:r>
-            <a:r>
-              <a:rPr lang="en-US" dirty="0" err="1"/>
-              <a:t>myStack</a:t>
-            </a:r>
-            <a:r>
-              <a:rPr lang="en-US" dirty="0"/>
-              <a:t>; // a stack of integers</a:t>
-            </a:r>
-          </a:p>
-        </p:txBody>
-      </p:sp>
-      <p:sp>
-        <p:nvSpPr>
-          <p:cNvPr id="18" name="Rectangle 17">
-            <a:extLst>
-              <a:ext uri="{FF2B5EF4-FFF2-40B4-BE49-F238E27FC236}">
-                <a16:creationId xmlns:a16="http://schemas.microsoft.com/office/drawing/2014/main" id="{23D56C48-7D1D-47CB-AF5F-7768F4E00684}"/>
-              </a:ext>
-            </a:extLst>
-          </p:cNvPr>
-          <p:cNvSpPr/>
-          <p:nvPr/>
-        </p:nvSpPr>
-        <p:spPr>
-          <a:xfrm>
-            <a:off x="7398327" y="3151188"/>
-            <a:ext cx="4045528" cy="931285"/>
-          </a:xfrm>
-          <a:prstGeom prst="rect">
-            <a:avLst/>
-          </a:prstGeom>
-          <a:solidFill>
-            <a:schemeClr val="accent1">
-              <a:alpha val="10000"/>
-            </a:schemeClr>
-          </a:solidFill>
-        </p:spPr>
-        <p:style>
-          <a:lnRef idx="2">
-            <a:schemeClr val="accent1">
-              <a:shade val="50000"/>
-            </a:schemeClr>
-          </a:lnRef>
-          <a:fillRef idx="1">
-            <a:schemeClr val="accent1"/>
-          </a:fillRef>
-          <a:effectRef idx="0">
-            <a:schemeClr val="accent1"/>
-          </a:effectRef>
-          <a:fontRef idx="minor">
-            <a:schemeClr val="lt1"/>
-          </a:fontRef>
-        </p:style>
-        <p:txBody>
-          <a:bodyPr rtlCol="0" anchor="ctr"/>
-          <a:lstStyle/>
-          <a:p>
-            <a:pPr algn="ctr"/>
-            <a:endParaRPr lang="en-ZA"/>
-          </a:p>
-        </p:txBody>
-      </p:sp>
-    </p:spTree>
-    <p:extLst>
-      <p:ext uri="{BB962C8B-B14F-4D97-AF65-F5344CB8AC3E}">
-        <p14:creationId xmlns:p14="http://schemas.microsoft.com/office/powerpoint/2010/main" val="1136556751"/>
-      </p:ext>
-    </p:extLst>
-  </p:cSld>
-  <p:clrMapOvr>
-    <a:masterClrMapping/>
-  </p:clrMapOvr>
-</p:sld>
-</file>
-
-<file path=ppt/slides/slide14.xml><?xml version="1.0" encoding="utf-8"?>
-<p:sld xmlns:a="http://schemas.openxmlformats.org/drawingml/2006/main" xmlns:r="http://schemas.openxmlformats.org/officeDocument/2006/relationships" xmlns:p="http://schemas.openxmlformats.org/presentationml/2006/main">
-  <p:cSld>
-    <p:spTree>
-      <p:nvGrpSpPr>
-        <p:cNvPr id="1" name=""/>
-        <p:cNvGrpSpPr/>
-        <p:nvPr/>
-      </p:nvGrpSpPr>
-      <p:grpSpPr>
-        <a:xfrm>
-          <a:off x="0" y="0"/>
-          <a:ext cx="0" cy="0"/>
-          <a:chOff x="0" y="0"/>
-          <a:chExt cx="0" cy="0"/>
-        </a:xfrm>
-      </p:grpSpPr>
-      <p:sp>
-        <p:nvSpPr>
-          <p:cNvPr id="2" name="Title 1">
-            <a:extLst>
-              <a:ext uri="{FF2B5EF4-FFF2-40B4-BE49-F238E27FC236}">
-                <a16:creationId xmlns:a16="http://schemas.microsoft.com/office/drawing/2014/main" id="{D5ADB741-E60D-422D-8B8C-3C91984C06A5}"/>
-              </a:ext>
-            </a:extLst>
-          </p:cNvPr>
-          <p:cNvSpPr>
-            <a:spLocks noGrp="1"/>
-          </p:cNvSpPr>
-          <p:nvPr>
-            <p:ph type="title"/>
-          </p:nvPr>
-        </p:nvSpPr>
-        <p:spPr/>
-        <p:txBody>
-          <a:bodyPr/>
-          <a:lstStyle/>
-          <a:p>
-            <a:r>
-              <a:rPr lang="en-ZA" dirty="0"/>
-              <a:t>Stacks</a:t>
-            </a:r>
-          </a:p>
-        </p:txBody>
-      </p:sp>
-      <p:graphicFrame>
-        <p:nvGraphicFramePr>
-          <p:cNvPr id="4" name="Table 3">
-            <a:extLst>
-              <a:ext uri="{FF2B5EF4-FFF2-40B4-BE49-F238E27FC236}">
-                <a16:creationId xmlns:a16="http://schemas.microsoft.com/office/drawing/2014/main" id="{994A58CA-3D76-4425-94C2-475E6B04C21E}"/>
-              </a:ext>
-            </a:extLst>
-          </p:cNvPr>
-          <p:cNvGraphicFramePr>
-            <a:graphicFrameLocks noGrp="1"/>
-          </p:cNvGraphicFramePr>
-          <p:nvPr/>
-        </p:nvGraphicFramePr>
-        <p:xfrm>
-          <a:off x="5949036" y="1384192"/>
-          <a:ext cx="2686637" cy="747929"/>
-        </p:xfrm>
-        <a:graphic>
-          <a:graphicData uri="http://schemas.openxmlformats.org/drawingml/2006/table">
-            <a:tbl>
-              <a:tblPr firstRow="1" bandRow="1">
-                <a:tableStyleId>{5C22544A-7EE6-4342-B048-85BDC9FD1C3A}</a:tableStyleId>
-              </a:tblPr>
-              <a:tblGrid>
-                <a:gridCol w="2686637">
-                  <a:extLst>
-                    <a:ext uri="{9D8B030D-6E8A-4147-A177-3AD203B41FA5}">
-                      <a16:colId xmlns:a16="http://schemas.microsoft.com/office/drawing/2014/main" val="3796963812"/>
-                    </a:ext>
-                  </a:extLst>
-                </a:gridCol>
-              </a:tblGrid>
-              <a:tr h="377089">
-                <a:tc>
-                  <a:txBody>
-                    <a:bodyPr/>
-                    <a:lstStyle/>
-                    <a:p>
-                      <a:pPr algn="ctr"/>
-                      <a:r>
-                        <a:rPr lang="en-ZA" dirty="0"/>
-                        <a:t>Remove Last (From Back)  </a:t>
-                      </a:r>
-                    </a:p>
-                  </a:txBody>
-                  <a:tcPr>
-                    <a:solidFill>
-                      <a:schemeClr val="tx1">
-                        <a:lumMod val="75000"/>
-                        <a:lumOff val="25000"/>
-                      </a:schemeClr>
-                    </a:solidFill>
-                  </a:tcPr>
-                </a:tc>
-                <a:extLst>
-                  <a:ext uri="{0D108BD9-81ED-4DB2-BD59-A6C34878D82A}">
-                    <a16:rowId xmlns:a16="http://schemas.microsoft.com/office/drawing/2014/main" val="222445295"/>
-                  </a:ext>
-                </a:extLst>
-              </a:tr>
-              <a:tr h="370840">
-                <a:tc>
-                  <a:txBody>
-                    <a:bodyPr/>
-                    <a:lstStyle/>
-                    <a:p>
-                      <a:pPr algn="ctr"/>
-                      <a:r>
-                        <a:rPr lang="en-ZA" dirty="0"/>
-                        <a:t>O(1)</a:t>
-                      </a:r>
-                    </a:p>
-                  </a:txBody>
-                  <a:tcPr>
-                    <a:solidFill>
-                      <a:schemeClr val="accent4">
-                        <a:lumMod val="60000"/>
-                        <a:lumOff val="40000"/>
-                      </a:schemeClr>
-                    </a:solidFill>
-                  </a:tcPr>
-                </a:tc>
-                <a:extLst>
-                  <a:ext uri="{0D108BD9-81ED-4DB2-BD59-A6C34878D82A}">
-                    <a16:rowId xmlns:a16="http://schemas.microsoft.com/office/drawing/2014/main" val="1314663892"/>
-                  </a:ext>
-                </a:extLst>
-              </a:tr>
-            </a:tbl>
-          </a:graphicData>
-        </a:graphic>
-      </p:graphicFrame>
-      <p:graphicFrame>
-        <p:nvGraphicFramePr>
-          <p:cNvPr id="5" name="Table 4">
-            <a:extLst>
-              <a:ext uri="{FF2B5EF4-FFF2-40B4-BE49-F238E27FC236}">
-                <a16:creationId xmlns:a16="http://schemas.microsoft.com/office/drawing/2014/main" id="{6498EF5F-38CE-4036-B7C4-63D5550FAF58}"/>
-              </a:ext>
-            </a:extLst>
-          </p:cNvPr>
-          <p:cNvGraphicFramePr>
-            <a:graphicFrameLocks noGrp="1"/>
-          </p:cNvGraphicFramePr>
-          <p:nvPr/>
-        </p:nvGraphicFramePr>
-        <p:xfrm>
-          <a:off x="838200" y="1384192"/>
-          <a:ext cx="2272146" cy="747929"/>
-        </p:xfrm>
-        <a:graphic>
-          <a:graphicData uri="http://schemas.openxmlformats.org/drawingml/2006/table">
-            <a:tbl>
-              <a:tblPr firstRow="1" bandRow="1">
-                <a:tableStyleId>{5C22544A-7EE6-4342-B048-85BDC9FD1C3A}</a:tableStyleId>
-              </a:tblPr>
-              <a:tblGrid>
-                <a:gridCol w="2272146">
-                  <a:extLst>
-                    <a:ext uri="{9D8B030D-6E8A-4147-A177-3AD203B41FA5}">
-                      <a16:colId xmlns:a16="http://schemas.microsoft.com/office/drawing/2014/main" val="3796963812"/>
-                    </a:ext>
-                  </a:extLst>
-                </a:gridCol>
-              </a:tblGrid>
-              <a:tr h="377089">
-                <a:tc>
-                  <a:txBody>
-                    <a:bodyPr/>
-                    <a:lstStyle/>
-                    <a:p>
-                      <a:pPr algn="ctr"/>
-                      <a:r>
-                        <a:rPr lang="en-ZA" dirty="0"/>
-                        <a:t>Add First (From Back)  </a:t>
-                      </a:r>
-                    </a:p>
-                  </a:txBody>
-                  <a:tcPr>
-                    <a:solidFill>
-                      <a:schemeClr val="tx1">
-                        <a:lumMod val="75000"/>
-                        <a:lumOff val="25000"/>
-                        <a:alpha val="10000"/>
-                      </a:schemeClr>
-                    </a:solidFill>
-                  </a:tcPr>
-                </a:tc>
-                <a:extLst>
-                  <a:ext uri="{0D108BD9-81ED-4DB2-BD59-A6C34878D82A}">
-                    <a16:rowId xmlns:a16="http://schemas.microsoft.com/office/drawing/2014/main" val="222445295"/>
-                  </a:ext>
-                </a:extLst>
-              </a:tr>
-              <a:tr h="370840">
-                <a:tc>
-                  <a:txBody>
-                    <a:bodyPr/>
-                    <a:lstStyle/>
-                    <a:p>
-                      <a:pPr algn="ctr"/>
-                      <a:r>
-                        <a:rPr lang="en-ZA" dirty="0"/>
-                        <a:t>O(n)</a:t>
-                      </a:r>
-                    </a:p>
-                  </a:txBody>
-                  <a:tcPr>
-                    <a:solidFill>
-                      <a:schemeClr val="accent4">
-                        <a:lumMod val="60000"/>
-                        <a:lumOff val="40000"/>
-                        <a:alpha val="10000"/>
-                      </a:schemeClr>
-                    </a:solidFill>
-                  </a:tcPr>
-                </a:tc>
-                <a:extLst>
-                  <a:ext uri="{0D108BD9-81ED-4DB2-BD59-A6C34878D82A}">
-                    <a16:rowId xmlns:a16="http://schemas.microsoft.com/office/drawing/2014/main" val="1314663892"/>
-                  </a:ext>
-                </a:extLst>
-              </a:tr>
-            </a:tbl>
-          </a:graphicData>
-        </a:graphic>
-      </p:graphicFrame>
-      <p:graphicFrame>
-        <p:nvGraphicFramePr>
-          <p:cNvPr id="6" name="Table 5">
-            <a:extLst>
-              <a:ext uri="{FF2B5EF4-FFF2-40B4-BE49-F238E27FC236}">
-                <a16:creationId xmlns:a16="http://schemas.microsoft.com/office/drawing/2014/main" id="{E0C2AA83-4BA3-4AAD-B113-9A8D20DF1FBB}"/>
-              </a:ext>
-            </a:extLst>
-          </p:cNvPr>
-          <p:cNvGraphicFramePr>
-            <a:graphicFrameLocks noGrp="1"/>
-          </p:cNvGraphicFramePr>
-          <p:nvPr/>
-        </p:nvGraphicFramePr>
-        <p:xfrm>
-          <a:off x="8729181" y="1384192"/>
-          <a:ext cx="2272145" cy="747929"/>
-        </p:xfrm>
-        <a:graphic>
-          <a:graphicData uri="http://schemas.openxmlformats.org/drawingml/2006/table">
-            <a:tbl>
-              <a:tblPr firstRow="1" bandRow="1">
-                <a:tableStyleId>{5C22544A-7EE6-4342-B048-85BDC9FD1C3A}</a:tableStyleId>
-              </a:tblPr>
-              <a:tblGrid>
-                <a:gridCol w="2272145">
-                  <a:extLst>
-                    <a:ext uri="{9D8B030D-6E8A-4147-A177-3AD203B41FA5}">
-                      <a16:colId xmlns:a16="http://schemas.microsoft.com/office/drawing/2014/main" val="3796963812"/>
-                    </a:ext>
-                  </a:extLst>
-                </a:gridCol>
-              </a:tblGrid>
-              <a:tr h="377089">
-                <a:tc>
-                  <a:txBody>
-                    <a:bodyPr/>
-                    <a:lstStyle/>
-                    <a:p>
-                      <a:pPr algn="ctr"/>
-                      <a:r>
-                        <a:rPr lang="en-ZA" dirty="0"/>
-                        <a:t>Add Last (From Back) </a:t>
-                      </a:r>
-                    </a:p>
-                  </a:txBody>
-                  <a:tcPr>
-                    <a:solidFill>
-                      <a:schemeClr val="tx1">
-                        <a:lumMod val="75000"/>
-                        <a:lumOff val="25000"/>
-                      </a:schemeClr>
-                    </a:solidFill>
-                  </a:tcPr>
-                </a:tc>
-                <a:extLst>
-                  <a:ext uri="{0D108BD9-81ED-4DB2-BD59-A6C34878D82A}">
-                    <a16:rowId xmlns:a16="http://schemas.microsoft.com/office/drawing/2014/main" val="222445295"/>
-                  </a:ext>
-                </a:extLst>
-              </a:tr>
-              <a:tr h="370840">
-                <a:tc>
-                  <a:txBody>
-                    <a:bodyPr/>
-                    <a:lstStyle/>
-                    <a:p>
-                      <a:pPr algn="ctr"/>
-                      <a:r>
-                        <a:rPr lang="en-ZA" dirty="0"/>
-                        <a:t>O(1)</a:t>
-                      </a:r>
-                    </a:p>
-                  </a:txBody>
-                  <a:tcPr>
-                    <a:solidFill>
-                      <a:schemeClr val="accent4">
-                        <a:lumMod val="60000"/>
-                        <a:lumOff val="40000"/>
-                      </a:schemeClr>
-                    </a:solidFill>
-                  </a:tcPr>
-                </a:tc>
-                <a:extLst>
-                  <a:ext uri="{0D108BD9-81ED-4DB2-BD59-A6C34878D82A}">
-                    <a16:rowId xmlns:a16="http://schemas.microsoft.com/office/drawing/2014/main" val="1314663892"/>
-                  </a:ext>
-                </a:extLst>
-              </a:tr>
-            </a:tbl>
-          </a:graphicData>
-        </a:graphic>
-      </p:graphicFrame>
-      <p:graphicFrame>
-        <p:nvGraphicFramePr>
-          <p:cNvPr id="7" name="Table 6">
-            <a:extLst>
-              <a:ext uri="{FF2B5EF4-FFF2-40B4-BE49-F238E27FC236}">
-                <a16:creationId xmlns:a16="http://schemas.microsoft.com/office/drawing/2014/main" id="{6419E500-1FB4-4F32-BAD1-E29C5F9630D1}"/>
-              </a:ext>
-            </a:extLst>
-          </p:cNvPr>
-          <p:cNvGraphicFramePr>
-            <a:graphicFrameLocks noGrp="1"/>
-          </p:cNvGraphicFramePr>
-          <p:nvPr/>
-        </p:nvGraphicFramePr>
-        <p:xfrm>
-          <a:off x="3203854" y="1384192"/>
-          <a:ext cx="2651674" cy="747929"/>
-        </p:xfrm>
-        <a:graphic>
-          <a:graphicData uri="http://schemas.openxmlformats.org/drawingml/2006/table">
-            <a:tbl>
-              <a:tblPr firstRow="1" bandRow="1">
-                <a:tableStyleId>{5C22544A-7EE6-4342-B048-85BDC9FD1C3A}</a:tableStyleId>
-              </a:tblPr>
-              <a:tblGrid>
-                <a:gridCol w="2651674">
-                  <a:extLst>
-                    <a:ext uri="{9D8B030D-6E8A-4147-A177-3AD203B41FA5}">
-                      <a16:colId xmlns:a16="http://schemas.microsoft.com/office/drawing/2014/main" val="3796963812"/>
-                    </a:ext>
-                  </a:extLst>
-                </a:gridCol>
-              </a:tblGrid>
-              <a:tr h="377089">
-                <a:tc>
-                  <a:txBody>
-                    <a:bodyPr/>
-                    <a:lstStyle/>
-                    <a:p>
-                      <a:pPr algn="ctr"/>
-                      <a:r>
-                        <a:rPr lang="en-ZA" dirty="0"/>
-                        <a:t>Remove First (From Back)  </a:t>
-                      </a:r>
-                    </a:p>
-                  </a:txBody>
-                  <a:tcPr>
-                    <a:solidFill>
-                      <a:schemeClr val="tx1">
-                        <a:lumMod val="75000"/>
-                        <a:lumOff val="25000"/>
-                        <a:alpha val="10000"/>
-                      </a:schemeClr>
-                    </a:solidFill>
-                  </a:tcPr>
-                </a:tc>
-                <a:extLst>
-                  <a:ext uri="{0D108BD9-81ED-4DB2-BD59-A6C34878D82A}">
-                    <a16:rowId xmlns:a16="http://schemas.microsoft.com/office/drawing/2014/main" val="222445295"/>
-                  </a:ext>
-                </a:extLst>
-              </a:tr>
-              <a:tr h="370840">
-                <a:tc>
-                  <a:txBody>
-                    <a:bodyPr/>
-                    <a:lstStyle/>
-                    <a:p>
-                      <a:pPr algn="ctr"/>
-                      <a:r>
-                        <a:rPr lang="en-ZA" dirty="0"/>
-                        <a:t>O(n)</a:t>
-                      </a:r>
-                    </a:p>
-                  </a:txBody>
-                  <a:tcPr>
-                    <a:solidFill>
-                      <a:schemeClr val="accent4">
-                        <a:lumMod val="60000"/>
-                        <a:lumOff val="40000"/>
-                        <a:alpha val="10000"/>
-                      </a:schemeClr>
-                    </a:solidFill>
-                  </a:tcPr>
-                </a:tc>
-                <a:extLst>
-                  <a:ext uri="{0D108BD9-81ED-4DB2-BD59-A6C34878D82A}">
-                    <a16:rowId xmlns:a16="http://schemas.microsoft.com/office/drawing/2014/main" val="1314663892"/>
-                  </a:ext>
-                </a:extLst>
-              </a:tr>
-            </a:tbl>
-          </a:graphicData>
-        </a:graphic>
-      </p:graphicFrame>
-      <p:sp>
-        <p:nvSpPr>
-          <p:cNvPr id="15" name="Rectangle 3">
-            <a:extLst>
-              <a:ext uri="{FF2B5EF4-FFF2-40B4-BE49-F238E27FC236}">
-                <a16:creationId xmlns:a16="http://schemas.microsoft.com/office/drawing/2014/main" id="{42E86C25-93E3-487A-AE5C-C20715CF9684}"/>
-              </a:ext>
-            </a:extLst>
-          </p:cNvPr>
-          <p:cNvSpPr>
-            <a:spLocks noChangeArrowheads="1"/>
-          </p:cNvSpPr>
-          <p:nvPr/>
-        </p:nvSpPr>
-        <p:spPr bwMode="auto">
-          <a:xfrm>
-            <a:off x="166483" y="2661057"/>
-            <a:ext cx="4888839" cy="3831818"/>
-          </a:xfrm>
-          <a:prstGeom prst="rect">
-            <a:avLst/>
-          </a:prstGeom>
-          <a:noFill/>
-          <a:ln>
-            <a:noFill/>
-          </a:ln>
-          <a:effectLst/>
-          <a:extLst>
-            <a:ext uri="{909E8E84-426E-40DD-AFC4-6F175D3DCCD1}">
-              <a14:hiddenFill xmlns:a14="http://schemas.microsoft.com/office/drawing/2010/main">
-                <a:solidFill>
-                  <a:schemeClr val="accent1"/>
-                </a:solidFill>
-              </a14:hiddenFill>
-            </a:ext>
-            <a:ext uri="{91240B29-F687-4F45-9708-019B960494DF}">
-              <a14:hiddenLine xmlns:a14="http://schemas.microsoft.com/office/drawing/2010/main" w="9525">
-                <a:solidFill>
-                  <a:schemeClr val="tx1"/>
-                </a:solidFill>
-                <a:miter lim="800000"/>
-                <a:headEnd/>
-                <a:tailEnd/>
-              </a14:hiddenLine>
-            </a:ext>
-            <a:ext uri="{AF507438-7753-43E0-B8FC-AC1667EBCBE1}">
-              <a14:hiddenEffects xmlns:a14="http://schemas.microsoft.com/office/drawing/2010/main">
-                <a:effectLst>
-                  <a:outerShdw dist="35921" dir="2700000" algn="ctr" rotWithShape="0">
-                    <a:schemeClr val="bg2"/>
-                  </a:outerShdw>
-                </a:effectLst>
-              </a14:hiddenEffects>
-            </a:ext>
-          </a:extLst>
-        </p:spPr>
-        <p:txBody>
-          <a:bodyPr vert="horz" wrap="none" lIns="91440" tIns="45720" rIns="91440" bIns="45720" numCol="1" anchor="ctr" anchorCtr="0" compatLnSpc="1">
-            <a:prstTxWarp prst="textNoShape">
-              <a:avLst/>
-            </a:prstTxWarp>
-            <a:spAutoFit/>
-          </a:bodyPr>
-          <a:lstStyle/>
-          <a:p>
-            <a:pPr marL="0" marR="0" lvl="0" indent="0" algn="l" defTabSz="914400" rtl="0" eaLnBrk="0" fontAlgn="base" latinLnBrk="0" hangingPunct="0">
-              <a:lnSpc>
-                <a:spcPct val="250000"/>
-              </a:lnSpc>
-              <a:spcBef>
-                <a:spcPct val="0"/>
-              </a:spcBef>
-              <a:spcAft>
-                <a:spcPct val="0"/>
-              </a:spcAft>
-              <a:buClrTx/>
-              <a:buSzTx/>
-              <a:buFontTx/>
-              <a:buNone/>
-              <a:tabLst/>
-            </a:pPr>
-            <a:r>
-              <a:rPr kumimoji="0" lang="en-US" altLang="en-US" sz="1800" b="0" i="0" u="none" strike="noStrike" cap="none" normalizeH="0" baseline="0" dirty="0">
-                <a:ln>
-                  <a:noFill/>
-                </a:ln>
-                <a:solidFill>
-                  <a:schemeClr val="tx1"/>
-                </a:solidFill>
-                <a:effectLst/>
-                <a:latin typeface="Arial" panose="020B0604020202020204" pitchFamily="34" charset="0"/>
-              </a:rPr>
-              <a:t>Main functions of Stacks STL:</a:t>
-            </a:r>
-          </a:p>
-          <a:p>
-            <a:pPr lvl="0" eaLnBrk="0" fontAlgn="base" hangingPunct="0">
-              <a:lnSpc>
-                <a:spcPct val="250000"/>
-              </a:lnSpc>
-              <a:spcBef>
-                <a:spcPct val="0"/>
-              </a:spcBef>
-              <a:spcAft>
-                <a:spcPct val="0"/>
-              </a:spcAft>
-              <a:buFontTx/>
-              <a:buChar char="•"/>
-            </a:pPr>
-            <a:r>
-              <a:rPr lang="en-US" altLang="en-US" dirty="0">
-                <a:latin typeface="Arial Unicode MS"/>
-              </a:rPr>
-              <a:t>S</a:t>
-            </a:r>
-            <a:r>
-              <a:rPr kumimoji="0" lang="en-US" altLang="en-US" sz="1800" b="0" i="0" u="none" strike="noStrike" cap="none" normalizeH="0" baseline="0" dirty="0">
-                <a:ln>
-                  <a:noFill/>
-                </a:ln>
-                <a:solidFill>
-                  <a:schemeClr val="tx1"/>
-                </a:solidFill>
-                <a:effectLst/>
-                <a:latin typeface="Arial Unicode MS"/>
-              </a:rPr>
-              <a:t>ize()</a:t>
-            </a:r>
-            <a:r>
-              <a:rPr kumimoji="0" lang="en-US" altLang="en-US" sz="1800" b="0" i="0" u="none" strike="noStrike" cap="none" normalizeH="0" baseline="0" dirty="0">
-                <a:ln>
-                  <a:noFill/>
-                </a:ln>
-                <a:solidFill>
-                  <a:schemeClr val="tx1"/>
-                </a:solidFill>
-                <a:effectLst/>
-              </a:rPr>
-              <a:t> : </a:t>
-            </a:r>
-            <a:r>
-              <a:rPr lang="en-US" dirty="0"/>
-              <a:t>Return size of the stack</a:t>
-            </a:r>
-            <a:endParaRPr kumimoji="0" lang="en-US" altLang="en-US" sz="1800" b="0" i="0" u="none" strike="noStrike" cap="none" normalizeH="0" baseline="0" dirty="0">
-              <a:ln>
-                <a:noFill/>
-              </a:ln>
-              <a:solidFill>
-                <a:schemeClr val="tx1"/>
-              </a:solidFill>
-              <a:effectLst/>
-              <a:latin typeface="Arial" panose="020B0604020202020204" pitchFamily="34" charset="0"/>
-            </a:endParaRPr>
-          </a:p>
-          <a:p>
-            <a:pPr lvl="0" eaLnBrk="0" fontAlgn="base" hangingPunct="0">
-              <a:lnSpc>
-                <a:spcPct val="250000"/>
-              </a:lnSpc>
-              <a:spcBef>
-                <a:spcPct val="0"/>
-              </a:spcBef>
-              <a:spcAft>
-                <a:spcPct val="0"/>
-              </a:spcAft>
-              <a:buFontTx/>
-              <a:buChar char="•"/>
-            </a:pPr>
-            <a:r>
-              <a:rPr kumimoji="0" lang="en-US" altLang="en-US" sz="1800" b="0" i="0" u="none" strike="noStrike" cap="none" normalizeH="0" baseline="0" dirty="0">
-                <a:ln>
-                  <a:noFill/>
-                </a:ln>
-                <a:solidFill>
-                  <a:schemeClr val="tx1"/>
-                </a:solidFill>
-                <a:effectLst/>
-                <a:latin typeface="Arial Unicode MS"/>
-              </a:rPr>
-              <a:t>Push(x): </a:t>
-            </a:r>
-            <a:r>
-              <a:rPr lang="en-US" dirty="0"/>
-              <a:t>Insert element x at the top of the stack.</a:t>
-            </a:r>
-            <a:endParaRPr kumimoji="0" lang="en-US" altLang="en-US" sz="1800" b="0" i="0" u="none" strike="noStrike" cap="none" normalizeH="0" baseline="0" dirty="0">
-              <a:ln>
-                <a:noFill/>
-              </a:ln>
-              <a:solidFill>
-                <a:schemeClr val="tx1"/>
-              </a:solidFill>
-              <a:effectLst/>
-              <a:latin typeface="Arial" panose="020B0604020202020204" pitchFamily="34" charset="0"/>
-            </a:endParaRPr>
-          </a:p>
-          <a:p>
-            <a:pPr lvl="0" eaLnBrk="0" fontAlgn="base" hangingPunct="0">
-              <a:lnSpc>
-                <a:spcPct val="250000"/>
-              </a:lnSpc>
-              <a:spcBef>
-                <a:spcPct val="0"/>
-              </a:spcBef>
-              <a:spcAft>
-                <a:spcPct val="0"/>
-              </a:spcAft>
-              <a:buFontTx/>
-              <a:buChar char="•"/>
-            </a:pPr>
-            <a:r>
-              <a:rPr kumimoji="0" lang="en-US" altLang="en-US" sz="1800" b="0" i="0" u="none" strike="noStrike" cap="none" normalizeH="0" baseline="0" dirty="0">
-                <a:ln>
-                  <a:noFill/>
-                </a:ln>
-                <a:solidFill>
-                  <a:schemeClr val="tx1"/>
-                </a:solidFill>
-                <a:effectLst/>
-                <a:latin typeface="Arial Unicode MS"/>
-              </a:rPr>
-              <a:t>Empty</a:t>
-            </a:r>
-            <a:r>
-              <a:rPr lang="en-US" altLang="en-US" dirty="0">
-                <a:latin typeface="Arial Unicode MS"/>
-              </a:rPr>
-              <a:t>(): </a:t>
-            </a:r>
-            <a:r>
-              <a:rPr lang="en-US" dirty="0"/>
-              <a:t>Test whether container is empty</a:t>
-            </a:r>
-            <a:endParaRPr kumimoji="0" lang="en-US" altLang="en-US" sz="1800" b="0" i="0" u="none" strike="noStrike" cap="none" normalizeH="0" baseline="0" dirty="0">
-              <a:ln>
-                <a:noFill/>
-              </a:ln>
-              <a:solidFill>
-                <a:schemeClr val="tx1"/>
-              </a:solidFill>
-              <a:effectLst/>
-              <a:latin typeface="Arial" panose="020B0604020202020204" pitchFamily="34" charset="0"/>
-            </a:endParaRPr>
-          </a:p>
-          <a:p>
-            <a:pPr marL="0" marR="0" lvl="0" indent="0" algn="l" defTabSz="914400" rtl="0" eaLnBrk="0" fontAlgn="base" latinLnBrk="0" hangingPunct="0">
-              <a:lnSpc>
-                <a:spcPct val="250000"/>
-              </a:lnSpc>
-              <a:spcBef>
-                <a:spcPct val="0"/>
-              </a:spcBef>
-              <a:spcAft>
-                <a:spcPct val="0"/>
-              </a:spcAft>
-              <a:buClrTx/>
-              <a:buSzTx/>
-              <a:buFontTx/>
-              <a:buChar char="•"/>
-              <a:tabLst/>
-            </a:pPr>
-            <a:r>
-              <a:rPr kumimoji="0" lang="en-US" altLang="en-US" sz="1800" b="0" i="0" u="none" strike="noStrike" cap="none" normalizeH="0" baseline="0" dirty="0">
-                <a:ln>
-                  <a:noFill/>
-                </a:ln>
-                <a:solidFill>
-                  <a:schemeClr val="tx1"/>
-                </a:solidFill>
-                <a:effectLst/>
-                <a:latin typeface="Arial Unicode MS"/>
-              </a:rPr>
-              <a:t>Pop(): Removes top element </a:t>
-            </a:r>
-            <a:endParaRPr kumimoji="0" lang="en-US" altLang="en-US" sz="1800" b="0" i="0" u="none" strike="noStrike" cap="none" normalizeH="0" baseline="0" dirty="0">
-              <a:ln>
-                <a:noFill/>
-              </a:ln>
-              <a:solidFill>
-                <a:schemeClr val="tx1"/>
-              </a:solidFill>
-              <a:effectLst/>
-            </a:endParaRPr>
-          </a:p>
-          <a:p>
-            <a:pPr marL="0" marR="0" lvl="0" indent="0" algn="l" defTabSz="914400" rtl="0" eaLnBrk="0" fontAlgn="base" latinLnBrk="0" hangingPunct="0">
-              <a:lnSpc>
-                <a:spcPct val="100000"/>
-              </a:lnSpc>
-              <a:spcBef>
-                <a:spcPct val="0"/>
-              </a:spcBef>
-              <a:spcAft>
-                <a:spcPct val="0"/>
-              </a:spcAft>
-              <a:buClrTx/>
-              <a:buSzTx/>
-              <a:buFontTx/>
-              <a:buNone/>
-              <a:tabLst/>
-            </a:pPr>
-            <a:endParaRPr kumimoji="0" lang="en-US" altLang="en-US" sz="1800" b="0" i="0" u="none" strike="noStrike" cap="none" normalizeH="0" baseline="0" dirty="0">
-              <a:ln>
-                <a:noFill/>
-              </a:ln>
-              <a:solidFill>
-                <a:schemeClr val="tx1"/>
-              </a:solidFill>
-              <a:effectLst/>
-              <a:latin typeface="Arial" panose="020B0604020202020204" pitchFamily="34" charset="0"/>
-            </a:endParaRPr>
-          </a:p>
-        </p:txBody>
-      </p:sp>
-      <p:sp>
-        <p:nvSpPr>
-          <p:cNvPr id="8" name="Rectangle 7">
-            <a:extLst>
-              <a:ext uri="{FF2B5EF4-FFF2-40B4-BE49-F238E27FC236}">
-                <a16:creationId xmlns:a16="http://schemas.microsoft.com/office/drawing/2014/main" id="{E03FBB85-FFFA-4BFA-8B41-87908418BAA7}"/>
-              </a:ext>
-            </a:extLst>
-          </p:cNvPr>
-          <p:cNvSpPr/>
-          <p:nvPr/>
-        </p:nvSpPr>
-        <p:spPr>
-          <a:xfrm>
-            <a:off x="5126182" y="2484349"/>
-            <a:ext cx="7065818" cy="3970318"/>
-          </a:xfrm>
-          <a:prstGeom prst="rect">
-            <a:avLst/>
-          </a:prstGeom>
-        </p:spPr>
-        <p:txBody>
-          <a:bodyPr wrap="square">
-            <a:spAutoFit/>
-          </a:bodyPr>
-          <a:lstStyle/>
-          <a:p>
-            <a:r>
-              <a:rPr lang="en-ZA" dirty="0">
-                <a:solidFill>
-                  <a:srgbClr val="0000FF"/>
-                </a:solidFill>
-                <a:latin typeface="Consolas" panose="020B0609020204030204" pitchFamily="49" charset="0"/>
-              </a:rPr>
-              <a:t>template</a:t>
-            </a:r>
-            <a:r>
-              <a:rPr lang="en-ZA" dirty="0">
-                <a:solidFill>
-                  <a:srgbClr val="000000"/>
-                </a:solidFill>
-                <a:latin typeface="Consolas" panose="020B0609020204030204" pitchFamily="49" charset="0"/>
-              </a:rPr>
-              <a:t> &lt;</a:t>
-            </a:r>
-            <a:r>
-              <a:rPr lang="en-ZA" dirty="0" err="1">
-                <a:solidFill>
-                  <a:srgbClr val="0000FF"/>
-                </a:solidFill>
-                <a:latin typeface="Consolas" panose="020B0609020204030204" pitchFamily="49" charset="0"/>
-              </a:rPr>
-              <a:t>typename</a:t>
-            </a:r>
-            <a:r>
-              <a:rPr lang="en-ZA" dirty="0">
-                <a:solidFill>
-                  <a:srgbClr val="000000"/>
-                </a:solidFill>
-                <a:latin typeface="Consolas" panose="020B0609020204030204" pitchFamily="49" charset="0"/>
-              </a:rPr>
-              <a:t> </a:t>
-            </a:r>
-            <a:r>
-              <a:rPr lang="en-ZA" dirty="0">
-                <a:solidFill>
-                  <a:srgbClr val="2B91AF"/>
-                </a:solidFill>
-                <a:latin typeface="Consolas" panose="020B0609020204030204" pitchFamily="49" charset="0"/>
-              </a:rPr>
-              <a:t>E</a:t>
-            </a:r>
-            <a:r>
-              <a:rPr lang="en-ZA" dirty="0">
-                <a:solidFill>
-                  <a:srgbClr val="000000"/>
-                </a:solidFill>
-                <a:latin typeface="Consolas" panose="020B0609020204030204" pitchFamily="49" charset="0"/>
-              </a:rPr>
-              <a:t>&gt;</a:t>
-            </a:r>
-          </a:p>
-          <a:p>
-            <a:r>
-              <a:rPr lang="en-US" dirty="0">
-                <a:solidFill>
-                  <a:srgbClr val="0000FF"/>
-                </a:solidFill>
-                <a:latin typeface="Consolas" panose="020B0609020204030204" pitchFamily="49" charset="0"/>
-              </a:rPr>
-              <a:t>class</a:t>
-            </a:r>
-            <a:r>
-              <a:rPr lang="en-US" dirty="0">
-                <a:solidFill>
-                  <a:srgbClr val="000000"/>
-                </a:solidFill>
-                <a:latin typeface="Consolas" panose="020B0609020204030204" pitchFamily="49" charset="0"/>
-              </a:rPr>
-              <a:t> </a:t>
-            </a:r>
-            <a:r>
-              <a:rPr lang="en-US" dirty="0">
-                <a:solidFill>
-                  <a:srgbClr val="2B91AF"/>
-                </a:solidFill>
-                <a:latin typeface="Consolas" panose="020B0609020204030204" pitchFamily="49" charset="0"/>
-              </a:rPr>
-              <a:t>Stack</a:t>
-            </a:r>
-            <a:r>
-              <a:rPr lang="en-US" dirty="0">
-                <a:solidFill>
-                  <a:srgbClr val="000000"/>
-                </a:solidFill>
-                <a:latin typeface="Consolas" panose="020B0609020204030204" pitchFamily="49" charset="0"/>
-              </a:rPr>
-              <a:t>{</a:t>
-            </a:r>
-            <a:r>
-              <a:rPr lang="en-US" dirty="0">
-                <a:solidFill>
-                  <a:srgbClr val="008000"/>
-                </a:solidFill>
-                <a:latin typeface="Consolas" panose="020B0609020204030204" pitchFamily="49" charset="0"/>
-              </a:rPr>
-              <a:t>// an interface for a stack</a:t>
-            </a:r>
-            <a:endParaRPr lang="en-US" dirty="0">
-              <a:solidFill>
-                <a:srgbClr val="000000"/>
-              </a:solidFill>
-              <a:latin typeface="Consolas" panose="020B0609020204030204" pitchFamily="49" charset="0"/>
-            </a:endParaRPr>
-          </a:p>
-          <a:p>
-            <a:r>
-              <a:rPr lang="en-ZA" dirty="0">
-                <a:solidFill>
-                  <a:srgbClr val="0000FF"/>
-                </a:solidFill>
-                <a:latin typeface="Consolas" panose="020B0609020204030204" pitchFamily="49" charset="0"/>
-              </a:rPr>
-              <a:t>public</a:t>
-            </a:r>
-            <a:r>
-              <a:rPr lang="en-ZA" dirty="0">
-                <a:solidFill>
-                  <a:srgbClr val="000000"/>
-                </a:solidFill>
-                <a:latin typeface="Consolas" panose="020B0609020204030204" pitchFamily="49" charset="0"/>
-              </a:rPr>
-              <a:t>:</a:t>
-            </a:r>
-          </a:p>
-          <a:p>
-            <a:pPr lvl="1"/>
-            <a:r>
-              <a:rPr lang="en-US" dirty="0" err="1">
-                <a:solidFill>
-                  <a:srgbClr val="000000"/>
-                </a:solidFill>
-                <a:latin typeface="Consolas" panose="020B0609020204030204" pitchFamily="49" charset="0"/>
-              </a:rPr>
-              <a:t>intsize</a:t>
-            </a:r>
-            <a:r>
-              <a:rPr lang="en-US" dirty="0">
-                <a:solidFill>
-                  <a:srgbClr val="000000"/>
-                </a:solidFill>
-                <a:latin typeface="Consolas" panose="020B0609020204030204" pitchFamily="49" charset="0"/>
-              </a:rPr>
-              <a:t>()</a:t>
-            </a:r>
-            <a:r>
-              <a:rPr lang="en-US" dirty="0">
-                <a:solidFill>
-                  <a:srgbClr val="0000FF"/>
-                </a:solidFill>
-                <a:latin typeface="Consolas" panose="020B0609020204030204" pitchFamily="49" charset="0"/>
-              </a:rPr>
-              <a:t>const</a:t>
-            </a:r>
-            <a:r>
-              <a:rPr lang="en-US" dirty="0">
-                <a:solidFill>
-                  <a:srgbClr val="000000"/>
-                </a:solidFill>
-                <a:latin typeface="Consolas" panose="020B0609020204030204" pitchFamily="49" charset="0"/>
-              </a:rPr>
-              <a:t>;</a:t>
-            </a:r>
-            <a:r>
-              <a:rPr lang="en-US" dirty="0">
-                <a:solidFill>
-                  <a:srgbClr val="008000"/>
-                </a:solidFill>
-                <a:latin typeface="Consolas" panose="020B0609020204030204" pitchFamily="49" charset="0"/>
-              </a:rPr>
-              <a:t>// number of items in stack</a:t>
-            </a:r>
-            <a:endParaRPr lang="en-US" dirty="0">
-              <a:solidFill>
-                <a:srgbClr val="000000"/>
-              </a:solidFill>
-              <a:latin typeface="Consolas" panose="020B0609020204030204" pitchFamily="49" charset="0"/>
-            </a:endParaRPr>
-          </a:p>
-          <a:p>
-            <a:pPr lvl="1"/>
-            <a:r>
-              <a:rPr lang="en-US" dirty="0" err="1">
-                <a:solidFill>
-                  <a:srgbClr val="000000"/>
-                </a:solidFill>
-                <a:latin typeface="Consolas" panose="020B0609020204030204" pitchFamily="49" charset="0"/>
-              </a:rPr>
-              <a:t>boolempty</a:t>
-            </a:r>
-            <a:r>
-              <a:rPr lang="en-US" dirty="0">
-                <a:solidFill>
-                  <a:srgbClr val="000000"/>
-                </a:solidFill>
-                <a:latin typeface="Consolas" panose="020B0609020204030204" pitchFamily="49" charset="0"/>
-              </a:rPr>
-              <a:t>()</a:t>
-            </a:r>
-            <a:r>
-              <a:rPr lang="en-US" dirty="0">
-                <a:solidFill>
-                  <a:srgbClr val="0000FF"/>
-                </a:solidFill>
-                <a:latin typeface="Consolas" panose="020B0609020204030204" pitchFamily="49" charset="0"/>
-              </a:rPr>
-              <a:t>const</a:t>
-            </a:r>
-            <a:r>
-              <a:rPr lang="en-US" dirty="0">
-                <a:solidFill>
-                  <a:srgbClr val="000000"/>
-                </a:solidFill>
-                <a:latin typeface="Consolas" panose="020B0609020204030204" pitchFamily="49" charset="0"/>
-              </a:rPr>
-              <a:t>;</a:t>
-            </a:r>
-            <a:r>
-              <a:rPr lang="en-US" dirty="0">
-                <a:solidFill>
-                  <a:srgbClr val="008000"/>
-                </a:solidFill>
-                <a:latin typeface="Consolas" panose="020B0609020204030204" pitchFamily="49" charset="0"/>
-              </a:rPr>
-              <a:t>// is the stack empty?</a:t>
-            </a:r>
-            <a:endParaRPr lang="en-US" dirty="0">
-              <a:solidFill>
-                <a:srgbClr val="000000"/>
-              </a:solidFill>
-              <a:latin typeface="Consolas" panose="020B0609020204030204" pitchFamily="49" charset="0"/>
-            </a:endParaRPr>
-          </a:p>
-          <a:p>
-            <a:pPr lvl="1"/>
-            <a:r>
-              <a:rPr lang="en-US" dirty="0" err="1">
-                <a:solidFill>
-                  <a:srgbClr val="000000"/>
-                </a:solidFill>
-                <a:latin typeface="Consolas" panose="020B0609020204030204" pitchFamily="49" charset="0"/>
-              </a:rPr>
-              <a:t>constE</a:t>
-            </a:r>
-            <a:r>
-              <a:rPr lang="en-US" dirty="0">
-                <a:solidFill>
-                  <a:srgbClr val="000000"/>
-                </a:solidFill>
-                <a:latin typeface="Consolas" panose="020B0609020204030204" pitchFamily="49" charset="0"/>
-              </a:rPr>
-              <a:t>&amp; top()</a:t>
-            </a:r>
-            <a:r>
-              <a:rPr lang="en-US" dirty="0">
-                <a:solidFill>
-                  <a:srgbClr val="0000FF"/>
-                </a:solidFill>
-                <a:latin typeface="Consolas" panose="020B0609020204030204" pitchFamily="49" charset="0"/>
-              </a:rPr>
-              <a:t>const</a:t>
-            </a:r>
-            <a:r>
-              <a:rPr lang="en-US" dirty="0">
-                <a:solidFill>
-                  <a:srgbClr val="000000"/>
-                </a:solidFill>
-                <a:latin typeface="Consolas" panose="020B0609020204030204" pitchFamily="49" charset="0"/>
-              </a:rPr>
-              <a:t> </a:t>
-            </a:r>
-            <a:r>
-              <a:rPr lang="en-US" dirty="0">
-                <a:solidFill>
-                  <a:srgbClr val="0000FF"/>
-                </a:solidFill>
-                <a:latin typeface="Consolas" panose="020B0609020204030204" pitchFamily="49" charset="0"/>
-              </a:rPr>
-              <a:t>throw</a:t>
-            </a:r>
-            <a:r>
-              <a:rPr lang="en-US" dirty="0">
-                <a:solidFill>
-                  <a:srgbClr val="000000"/>
-                </a:solidFill>
-                <a:latin typeface="Consolas" panose="020B0609020204030204" pitchFamily="49" charset="0"/>
-              </a:rPr>
-              <a:t>(</a:t>
-            </a:r>
-            <a:r>
-              <a:rPr lang="en-US" dirty="0" err="1">
-                <a:solidFill>
-                  <a:srgbClr val="000000"/>
-                </a:solidFill>
-                <a:latin typeface="Consolas" panose="020B0609020204030204" pitchFamily="49" charset="0"/>
-              </a:rPr>
-              <a:t>StackEmpty</a:t>
-            </a:r>
-            <a:r>
-              <a:rPr lang="en-US" dirty="0">
-                <a:solidFill>
-                  <a:srgbClr val="000000"/>
-                </a:solidFill>
-                <a:latin typeface="Consolas" panose="020B0609020204030204" pitchFamily="49" charset="0"/>
-              </a:rPr>
-              <a:t>);</a:t>
-            </a:r>
-            <a:r>
-              <a:rPr lang="en-US" dirty="0">
-                <a:solidFill>
-                  <a:srgbClr val="008000"/>
-                </a:solidFill>
-                <a:latin typeface="Consolas" panose="020B0609020204030204" pitchFamily="49" charset="0"/>
-              </a:rPr>
-              <a:t>// the top element</a:t>
-            </a:r>
-            <a:endParaRPr lang="en-US" dirty="0">
-              <a:solidFill>
-                <a:srgbClr val="000000"/>
-              </a:solidFill>
-              <a:latin typeface="Consolas" panose="020B0609020204030204" pitchFamily="49" charset="0"/>
-            </a:endParaRPr>
-          </a:p>
-          <a:p>
-            <a:pPr lvl="1"/>
-            <a:r>
-              <a:rPr lang="en-US" dirty="0" err="1">
-                <a:solidFill>
-                  <a:srgbClr val="000000"/>
-                </a:solidFill>
-                <a:latin typeface="Consolas" panose="020B0609020204030204" pitchFamily="49" charset="0"/>
-              </a:rPr>
-              <a:t>voidpush</a:t>
-            </a:r>
-            <a:r>
-              <a:rPr lang="en-US" dirty="0">
-                <a:solidFill>
-                  <a:srgbClr val="000000"/>
-                </a:solidFill>
-                <a:latin typeface="Consolas" panose="020B0609020204030204" pitchFamily="49" charset="0"/>
-              </a:rPr>
-              <a:t>(</a:t>
-            </a:r>
-            <a:r>
-              <a:rPr lang="en-US" dirty="0" err="1">
-                <a:solidFill>
-                  <a:srgbClr val="000000"/>
-                </a:solidFill>
-                <a:latin typeface="Consolas" panose="020B0609020204030204" pitchFamily="49" charset="0"/>
-              </a:rPr>
-              <a:t>constE</a:t>
-            </a:r>
-            <a:r>
-              <a:rPr lang="en-US" dirty="0">
-                <a:solidFill>
-                  <a:srgbClr val="000000"/>
-                </a:solidFill>
-                <a:latin typeface="Consolas" panose="020B0609020204030204" pitchFamily="49" charset="0"/>
-              </a:rPr>
-              <a:t>&amp; e);</a:t>
-            </a:r>
-            <a:r>
-              <a:rPr lang="en-US" dirty="0">
-                <a:solidFill>
-                  <a:srgbClr val="008000"/>
-                </a:solidFill>
-                <a:latin typeface="Consolas" panose="020B0609020204030204" pitchFamily="49" charset="0"/>
-              </a:rPr>
-              <a:t>// push x onto the stack</a:t>
-            </a:r>
-            <a:endParaRPr lang="en-US" dirty="0">
-              <a:solidFill>
-                <a:srgbClr val="000000"/>
-              </a:solidFill>
-              <a:latin typeface="Consolas" panose="020B0609020204030204" pitchFamily="49" charset="0"/>
-            </a:endParaRPr>
-          </a:p>
-          <a:p>
-            <a:pPr lvl="1"/>
-            <a:r>
-              <a:rPr lang="en-US" dirty="0" err="1">
-                <a:solidFill>
-                  <a:srgbClr val="000000"/>
-                </a:solidFill>
-                <a:latin typeface="Consolas" panose="020B0609020204030204" pitchFamily="49" charset="0"/>
-              </a:rPr>
-              <a:t>voidpop</a:t>
-            </a:r>
-            <a:r>
-              <a:rPr lang="en-US" dirty="0">
-                <a:solidFill>
-                  <a:srgbClr val="000000"/>
-                </a:solidFill>
-                <a:latin typeface="Consolas" panose="020B0609020204030204" pitchFamily="49" charset="0"/>
-              </a:rPr>
-              <a:t>()</a:t>
-            </a:r>
-            <a:r>
-              <a:rPr lang="en-US" dirty="0">
-                <a:solidFill>
-                  <a:srgbClr val="0000FF"/>
-                </a:solidFill>
-                <a:latin typeface="Consolas" panose="020B0609020204030204" pitchFamily="49" charset="0"/>
-              </a:rPr>
-              <a:t>throw</a:t>
-            </a:r>
-            <a:r>
-              <a:rPr lang="en-US" dirty="0">
-                <a:solidFill>
-                  <a:srgbClr val="000000"/>
-                </a:solidFill>
-                <a:latin typeface="Consolas" panose="020B0609020204030204" pitchFamily="49" charset="0"/>
-              </a:rPr>
-              <a:t>(</a:t>
-            </a:r>
-            <a:r>
-              <a:rPr lang="en-US" dirty="0" err="1">
-                <a:solidFill>
-                  <a:srgbClr val="000000"/>
-                </a:solidFill>
-                <a:latin typeface="Consolas" panose="020B0609020204030204" pitchFamily="49" charset="0"/>
-              </a:rPr>
-              <a:t>StackEmpty</a:t>
-            </a:r>
-            <a:r>
-              <a:rPr lang="en-US" dirty="0">
-                <a:solidFill>
-                  <a:srgbClr val="000000"/>
-                </a:solidFill>
-                <a:latin typeface="Consolas" panose="020B0609020204030204" pitchFamily="49" charset="0"/>
-              </a:rPr>
-              <a:t>);</a:t>
-            </a:r>
-            <a:r>
-              <a:rPr lang="en-US" dirty="0">
-                <a:solidFill>
-                  <a:srgbClr val="008000"/>
-                </a:solidFill>
-                <a:latin typeface="Consolas" panose="020B0609020204030204" pitchFamily="49" charset="0"/>
-              </a:rPr>
-              <a:t>// remove the top element</a:t>
-            </a:r>
-            <a:endParaRPr lang="en-US" dirty="0">
-              <a:solidFill>
-                <a:srgbClr val="000000"/>
-              </a:solidFill>
-              <a:latin typeface="Consolas" panose="020B0609020204030204" pitchFamily="49" charset="0"/>
-            </a:endParaRPr>
-          </a:p>
-          <a:p>
-            <a:r>
-              <a:rPr lang="en-ZA" dirty="0">
-                <a:solidFill>
-                  <a:srgbClr val="000000"/>
-                </a:solidFill>
-                <a:latin typeface="Consolas" panose="020B0609020204030204" pitchFamily="49" charset="0"/>
-              </a:rPr>
-              <a:t>};</a:t>
-            </a:r>
-          </a:p>
-          <a:p>
-            <a:endParaRPr lang="en-ZA" dirty="0">
-              <a:solidFill>
-                <a:srgbClr val="000000"/>
-              </a:solidFill>
-              <a:latin typeface="Consolas" panose="020B0609020204030204" pitchFamily="49" charset="0"/>
-            </a:endParaRPr>
-          </a:p>
-          <a:p>
-            <a:r>
-              <a:rPr lang="en-US" b="1" u="sng" dirty="0">
-                <a:solidFill>
-                  <a:srgbClr val="000000"/>
-                </a:solidFill>
-                <a:latin typeface="Consolas" panose="020B0609020204030204" pitchFamily="49" charset="0"/>
-              </a:rPr>
-              <a:t>Code Fragment 5.1:An informal Stack </a:t>
-            </a:r>
-            <a:r>
-              <a:rPr lang="en-US" b="1" u="sng" dirty="0">
-                <a:solidFill>
-                  <a:srgbClr val="0000FF"/>
-                </a:solidFill>
-                <a:latin typeface="Consolas" panose="020B0609020204030204" pitchFamily="49" charset="0"/>
-              </a:rPr>
-              <a:t>interface</a:t>
-            </a:r>
-            <a:r>
-              <a:rPr lang="en-US" b="1" u="sng" dirty="0">
-                <a:solidFill>
-                  <a:srgbClr val="000000"/>
-                </a:solidFill>
-                <a:latin typeface="Consolas" panose="020B0609020204030204" pitchFamily="49" charset="0"/>
-              </a:rPr>
-              <a:t> (not a complete C++ </a:t>
-            </a:r>
-            <a:r>
-              <a:rPr lang="en-US" b="1" u="sng" dirty="0">
-                <a:solidFill>
-                  <a:srgbClr val="0000FF"/>
-                </a:solidFill>
-                <a:latin typeface="Consolas" panose="020B0609020204030204" pitchFamily="49" charset="0"/>
-              </a:rPr>
-              <a:t>class</a:t>
-            </a:r>
-            <a:r>
-              <a:rPr lang="en-US" b="1" u="sng" dirty="0">
-                <a:solidFill>
-                  <a:srgbClr val="000000"/>
-                </a:solidFill>
-                <a:latin typeface="Consolas" panose="020B0609020204030204" pitchFamily="49" charset="0"/>
-              </a:rPr>
-              <a:t>).</a:t>
-            </a:r>
-          </a:p>
-        </p:txBody>
-      </p:sp>
-    </p:spTree>
-    <p:extLst>
-      <p:ext uri="{BB962C8B-B14F-4D97-AF65-F5344CB8AC3E}">
-        <p14:creationId xmlns:p14="http://schemas.microsoft.com/office/powerpoint/2010/main" val="844901512"/>
-      </p:ext>
-    </p:extLst>
-  </p:cSld>
-  <p:clrMapOvr>
-    <a:masterClrMapping/>
-  </p:clrMapOvr>
-</p:sld>
-</file>
-
-<file path=ppt/slides/slide15.xml><?xml version="1.0" encoding="utf-8"?>
-<p:sld xmlns:a="http://schemas.openxmlformats.org/drawingml/2006/main" xmlns:r="http://schemas.openxmlformats.org/officeDocument/2006/relationships" xmlns:p="http://schemas.openxmlformats.org/presentationml/2006/main">
-  <p:cSld>
-    <p:spTree>
-      <p:nvGrpSpPr>
-        <p:cNvPr id="1" name=""/>
-        <p:cNvGrpSpPr/>
-        <p:nvPr/>
-      </p:nvGrpSpPr>
-      <p:grpSpPr>
-        <a:xfrm>
-          <a:off x="0" y="0"/>
-          <a:ext cx="0" cy="0"/>
-          <a:chOff x="0" y="0"/>
-          <a:chExt cx="0" cy="0"/>
-        </a:xfrm>
-      </p:grpSpPr>
-      <p:sp>
-        <p:nvSpPr>
-          <p:cNvPr id="2" name="Title 1">
-            <a:extLst>
-              <a:ext uri="{FF2B5EF4-FFF2-40B4-BE49-F238E27FC236}">
-                <a16:creationId xmlns:a16="http://schemas.microsoft.com/office/drawing/2014/main" id="{D5ADB741-E60D-422D-8B8C-3C91984C06A5}"/>
-              </a:ext>
-            </a:extLst>
-          </p:cNvPr>
-          <p:cNvSpPr>
-            <a:spLocks noGrp="1"/>
-          </p:cNvSpPr>
-          <p:nvPr>
-            <p:ph type="title"/>
-          </p:nvPr>
-        </p:nvSpPr>
-        <p:spPr/>
-        <p:txBody>
-          <a:bodyPr/>
-          <a:lstStyle/>
-          <a:p>
-            <a:r>
-              <a:rPr lang="en-ZA" dirty="0"/>
-              <a:t>Stacks</a:t>
-            </a:r>
-          </a:p>
-        </p:txBody>
-      </p:sp>
-      <p:graphicFrame>
-        <p:nvGraphicFramePr>
-          <p:cNvPr id="4" name="Table 3">
-            <a:extLst>
-              <a:ext uri="{FF2B5EF4-FFF2-40B4-BE49-F238E27FC236}">
-                <a16:creationId xmlns:a16="http://schemas.microsoft.com/office/drawing/2014/main" id="{994A58CA-3D76-4425-94C2-475E6B04C21E}"/>
-              </a:ext>
-            </a:extLst>
-          </p:cNvPr>
-          <p:cNvGraphicFramePr>
-            <a:graphicFrameLocks noGrp="1"/>
-          </p:cNvGraphicFramePr>
-          <p:nvPr/>
-        </p:nvGraphicFramePr>
-        <p:xfrm>
-          <a:off x="5949036" y="1384192"/>
-          <a:ext cx="2686637" cy="747929"/>
-        </p:xfrm>
-        <a:graphic>
-          <a:graphicData uri="http://schemas.openxmlformats.org/drawingml/2006/table">
-            <a:tbl>
-              <a:tblPr firstRow="1" bandRow="1">
-                <a:tableStyleId>{5C22544A-7EE6-4342-B048-85BDC9FD1C3A}</a:tableStyleId>
-              </a:tblPr>
-              <a:tblGrid>
-                <a:gridCol w="2686637">
-                  <a:extLst>
-                    <a:ext uri="{9D8B030D-6E8A-4147-A177-3AD203B41FA5}">
-                      <a16:colId xmlns:a16="http://schemas.microsoft.com/office/drawing/2014/main" val="3796963812"/>
-                    </a:ext>
-                  </a:extLst>
-                </a:gridCol>
-              </a:tblGrid>
-              <a:tr h="377089">
-                <a:tc>
-                  <a:txBody>
-                    <a:bodyPr/>
-                    <a:lstStyle/>
-                    <a:p>
-                      <a:pPr algn="ctr"/>
-                      <a:r>
-                        <a:rPr lang="en-ZA" dirty="0"/>
-                        <a:t>Remove Last (From Back)  </a:t>
-                      </a:r>
-                    </a:p>
-                  </a:txBody>
-                  <a:tcPr>
-                    <a:solidFill>
-                      <a:schemeClr val="tx1">
-                        <a:lumMod val="75000"/>
-                        <a:lumOff val="25000"/>
-                      </a:schemeClr>
-                    </a:solidFill>
-                  </a:tcPr>
-                </a:tc>
-                <a:extLst>
-                  <a:ext uri="{0D108BD9-81ED-4DB2-BD59-A6C34878D82A}">
-                    <a16:rowId xmlns:a16="http://schemas.microsoft.com/office/drawing/2014/main" val="222445295"/>
-                  </a:ext>
-                </a:extLst>
-              </a:tr>
-              <a:tr h="370840">
-                <a:tc>
-                  <a:txBody>
-                    <a:bodyPr/>
-                    <a:lstStyle/>
-                    <a:p>
-                      <a:pPr algn="ctr"/>
-                      <a:r>
-                        <a:rPr lang="en-ZA" dirty="0"/>
-                        <a:t>O(1)</a:t>
-                      </a:r>
-                    </a:p>
-                  </a:txBody>
-                  <a:tcPr>
-                    <a:solidFill>
-                      <a:schemeClr val="accent4">
-                        <a:lumMod val="60000"/>
-                        <a:lumOff val="40000"/>
-                      </a:schemeClr>
-                    </a:solidFill>
-                  </a:tcPr>
-                </a:tc>
-                <a:extLst>
-                  <a:ext uri="{0D108BD9-81ED-4DB2-BD59-A6C34878D82A}">
-                    <a16:rowId xmlns:a16="http://schemas.microsoft.com/office/drawing/2014/main" val="1314663892"/>
-                  </a:ext>
-                </a:extLst>
-              </a:tr>
-            </a:tbl>
-          </a:graphicData>
-        </a:graphic>
-      </p:graphicFrame>
-      <p:graphicFrame>
-        <p:nvGraphicFramePr>
-          <p:cNvPr id="5" name="Table 4">
-            <a:extLst>
-              <a:ext uri="{FF2B5EF4-FFF2-40B4-BE49-F238E27FC236}">
-                <a16:creationId xmlns:a16="http://schemas.microsoft.com/office/drawing/2014/main" id="{6498EF5F-38CE-4036-B7C4-63D5550FAF58}"/>
-              </a:ext>
-            </a:extLst>
-          </p:cNvPr>
-          <p:cNvGraphicFramePr>
-            <a:graphicFrameLocks noGrp="1"/>
-          </p:cNvGraphicFramePr>
-          <p:nvPr/>
-        </p:nvGraphicFramePr>
-        <p:xfrm>
-          <a:off x="838200" y="1384192"/>
-          <a:ext cx="2272146" cy="747929"/>
-        </p:xfrm>
-        <a:graphic>
-          <a:graphicData uri="http://schemas.openxmlformats.org/drawingml/2006/table">
-            <a:tbl>
-              <a:tblPr firstRow="1" bandRow="1">
-                <a:tableStyleId>{5C22544A-7EE6-4342-B048-85BDC9FD1C3A}</a:tableStyleId>
-              </a:tblPr>
-              <a:tblGrid>
-                <a:gridCol w="2272146">
-                  <a:extLst>
-                    <a:ext uri="{9D8B030D-6E8A-4147-A177-3AD203B41FA5}">
-                      <a16:colId xmlns:a16="http://schemas.microsoft.com/office/drawing/2014/main" val="3796963812"/>
-                    </a:ext>
-                  </a:extLst>
-                </a:gridCol>
-              </a:tblGrid>
-              <a:tr h="377089">
-                <a:tc>
-                  <a:txBody>
-                    <a:bodyPr/>
-                    <a:lstStyle/>
-                    <a:p>
-                      <a:pPr algn="ctr"/>
-                      <a:r>
-                        <a:rPr lang="en-ZA" dirty="0"/>
-                        <a:t>Add First (From Back)  </a:t>
-                      </a:r>
-                    </a:p>
-                  </a:txBody>
-                  <a:tcPr>
-                    <a:solidFill>
-                      <a:schemeClr val="tx1">
-                        <a:lumMod val="75000"/>
-                        <a:lumOff val="25000"/>
-                        <a:alpha val="10000"/>
-                      </a:schemeClr>
-                    </a:solidFill>
-                  </a:tcPr>
-                </a:tc>
-                <a:extLst>
-                  <a:ext uri="{0D108BD9-81ED-4DB2-BD59-A6C34878D82A}">
-                    <a16:rowId xmlns:a16="http://schemas.microsoft.com/office/drawing/2014/main" val="222445295"/>
-                  </a:ext>
-                </a:extLst>
-              </a:tr>
-              <a:tr h="370840">
-                <a:tc>
-                  <a:txBody>
-                    <a:bodyPr/>
-                    <a:lstStyle/>
-                    <a:p>
-                      <a:pPr algn="ctr"/>
-                      <a:r>
-                        <a:rPr lang="en-ZA" dirty="0"/>
-                        <a:t>O(n)</a:t>
-                      </a:r>
-                    </a:p>
-                  </a:txBody>
-                  <a:tcPr>
-                    <a:solidFill>
-                      <a:schemeClr val="accent4">
-                        <a:lumMod val="60000"/>
-                        <a:lumOff val="40000"/>
-                        <a:alpha val="10000"/>
-                      </a:schemeClr>
-                    </a:solidFill>
-                  </a:tcPr>
-                </a:tc>
-                <a:extLst>
-                  <a:ext uri="{0D108BD9-81ED-4DB2-BD59-A6C34878D82A}">
-                    <a16:rowId xmlns:a16="http://schemas.microsoft.com/office/drawing/2014/main" val="1314663892"/>
-                  </a:ext>
-                </a:extLst>
-              </a:tr>
-            </a:tbl>
-          </a:graphicData>
-        </a:graphic>
-      </p:graphicFrame>
-      <p:graphicFrame>
-        <p:nvGraphicFramePr>
-          <p:cNvPr id="6" name="Table 5">
-            <a:extLst>
-              <a:ext uri="{FF2B5EF4-FFF2-40B4-BE49-F238E27FC236}">
-                <a16:creationId xmlns:a16="http://schemas.microsoft.com/office/drawing/2014/main" id="{E0C2AA83-4BA3-4AAD-B113-9A8D20DF1FBB}"/>
-              </a:ext>
-            </a:extLst>
-          </p:cNvPr>
-          <p:cNvGraphicFramePr>
-            <a:graphicFrameLocks noGrp="1"/>
-          </p:cNvGraphicFramePr>
-          <p:nvPr/>
-        </p:nvGraphicFramePr>
-        <p:xfrm>
-          <a:off x="8729181" y="1384192"/>
-          <a:ext cx="2272145" cy="747929"/>
-        </p:xfrm>
-        <a:graphic>
-          <a:graphicData uri="http://schemas.openxmlformats.org/drawingml/2006/table">
-            <a:tbl>
-              <a:tblPr firstRow="1" bandRow="1">
-                <a:tableStyleId>{5C22544A-7EE6-4342-B048-85BDC9FD1C3A}</a:tableStyleId>
-              </a:tblPr>
-              <a:tblGrid>
-                <a:gridCol w="2272145">
-                  <a:extLst>
-                    <a:ext uri="{9D8B030D-6E8A-4147-A177-3AD203B41FA5}">
-                      <a16:colId xmlns:a16="http://schemas.microsoft.com/office/drawing/2014/main" val="3796963812"/>
-                    </a:ext>
-                  </a:extLst>
-                </a:gridCol>
-              </a:tblGrid>
-              <a:tr h="377089">
-                <a:tc>
-                  <a:txBody>
-                    <a:bodyPr/>
-                    <a:lstStyle/>
-                    <a:p>
-                      <a:pPr algn="ctr"/>
-                      <a:r>
-                        <a:rPr lang="en-ZA" dirty="0"/>
-                        <a:t>Add Last (From Back) </a:t>
-                      </a:r>
-                    </a:p>
-                  </a:txBody>
-                  <a:tcPr>
-                    <a:solidFill>
-                      <a:schemeClr val="tx1">
-                        <a:lumMod val="75000"/>
-                        <a:lumOff val="25000"/>
-                      </a:schemeClr>
-                    </a:solidFill>
-                  </a:tcPr>
-                </a:tc>
-                <a:extLst>
-                  <a:ext uri="{0D108BD9-81ED-4DB2-BD59-A6C34878D82A}">
-                    <a16:rowId xmlns:a16="http://schemas.microsoft.com/office/drawing/2014/main" val="222445295"/>
-                  </a:ext>
-                </a:extLst>
-              </a:tr>
-              <a:tr h="370840">
-                <a:tc>
-                  <a:txBody>
-                    <a:bodyPr/>
-                    <a:lstStyle/>
-                    <a:p>
-                      <a:pPr algn="ctr"/>
-                      <a:r>
-                        <a:rPr lang="en-ZA" dirty="0"/>
-                        <a:t>O(1)</a:t>
-                      </a:r>
-                    </a:p>
-                  </a:txBody>
-                  <a:tcPr>
-                    <a:solidFill>
-                      <a:schemeClr val="accent4">
-                        <a:lumMod val="60000"/>
-                        <a:lumOff val="40000"/>
-                      </a:schemeClr>
-                    </a:solidFill>
-                  </a:tcPr>
-                </a:tc>
-                <a:extLst>
-                  <a:ext uri="{0D108BD9-81ED-4DB2-BD59-A6C34878D82A}">
-                    <a16:rowId xmlns:a16="http://schemas.microsoft.com/office/drawing/2014/main" val="1314663892"/>
-                  </a:ext>
-                </a:extLst>
-              </a:tr>
-            </a:tbl>
-          </a:graphicData>
-        </a:graphic>
-      </p:graphicFrame>
-      <p:graphicFrame>
-        <p:nvGraphicFramePr>
-          <p:cNvPr id="7" name="Table 6">
-            <a:extLst>
-              <a:ext uri="{FF2B5EF4-FFF2-40B4-BE49-F238E27FC236}">
-                <a16:creationId xmlns:a16="http://schemas.microsoft.com/office/drawing/2014/main" id="{6419E500-1FB4-4F32-BAD1-E29C5F9630D1}"/>
-              </a:ext>
-            </a:extLst>
-          </p:cNvPr>
-          <p:cNvGraphicFramePr>
-            <a:graphicFrameLocks noGrp="1"/>
-          </p:cNvGraphicFramePr>
-          <p:nvPr/>
-        </p:nvGraphicFramePr>
-        <p:xfrm>
-          <a:off x="3203854" y="1384192"/>
-          <a:ext cx="2651674" cy="747929"/>
-        </p:xfrm>
-        <a:graphic>
-          <a:graphicData uri="http://schemas.openxmlformats.org/drawingml/2006/table">
-            <a:tbl>
-              <a:tblPr firstRow="1" bandRow="1">
-                <a:tableStyleId>{5C22544A-7EE6-4342-B048-85BDC9FD1C3A}</a:tableStyleId>
-              </a:tblPr>
-              <a:tblGrid>
-                <a:gridCol w="2651674">
-                  <a:extLst>
-                    <a:ext uri="{9D8B030D-6E8A-4147-A177-3AD203B41FA5}">
-                      <a16:colId xmlns:a16="http://schemas.microsoft.com/office/drawing/2014/main" val="3796963812"/>
-                    </a:ext>
-                  </a:extLst>
-                </a:gridCol>
-              </a:tblGrid>
-              <a:tr h="377089">
-                <a:tc>
-                  <a:txBody>
-                    <a:bodyPr/>
-                    <a:lstStyle/>
-                    <a:p>
-                      <a:pPr algn="ctr"/>
-                      <a:r>
-                        <a:rPr lang="en-ZA" dirty="0"/>
-                        <a:t>Remove First (From Back)  </a:t>
-                      </a:r>
-                    </a:p>
-                  </a:txBody>
-                  <a:tcPr>
-                    <a:solidFill>
-                      <a:schemeClr val="tx1">
-                        <a:lumMod val="75000"/>
-                        <a:lumOff val="25000"/>
-                        <a:alpha val="10000"/>
-                      </a:schemeClr>
-                    </a:solidFill>
-                  </a:tcPr>
-                </a:tc>
-                <a:extLst>
-                  <a:ext uri="{0D108BD9-81ED-4DB2-BD59-A6C34878D82A}">
-                    <a16:rowId xmlns:a16="http://schemas.microsoft.com/office/drawing/2014/main" val="222445295"/>
-                  </a:ext>
-                </a:extLst>
-              </a:tr>
-              <a:tr h="370840">
-                <a:tc>
-                  <a:txBody>
-                    <a:bodyPr/>
-                    <a:lstStyle/>
-                    <a:p>
-                      <a:pPr algn="ctr"/>
-                      <a:r>
-                        <a:rPr lang="en-ZA" dirty="0"/>
-                        <a:t>O(n)</a:t>
-                      </a:r>
-                    </a:p>
-                  </a:txBody>
-                  <a:tcPr>
-                    <a:solidFill>
-                      <a:schemeClr val="accent4">
-                        <a:lumMod val="60000"/>
-                        <a:lumOff val="40000"/>
-                        <a:alpha val="10000"/>
-                      </a:schemeClr>
-                    </a:solidFill>
-                  </a:tcPr>
-                </a:tc>
-                <a:extLst>
-                  <a:ext uri="{0D108BD9-81ED-4DB2-BD59-A6C34878D82A}">
-                    <a16:rowId xmlns:a16="http://schemas.microsoft.com/office/drawing/2014/main" val="1314663892"/>
-                  </a:ext>
-                </a:extLst>
-              </a:tr>
-            </a:tbl>
-          </a:graphicData>
-        </a:graphic>
-      </p:graphicFrame>
-      <p:graphicFrame>
-        <p:nvGraphicFramePr>
-          <p:cNvPr id="8" name="Table 7">
-            <a:extLst>
-              <a:ext uri="{FF2B5EF4-FFF2-40B4-BE49-F238E27FC236}">
-                <a16:creationId xmlns:a16="http://schemas.microsoft.com/office/drawing/2014/main" id="{D10BEC04-A850-4BAA-BDAA-50B074E49158}"/>
-              </a:ext>
-            </a:extLst>
-          </p:cNvPr>
-          <p:cNvGraphicFramePr>
-            <a:graphicFrameLocks noGrp="1"/>
-          </p:cNvGraphicFramePr>
-          <p:nvPr/>
-        </p:nvGraphicFramePr>
-        <p:xfrm>
-          <a:off x="527290" y="3429000"/>
-          <a:ext cx="1294255" cy="2966720"/>
-        </p:xfrm>
-        <a:graphic>
-          <a:graphicData uri="http://schemas.openxmlformats.org/drawingml/2006/table">
-            <a:tbl>
-              <a:tblPr firstRow="1" bandRow="1">
-                <a:tableStyleId>{5C22544A-7EE6-4342-B048-85BDC9FD1C3A}</a:tableStyleId>
-              </a:tblPr>
-              <a:tblGrid>
-                <a:gridCol w="1294255">
-                  <a:extLst>
-                    <a:ext uri="{9D8B030D-6E8A-4147-A177-3AD203B41FA5}">
-                      <a16:colId xmlns:a16="http://schemas.microsoft.com/office/drawing/2014/main" val="3729675899"/>
-                    </a:ext>
-                  </a:extLst>
-                </a:gridCol>
-              </a:tblGrid>
-              <a:tr h="370840">
-                <a:tc>
-                  <a:txBody>
-                    <a:bodyPr/>
-                    <a:lstStyle/>
-                    <a:p>
-                      <a:pPr algn="ctr"/>
-                      <a:r>
-                        <a:rPr lang="en-ZA" b="0" dirty="0">
-                          <a:solidFill>
-                            <a:schemeClr val="tx1"/>
-                          </a:solidFill>
-                        </a:rPr>
-                        <a:t>1</a:t>
-                      </a:r>
-                    </a:p>
-                  </a:txBody>
-                  <a:tcPr>
-                    <a:lnL w="12700" cap="flat" cmpd="sng" algn="ctr">
-                      <a:solidFill>
-                        <a:schemeClr val="tx1"/>
-                      </a:solidFill>
-                      <a:prstDash val="solid"/>
-                      <a:round/>
-                      <a:headEnd type="none" w="med" len="med"/>
-                      <a:tailEnd type="none" w="med" len="med"/>
-                    </a:lnL>
-                    <a:lnR w="12700" cap="flat" cmpd="sng" algn="ctr">
-                      <a:solidFill>
-                        <a:schemeClr val="tx1"/>
-                      </a:solidFill>
-                      <a:prstDash val="solid"/>
-                      <a:round/>
-                      <a:headEnd type="none" w="med" len="med"/>
-                      <a:tailEnd type="none" w="med" len="med"/>
-                    </a:lnR>
-                    <a:lnT w="12700" cap="flat" cmpd="sng" algn="ctr">
-                      <a:solidFill>
-                        <a:schemeClr val="tx1"/>
-                      </a:solidFill>
-                      <a:prstDash val="solid"/>
-                      <a:round/>
-                      <a:headEnd type="none" w="med" len="med"/>
-                      <a:tailEnd type="none" w="med" len="med"/>
-                    </a:lnT>
-                    <a:lnB w="12700" cap="flat" cmpd="sng" algn="ctr">
-                      <a:solidFill>
-                        <a:schemeClr val="tx1"/>
-                      </a:solidFill>
-                      <a:prstDash val="solid"/>
-                      <a:round/>
-                      <a:headEnd type="none" w="med" len="med"/>
-                      <a:tailEnd type="none" w="med" len="med"/>
-                    </a:lnB>
-                    <a:solidFill>
-                      <a:schemeClr val="bg1"/>
-                    </a:solidFill>
-                  </a:tcPr>
-                </a:tc>
-                <a:extLst>
-                  <a:ext uri="{0D108BD9-81ED-4DB2-BD59-A6C34878D82A}">
-                    <a16:rowId xmlns:a16="http://schemas.microsoft.com/office/drawing/2014/main" val="63571474"/>
-                  </a:ext>
-                </a:extLst>
-              </a:tr>
-              <a:tr h="370840">
-                <a:tc>
-                  <a:txBody>
-                    <a:bodyPr/>
-                    <a:lstStyle/>
-                    <a:p>
-                      <a:pPr algn="ctr"/>
-                      <a:r>
-                        <a:rPr lang="en-ZA" dirty="0"/>
-                        <a:t>2</a:t>
-                      </a:r>
-                    </a:p>
-                  </a:txBody>
-                  <a:tcPr>
-                    <a:lnL w="12700" cap="flat" cmpd="sng" algn="ctr">
-                      <a:solidFill>
-                        <a:schemeClr val="tx1"/>
-                      </a:solidFill>
-                      <a:prstDash val="solid"/>
-                      <a:round/>
-                      <a:headEnd type="none" w="med" len="med"/>
-                      <a:tailEnd type="none" w="med" len="med"/>
-                    </a:lnL>
-                    <a:lnR w="12700" cap="flat" cmpd="sng" algn="ctr">
-                      <a:solidFill>
-                        <a:schemeClr val="tx1"/>
-                      </a:solidFill>
-                      <a:prstDash val="solid"/>
-                      <a:round/>
-                      <a:headEnd type="none" w="med" len="med"/>
-                      <a:tailEnd type="none" w="med" len="med"/>
-                    </a:lnR>
-                    <a:lnT w="12700" cap="flat" cmpd="sng" algn="ctr">
-                      <a:solidFill>
-                        <a:schemeClr val="tx1"/>
-                      </a:solidFill>
-                      <a:prstDash val="solid"/>
-                      <a:round/>
-                      <a:headEnd type="none" w="med" len="med"/>
-                      <a:tailEnd type="none" w="med" len="med"/>
-                    </a:lnT>
-                    <a:lnB w="12700" cap="flat" cmpd="sng" algn="ctr">
-                      <a:solidFill>
-                        <a:schemeClr val="tx1"/>
-                      </a:solidFill>
-                      <a:prstDash val="solid"/>
-                      <a:round/>
-                      <a:headEnd type="none" w="med" len="med"/>
-                      <a:tailEnd type="none" w="med" len="med"/>
-                    </a:lnB>
-                    <a:solidFill>
-                      <a:schemeClr val="bg1"/>
-                    </a:solidFill>
-                  </a:tcPr>
-                </a:tc>
-                <a:extLst>
-                  <a:ext uri="{0D108BD9-81ED-4DB2-BD59-A6C34878D82A}">
-                    <a16:rowId xmlns:a16="http://schemas.microsoft.com/office/drawing/2014/main" val="413685778"/>
-                  </a:ext>
-                </a:extLst>
-              </a:tr>
-              <a:tr h="370840">
-                <a:tc>
-                  <a:txBody>
-                    <a:bodyPr/>
-                    <a:lstStyle/>
-                    <a:p>
-                      <a:pPr algn="ctr"/>
-                      <a:r>
-                        <a:rPr lang="en-ZA" dirty="0"/>
-                        <a:t>3</a:t>
-                      </a:r>
-                    </a:p>
-                  </a:txBody>
-                  <a:tcPr>
-                    <a:lnL w="12700" cap="flat" cmpd="sng" algn="ctr">
-                      <a:solidFill>
-                        <a:schemeClr val="tx1"/>
-                      </a:solidFill>
-                      <a:prstDash val="solid"/>
-                      <a:round/>
-                      <a:headEnd type="none" w="med" len="med"/>
-                      <a:tailEnd type="none" w="med" len="med"/>
-                    </a:lnL>
-                    <a:lnR w="12700" cap="flat" cmpd="sng" algn="ctr">
-                      <a:solidFill>
-                        <a:schemeClr val="tx1"/>
-                      </a:solidFill>
-                      <a:prstDash val="solid"/>
-                      <a:round/>
-                      <a:headEnd type="none" w="med" len="med"/>
-                      <a:tailEnd type="none" w="med" len="med"/>
-                    </a:lnR>
-                    <a:lnT w="12700" cap="flat" cmpd="sng" algn="ctr">
-                      <a:solidFill>
-                        <a:schemeClr val="tx1"/>
-                      </a:solidFill>
-                      <a:prstDash val="solid"/>
-                      <a:round/>
-                      <a:headEnd type="none" w="med" len="med"/>
-                      <a:tailEnd type="none" w="med" len="med"/>
-                    </a:lnT>
-                    <a:lnB w="12700" cap="flat" cmpd="sng" algn="ctr">
-                      <a:solidFill>
-                        <a:schemeClr val="tx1"/>
-                      </a:solidFill>
-                      <a:prstDash val="solid"/>
-                      <a:round/>
-                      <a:headEnd type="none" w="med" len="med"/>
-                      <a:tailEnd type="none" w="med" len="med"/>
-                    </a:lnB>
-                    <a:solidFill>
-                      <a:schemeClr val="bg1"/>
-                    </a:solidFill>
-                  </a:tcPr>
-                </a:tc>
-                <a:extLst>
-                  <a:ext uri="{0D108BD9-81ED-4DB2-BD59-A6C34878D82A}">
-                    <a16:rowId xmlns:a16="http://schemas.microsoft.com/office/drawing/2014/main" val="3499872361"/>
-                  </a:ext>
-                </a:extLst>
-              </a:tr>
-              <a:tr h="370840">
-                <a:tc>
-                  <a:txBody>
-                    <a:bodyPr/>
-                    <a:lstStyle/>
-                    <a:p>
-                      <a:pPr algn="ctr"/>
-                      <a:r>
-                        <a:rPr lang="en-ZA" dirty="0"/>
-                        <a:t>4</a:t>
-                      </a:r>
-                    </a:p>
-                  </a:txBody>
-                  <a:tcPr>
-                    <a:lnL w="12700" cap="flat" cmpd="sng" algn="ctr">
-                      <a:solidFill>
-                        <a:schemeClr val="tx1"/>
-                      </a:solidFill>
-                      <a:prstDash val="solid"/>
-                      <a:round/>
-                      <a:headEnd type="none" w="med" len="med"/>
-                      <a:tailEnd type="none" w="med" len="med"/>
-                    </a:lnL>
-                    <a:lnR w="12700" cap="flat" cmpd="sng" algn="ctr">
-                      <a:solidFill>
-                        <a:schemeClr val="tx1"/>
-                      </a:solidFill>
-                      <a:prstDash val="solid"/>
-                      <a:round/>
-                      <a:headEnd type="none" w="med" len="med"/>
-                      <a:tailEnd type="none" w="med" len="med"/>
-                    </a:lnR>
-                    <a:lnT w="12700" cap="flat" cmpd="sng" algn="ctr">
-                      <a:solidFill>
-                        <a:schemeClr val="tx1"/>
-                      </a:solidFill>
-                      <a:prstDash val="solid"/>
-                      <a:round/>
-                      <a:headEnd type="none" w="med" len="med"/>
-                      <a:tailEnd type="none" w="med" len="med"/>
-                    </a:lnT>
-                    <a:lnB w="12700" cap="flat" cmpd="sng" algn="ctr">
-                      <a:solidFill>
-                        <a:schemeClr val="tx1"/>
-                      </a:solidFill>
-                      <a:prstDash val="solid"/>
-                      <a:round/>
-                      <a:headEnd type="none" w="med" len="med"/>
-                      <a:tailEnd type="none" w="med" len="med"/>
-                    </a:lnB>
-                    <a:solidFill>
-                      <a:schemeClr val="bg1"/>
-                    </a:solidFill>
-                  </a:tcPr>
-                </a:tc>
-                <a:extLst>
-                  <a:ext uri="{0D108BD9-81ED-4DB2-BD59-A6C34878D82A}">
-                    <a16:rowId xmlns:a16="http://schemas.microsoft.com/office/drawing/2014/main" val="220806705"/>
-                  </a:ext>
-                </a:extLst>
-              </a:tr>
-              <a:tr h="370840">
-                <a:tc>
-                  <a:txBody>
-                    <a:bodyPr/>
-                    <a:lstStyle/>
-                    <a:p>
-                      <a:pPr algn="ctr"/>
-                      <a:r>
-                        <a:rPr lang="en-ZA" dirty="0"/>
-                        <a:t>5</a:t>
-                      </a:r>
-                    </a:p>
-                  </a:txBody>
-                  <a:tcPr>
-                    <a:lnL w="12700" cap="flat" cmpd="sng" algn="ctr">
-                      <a:solidFill>
-                        <a:schemeClr val="tx1"/>
-                      </a:solidFill>
-                      <a:prstDash val="solid"/>
-                      <a:round/>
-                      <a:headEnd type="none" w="med" len="med"/>
-                      <a:tailEnd type="none" w="med" len="med"/>
-                    </a:lnL>
-                    <a:lnR w="12700" cap="flat" cmpd="sng" algn="ctr">
-                      <a:solidFill>
-                        <a:schemeClr val="tx1"/>
-                      </a:solidFill>
-                      <a:prstDash val="solid"/>
-                      <a:round/>
-                      <a:headEnd type="none" w="med" len="med"/>
-                      <a:tailEnd type="none" w="med" len="med"/>
-                    </a:lnR>
-                    <a:lnT w="12700" cap="flat" cmpd="sng" algn="ctr">
-                      <a:solidFill>
-                        <a:schemeClr val="tx1"/>
-                      </a:solidFill>
-                      <a:prstDash val="solid"/>
-                      <a:round/>
-                      <a:headEnd type="none" w="med" len="med"/>
-                      <a:tailEnd type="none" w="med" len="med"/>
-                    </a:lnT>
-                    <a:lnB w="12700" cap="flat" cmpd="sng" algn="ctr">
-                      <a:solidFill>
-                        <a:schemeClr val="tx1"/>
-                      </a:solidFill>
-                      <a:prstDash val="solid"/>
-                      <a:round/>
-                      <a:headEnd type="none" w="med" len="med"/>
-                      <a:tailEnd type="none" w="med" len="med"/>
-                    </a:lnB>
-                    <a:solidFill>
-                      <a:schemeClr val="bg1"/>
-                    </a:solidFill>
-                  </a:tcPr>
-                </a:tc>
-                <a:extLst>
-                  <a:ext uri="{0D108BD9-81ED-4DB2-BD59-A6C34878D82A}">
-                    <a16:rowId xmlns:a16="http://schemas.microsoft.com/office/drawing/2014/main" val="1831422260"/>
-                  </a:ext>
-                </a:extLst>
-              </a:tr>
-              <a:tr h="370840">
-                <a:tc>
-                  <a:txBody>
-                    <a:bodyPr/>
-                    <a:lstStyle/>
-                    <a:p>
-                      <a:pPr algn="ctr"/>
-                      <a:r>
-                        <a:rPr lang="en-ZA" dirty="0"/>
-                        <a:t>6</a:t>
-                      </a:r>
-                    </a:p>
-                  </a:txBody>
-                  <a:tcPr>
-                    <a:lnL w="12700" cap="flat" cmpd="sng" algn="ctr">
-                      <a:solidFill>
-                        <a:schemeClr val="tx1"/>
-                      </a:solidFill>
-                      <a:prstDash val="solid"/>
-                      <a:round/>
-                      <a:headEnd type="none" w="med" len="med"/>
-                      <a:tailEnd type="none" w="med" len="med"/>
-                    </a:lnL>
-                    <a:lnR w="12700" cap="flat" cmpd="sng" algn="ctr">
-                      <a:solidFill>
-                        <a:schemeClr val="tx1"/>
-                      </a:solidFill>
-                      <a:prstDash val="solid"/>
-                      <a:round/>
-                      <a:headEnd type="none" w="med" len="med"/>
-                      <a:tailEnd type="none" w="med" len="med"/>
-                    </a:lnR>
-                    <a:lnT w="12700" cap="flat" cmpd="sng" algn="ctr">
-                      <a:solidFill>
-                        <a:schemeClr val="tx1"/>
-                      </a:solidFill>
-                      <a:prstDash val="solid"/>
-                      <a:round/>
-                      <a:headEnd type="none" w="med" len="med"/>
-                      <a:tailEnd type="none" w="med" len="med"/>
-                    </a:lnT>
-                    <a:lnB w="12700" cap="flat" cmpd="sng" algn="ctr">
-                      <a:solidFill>
-                        <a:schemeClr val="tx1"/>
-                      </a:solidFill>
-                      <a:prstDash val="solid"/>
-                      <a:round/>
-                      <a:headEnd type="none" w="med" len="med"/>
-                      <a:tailEnd type="none" w="med" len="med"/>
-                    </a:lnB>
-                    <a:solidFill>
-                      <a:schemeClr val="bg1"/>
-                    </a:solidFill>
-                  </a:tcPr>
-                </a:tc>
-                <a:extLst>
-                  <a:ext uri="{0D108BD9-81ED-4DB2-BD59-A6C34878D82A}">
-                    <a16:rowId xmlns:a16="http://schemas.microsoft.com/office/drawing/2014/main" val="793857569"/>
-                  </a:ext>
-                </a:extLst>
-              </a:tr>
-              <a:tr h="370840">
-                <a:tc>
-                  <a:txBody>
-                    <a:bodyPr/>
-                    <a:lstStyle/>
-                    <a:p>
-                      <a:pPr algn="ctr"/>
-                      <a:r>
-                        <a:rPr lang="en-ZA" dirty="0"/>
-                        <a:t>7</a:t>
-                      </a:r>
-                    </a:p>
-                  </a:txBody>
-                  <a:tcPr>
-                    <a:lnL w="12700" cap="flat" cmpd="sng" algn="ctr">
-                      <a:solidFill>
-                        <a:schemeClr val="tx1"/>
-                      </a:solidFill>
-                      <a:prstDash val="solid"/>
-                      <a:round/>
-                      <a:headEnd type="none" w="med" len="med"/>
-                      <a:tailEnd type="none" w="med" len="med"/>
-                    </a:lnL>
-                    <a:lnR w="12700" cap="flat" cmpd="sng" algn="ctr">
-                      <a:solidFill>
-                        <a:schemeClr val="tx1"/>
-                      </a:solidFill>
-                      <a:prstDash val="solid"/>
-                      <a:round/>
-                      <a:headEnd type="none" w="med" len="med"/>
-                      <a:tailEnd type="none" w="med" len="med"/>
-                    </a:lnR>
-                    <a:lnT w="12700" cap="flat" cmpd="sng" algn="ctr">
-                      <a:solidFill>
-                        <a:schemeClr val="tx1"/>
-                      </a:solidFill>
-                      <a:prstDash val="solid"/>
-                      <a:round/>
-                      <a:headEnd type="none" w="med" len="med"/>
-                      <a:tailEnd type="none" w="med" len="med"/>
-                    </a:lnT>
-                    <a:lnB w="12700" cap="flat" cmpd="sng" algn="ctr">
-                      <a:solidFill>
-                        <a:schemeClr val="tx1"/>
-                      </a:solidFill>
-                      <a:prstDash val="solid"/>
-                      <a:round/>
-                      <a:headEnd type="none" w="med" len="med"/>
-                      <a:tailEnd type="none" w="med" len="med"/>
-                    </a:lnB>
-                    <a:solidFill>
-                      <a:schemeClr val="bg1"/>
-                    </a:solidFill>
-                  </a:tcPr>
-                </a:tc>
-                <a:extLst>
-                  <a:ext uri="{0D108BD9-81ED-4DB2-BD59-A6C34878D82A}">
-                    <a16:rowId xmlns:a16="http://schemas.microsoft.com/office/drawing/2014/main" val="1983379683"/>
-                  </a:ext>
-                </a:extLst>
-              </a:tr>
-              <a:tr h="370840">
-                <a:tc>
-                  <a:txBody>
-                    <a:bodyPr/>
-                    <a:lstStyle/>
-                    <a:p>
-                      <a:pPr algn="ctr"/>
-                      <a:r>
-                        <a:rPr lang="en-ZA" dirty="0"/>
-                        <a:t>8</a:t>
-                      </a:r>
-                    </a:p>
-                  </a:txBody>
-                  <a:tcPr>
-                    <a:lnL w="12700" cap="flat" cmpd="sng" algn="ctr">
-                      <a:solidFill>
-                        <a:schemeClr val="tx1"/>
-                      </a:solidFill>
-                      <a:prstDash val="solid"/>
-                      <a:round/>
-                      <a:headEnd type="none" w="med" len="med"/>
-                      <a:tailEnd type="none" w="med" len="med"/>
-                    </a:lnL>
-                    <a:lnR w="12700" cap="flat" cmpd="sng" algn="ctr">
-                      <a:solidFill>
-                        <a:schemeClr val="tx1"/>
-                      </a:solidFill>
-                      <a:prstDash val="solid"/>
-                      <a:round/>
-                      <a:headEnd type="none" w="med" len="med"/>
-                      <a:tailEnd type="none" w="med" len="med"/>
-                    </a:lnR>
-                    <a:lnT w="12700" cap="flat" cmpd="sng" algn="ctr">
-                      <a:solidFill>
-                        <a:schemeClr val="tx1"/>
-                      </a:solidFill>
-                      <a:prstDash val="solid"/>
-                      <a:round/>
-                      <a:headEnd type="none" w="med" len="med"/>
-                      <a:tailEnd type="none" w="med" len="med"/>
-                    </a:lnT>
-                    <a:lnB w="12700" cap="flat" cmpd="sng" algn="ctr">
-                      <a:solidFill>
-                        <a:schemeClr val="tx1"/>
-                      </a:solidFill>
-                      <a:prstDash val="solid"/>
-                      <a:round/>
-                      <a:headEnd type="none" w="med" len="med"/>
-                      <a:tailEnd type="none" w="med" len="med"/>
-                    </a:lnB>
-                    <a:solidFill>
-                      <a:schemeClr val="bg1"/>
-                    </a:solidFill>
-                  </a:tcPr>
-                </a:tc>
-                <a:extLst>
-                  <a:ext uri="{0D108BD9-81ED-4DB2-BD59-A6C34878D82A}">
-                    <a16:rowId xmlns:a16="http://schemas.microsoft.com/office/drawing/2014/main" val="392476566"/>
-                  </a:ext>
-                </a:extLst>
-              </a:tr>
-            </a:tbl>
-          </a:graphicData>
-        </a:graphic>
-      </p:graphicFrame>
-      <p:sp>
-        <p:nvSpPr>
-          <p:cNvPr id="3" name="TextBox 2">
-            <a:extLst>
-              <a:ext uri="{FF2B5EF4-FFF2-40B4-BE49-F238E27FC236}">
-                <a16:creationId xmlns:a16="http://schemas.microsoft.com/office/drawing/2014/main" id="{2EBCBCDF-E5B8-4CCB-A096-56F75A8ED0A2}"/>
-              </a:ext>
-            </a:extLst>
-          </p:cNvPr>
-          <p:cNvSpPr txBox="1"/>
-          <p:nvPr/>
-        </p:nvSpPr>
-        <p:spPr>
-          <a:xfrm>
-            <a:off x="835830" y="6483761"/>
-            <a:ext cx="677173" cy="369332"/>
-          </a:xfrm>
-          <a:prstGeom prst="rect">
-            <a:avLst/>
-          </a:prstGeom>
-          <a:noFill/>
-        </p:spPr>
-        <p:txBody>
-          <a:bodyPr wrap="none" rtlCol="0">
-            <a:spAutoFit/>
-          </a:bodyPr>
-          <a:lstStyle/>
-          <a:p>
-            <a:r>
-              <a:rPr lang="en-ZA" dirty="0"/>
-              <a:t>Stack</a:t>
-            </a:r>
-          </a:p>
-        </p:txBody>
-      </p:sp>
-      <p:graphicFrame>
-        <p:nvGraphicFramePr>
-          <p:cNvPr id="10" name="Table 9">
-            <a:extLst>
-              <a:ext uri="{FF2B5EF4-FFF2-40B4-BE49-F238E27FC236}">
-                <a16:creationId xmlns:a16="http://schemas.microsoft.com/office/drawing/2014/main" id="{E597C3EF-5EF9-4CB3-90AE-20A46344B5E5}"/>
-              </a:ext>
-            </a:extLst>
-          </p:cNvPr>
-          <p:cNvGraphicFramePr>
-            <a:graphicFrameLocks noGrp="1"/>
-          </p:cNvGraphicFramePr>
-          <p:nvPr/>
-        </p:nvGraphicFramePr>
-        <p:xfrm>
-          <a:off x="3600689" y="3429000"/>
-          <a:ext cx="1294255" cy="2595880"/>
-        </p:xfrm>
-        <a:graphic>
-          <a:graphicData uri="http://schemas.openxmlformats.org/drawingml/2006/table">
-            <a:tbl>
-              <a:tblPr firstRow="1" bandRow="1">
-                <a:tableStyleId>{5C22544A-7EE6-4342-B048-85BDC9FD1C3A}</a:tableStyleId>
-              </a:tblPr>
-              <a:tblGrid>
-                <a:gridCol w="1294255">
-                  <a:extLst>
-                    <a:ext uri="{9D8B030D-6E8A-4147-A177-3AD203B41FA5}">
-                      <a16:colId xmlns:a16="http://schemas.microsoft.com/office/drawing/2014/main" val="3729675899"/>
-                    </a:ext>
-                  </a:extLst>
-                </a:gridCol>
-              </a:tblGrid>
-              <a:tr h="370840">
-                <a:tc>
-                  <a:txBody>
-                    <a:bodyPr/>
-                    <a:lstStyle/>
-                    <a:p>
-                      <a:pPr algn="ctr"/>
-                      <a:r>
-                        <a:rPr lang="en-ZA" b="0" dirty="0">
-                          <a:solidFill>
-                            <a:schemeClr val="tx1"/>
-                          </a:solidFill>
-                        </a:rPr>
-                        <a:t>2</a:t>
-                      </a:r>
-                    </a:p>
-                  </a:txBody>
-                  <a:tcPr>
-                    <a:lnL w="12700" cap="flat" cmpd="sng" algn="ctr">
-                      <a:solidFill>
-                        <a:schemeClr val="tx1"/>
-                      </a:solidFill>
-                      <a:prstDash val="solid"/>
-                      <a:round/>
-                      <a:headEnd type="none" w="med" len="med"/>
-                      <a:tailEnd type="none" w="med" len="med"/>
-                    </a:lnL>
-                    <a:lnR w="12700" cap="flat" cmpd="sng" algn="ctr">
-                      <a:solidFill>
-                        <a:schemeClr val="tx1"/>
-                      </a:solidFill>
-                      <a:prstDash val="solid"/>
-                      <a:round/>
-                      <a:headEnd type="none" w="med" len="med"/>
-                      <a:tailEnd type="none" w="med" len="med"/>
-                    </a:lnR>
-                    <a:lnT w="12700" cap="flat" cmpd="sng" algn="ctr">
-                      <a:solidFill>
-                        <a:schemeClr val="tx1"/>
-                      </a:solidFill>
-                      <a:prstDash val="solid"/>
-                      <a:round/>
-                      <a:headEnd type="none" w="med" len="med"/>
-                      <a:tailEnd type="none" w="med" len="med"/>
-                    </a:lnT>
-                    <a:lnB w="12700" cap="flat" cmpd="sng" algn="ctr">
-                      <a:solidFill>
-                        <a:schemeClr val="tx1"/>
-                      </a:solidFill>
-                      <a:prstDash val="solid"/>
-                      <a:round/>
-                      <a:headEnd type="none" w="med" len="med"/>
-                      <a:tailEnd type="none" w="med" len="med"/>
-                    </a:lnB>
-                    <a:solidFill>
-                      <a:schemeClr val="bg1"/>
-                    </a:solidFill>
-                  </a:tcPr>
-                </a:tc>
-                <a:extLst>
-                  <a:ext uri="{0D108BD9-81ED-4DB2-BD59-A6C34878D82A}">
-                    <a16:rowId xmlns:a16="http://schemas.microsoft.com/office/drawing/2014/main" val="413685778"/>
-                  </a:ext>
-                </a:extLst>
-              </a:tr>
-              <a:tr h="370840">
-                <a:tc>
-                  <a:txBody>
-                    <a:bodyPr/>
-                    <a:lstStyle/>
-                    <a:p>
-                      <a:pPr algn="ctr"/>
-                      <a:r>
-                        <a:rPr lang="en-ZA" dirty="0"/>
-                        <a:t>3</a:t>
-                      </a:r>
-                    </a:p>
-                  </a:txBody>
-                  <a:tcPr>
-                    <a:lnL w="12700" cap="flat" cmpd="sng" algn="ctr">
-                      <a:solidFill>
-                        <a:schemeClr val="tx1"/>
-                      </a:solidFill>
-                      <a:prstDash val="solid"/>
-                      <a:round/>
-                      <a:headEnd type="none" w="med" len="med"/>
-                      <a:tailEnd type="none" w="med" len="med"/>
-                    </a:lnL>
-                    <a:lnR w="12700" cap="flat" cmpd="sng" algn="ctr">
-                      <a:solidFill>
-                        <a:schemeClr val="tx1"/>
-                      </a:solidFill>
-                      <a:prstDash val="solid"/>
-                      <a:round/>
-                      <a:headEnd type="none" w="med" len="med"/>
-                      <a:tailEnd type="none" w="med" len="med"/>
-                    </a:lnR>
-                    <a:lnT w="12700" cap="flat" cmpd="sng" algn="ctr">
-                      <a:solidFill>
-                        <a:schemeClr val="tx1"/>
-                      </a:solidFill>
-                      <a:prstDash val="solid"/>
-                      <a:round/>
-                      <a:headEnd type="none" w="med" len="med"/>
-                      <a:tailEnd type="none" w="med" len="med"/>
-                    </a:lnT>
-                    <a:lnB w="12700" cap="flat" cmpd="sng" algn="ctr">
-                      <a:solidFill>
-                        <a:schemeClr val="tx1"/>
-                      </a:solidFill>
-                      <a:prstDash val="solid"/>
-                      <a:round/>
-                      <a:headEnd type="none" w="med" len="med"/>
-                      <a:tailEnd type="none" w="med" len="med"/>
-                    </a:lnB>
-                    <a:solidFill>
-                      <a:schemeClr val="bg1"/>
-                    </a:solidFill>
-                  </a:tcPr>
-                </a:tc>
-                <a:extLst>
-                  <a:ext uri="{0D108BD9-81ED-4DB2-BD59-A6C34878D82A}">
-                    <a16:rowId xmlns:a16="http://schemas.microsoft.com/office/drawing/2014/main" val="3499872361"/>
-                  </a:ext>
-                </a:extLst>
-              </a:tr>
-              <a:tr h="370840">
-                <a:tc>
-                  <a:txBody>
-                    <a:bodyPr/>
-                    <a:lstStyle/>
-                    <a:p>
-                      <a:pPr algn="ctr"/>
-                      <a:r>
-                        <a:rPr lang="en-ZA" dirty="0"/>
-                        <a:t>4</a:t>
-                      </a:r>
-                    </a:p>
-                  </a:txBody>
-                  <a:tcPr>
-                    <a:lnL w="12700" cap="flat" cmpd="sng" algn="ctr">
-                      <a:solidFill>
-                        <a:schemeClr val="tx1"/>
-                      </a:solidFill>
-                      <a:prstDash val="solid"/>
-                      <a:round/>
-                      <a:headEnd type="none" w="med" len="med"/>
-                      <a:tailEnd type="none" w="med" len="med"/>
-                    </a:lnL>
-                    <a:lnR w="12700" cap="flat" cmpd="sng" algn="ctr">
-                      <a:solidFill>
-                        <a:schemeClr val="tx1"/>
-                      </a:solidFill>
-                      <a:prstDash val="solid"/>
-                      <a:round/>
-                      <a:headEnd type="none" w="med" len="med"/>
-                      <a:tailEnd type="none" w="med" len="med"/>
-                    </a:lnR>
-                    <a:lnT w="12700" cap="flat" cmpd="sng" algn="ctr">
-                      <a:solidFill>
-                        <a:schemeClr val="tx1"/>
-                      </a:solidFill>
-                      <a:prstDash val="solid"/>
-                      <a:round/>
-                      <a:headEnd type="none" w="med" len="med"/>
-                      <a:tailEnd type="none" w="med" len="med"/>
-                    </a:lnT>
-                    <a:lnB w="12700" cap="flat" cmpd="sng" algn="ctr">
-                      <a:solidFill>
-                        <a:schemeClr val="tx1"/>
-                      </a:solidFill>
-                      <a:prstDash val="solid"/>
-                      <a:round/>
-                      <a:headEnd type="none" w="med" len="med"/>
-                      <a:tailEnd type="none" w="med" len="med"/>
-                    </a:lnB>
-                    <a:solidFill>
-                      <a:schemeClr val="bg1"/>
-                    </a:solidFill>
-                  </a:tcPr>
-                </a:tc>
-                <a:extLst>
-                  <a:ext uri="{0D108BD9-81ED-4DB2-BD59-A6C34878D82A}">
-                    <a16:rowId xmlns:a16="http://schemas.microsoft.com/office/drawing/2014/main" val="220806705"/>
-                  </a:ext>
-                </a:extLst>
-              </a:tr>
-              <a:tr h="370840">
-                <a:tc>
-                  <a:txBody>
-                    <a:bodyPr/>
-                    <a:lstStyle/>
-                    <a:p>
-                      <a:pPr algn="ctr"/>
-                      <a:r>
-                        <a:rPr lang="en-ZA" dirty="0"/>
-                        <a:t>5</a:t>
-                      </a:r>
-                    </a:p>
-                  </a:txBody>
-                  <a:tcPr>
-                    <a:lnL w="12700" cap="flat" cmpd="sng" algn="ctr">
-                      <a:solidFill>
-                        <a:schemeClr val="tx1"/>
-                      </a:solidFill>
-                      <a:prstDash val="solid"/>
-                      <a:round/>
-                      <a:headEnd type="none" w="med" len="med"/>
-                      <a:tailEnd type="none" w="med" len="med"/>
-                    </a:lnL>
-                    <a:lnR w="12700" cap="flat" cmpd="sng" algn="ctr">
-                      <a:solidFill>
-                        <a:schemeClr val="tx1"/>
-                      </a:solidFill>
-                      <a:prstDash val="solid"/>
-                      <a:round/>
-                      <a:headEnd type="none" w="med" len="med"/>
-                      <a:tailEnd type="none" w="med" len="med"/>
-                    </a:lnR>
-                    <a:lnT w="12700" cap="flat" cmpd="sng" algn="ctr">
-                      <a:solidFill>
-                        <a:schemeClr val="tx1"/>
-                      </a:solidFill>
-                      <a:prstDash val="solid"/>
-                      <a:round/>
-                      <a:headEnd type="none" w="med" len="med"/>
-                      <a:tailEnd type="none" w="med" len="med"/>
-                    </a:lnT>
-                    <a:lnB w="12700" cap="flat" cmpd="sng" algn="ctr">
-                      <a:solidFill>
-                        <a:schemeClr val="tx1"/>
-                      </a:solidFill>
-                      <a:prstDash val="solid"/>
-                      <a:round/>
-                      <a:headEnd type="none" w="med" len="med"/>
-                      <a:tailEnd type="none" w="med" len="med"/>
-                    </a:lnB>
-                    <a:solidFill>
-                      <a:schemeClr val="bg1"/>
-                    </a:solidFill>
-                  </a:tcPr>
-                </a:tc>
-                <a:extLst>
-                  <a:ext uri="{0D108BD9-81ED-4DB2-BD59-A6C34878D82A}">
-                    <a16:rowId xmlns:a16="http://schemas.microsoft.com/office/drawing/2014/main" val="1831422260"/>
-                  </a:ext>
-                </a:extLst>
-              </a:tr>
-              <a:tr h="370840">
-                <a:tc>
-                  <a:txBody>
-                    <a:bodyPr/>
-                    <a:lstStyle/>
-                    <a:p>
-                      <a:pPr algn="ctr"/>
-                      <a:r>
-                        <a:rPr lang="en-ZA" dirty="0"/>
-                        <a:t>6</a:t>
-                      </a:r>
-                    </a:p>
-                  </a:txBody>
-                  <a:tcPr>
-                    <a:lnL w="12700" cap="flat" cmpd="sng" algn="ctr">
-                      <a:solidFill>
-                        <a:schemeClr val="tx1"/>
-                      </a:solidFill>
-                      <a:prstDash val="solid"/>
-                      <a:round/>
-                      <a:headEnd type="none" w="med" len="med"/>
-                      <a:tailEnd type="none" w="med" len="med"/>
-                    </a:lnL>
-                    <a:lnR w="12700" cap="flat" cmpd="sng" algn="ctr">
-                      <a:solidFill>
-                        <a:schemeClr val="tx1"/>
-                      </a:solidFill>
-                      <a:prstDash val="solid"/>
-                      <a:round/>
-                      <a:headEnd type="none" w="med" len="med"/>
-                      <a:tailEnd type="none" w="med" len="med"/>
-                    </a:lnR>
-                    <a:lnT w="12700" cap="flat" cmpd="sng" algn="ctr">
-                      <a:solidFill>
-                        <a:schemeClr val="tx1"/>
-                      </a:solidFill>
-                      <a:prstDash val="solid"/>
-                      <a:round/>
-                      <a:headEnd type="none" w="med" len="med"/>
-                      <a:tailEnd type="none" w="med" len="med"/>
-                    </a:lnT>
-                    <a:lnB w="12700" cap="flat" cmpd="sng" algn="ctr">
-                      <a:solidFill>
-                        <a:schemeClr val="tx1"/>
-                      </a:solidFill>
-                      <a:prstDash val="solid"/>
-                      <a:round/>
-                      <a:headEnd type="none" w="med" len="med"/>
-                      <a:tailEnd type="none" w="med" len="med"/>
-                    </a:lnB>
-                    <a:solidFill>
-                      <a:schemeClr val="bg1"/>
-                    </a:solidFill>
-                  </a:tcPr>
-                </a:tc>
-                <a:extLst>
-                  <a:ext uri="{0D108BD9-81ED-4DB2-BD59-A6C34878D82A}">
-                    <a16:rowId xmlns:a16="http://schemas.microsoft.com/office/drawing/2014/main" val="793857569"/>
-                  </a:ext>
-                </a:extLst>
-              </a:tr>
-              <a:tr h="370840">
-                <a:tc>
-                  <a:txBody>
-                    <a:bodyPr/>
-                    <a:lstStyle/>
-                    <a:p>
-                      <a:pPr algn="ctr"/>
-                      <a:r>
-                        <a:rPr lang="en-ZA" dirty="0"/>
-                        <a:t>7</a:t>
-                      </a:r>
-                    </a:p>
-                  </a:txBody>
-                  <a:tcPr>
-                    <a:lnL w="12700" cap="flat" cmpd="sng" algn="ctr">
-                      <a:solidFill>
-                        <a:schemeClr val="tx1"/>
-                      </a:solidFill>
-                      <a:prstDash val="solid"/>
-                      <a:round/>
-                      <a:headEnd type="none" w="med" len="med"/>
-                      <a:tailEnd type="none" w="med" len="med"/>
-                    </a:lnL>
-                    <a:lnR w="12700" cap="flat" cmpd="sng" algn="ctr">
-                      <a:solidFill>
-                        <a:schemeClr val="tx1"/>
-                      </a:solidFill>
-                      <a:prstDash val="solid"/>
-                      <a:round/>
-                      <a:headEnd type="none" w="med" len="med"/>
-                      <a:tailEnd type="none" w="med" len="med"/>
-                    </a:lnR>
-                    <a:lnT w="12700" cap="flat" cmpd="sng" algn="ctr">
-                      <a:solidFill>
-                        <a:schemeClr val="tx1"/>
-                      </a:solidFill>
-                      <a:prstDash val="solid"/>
-                      <a:round/>
-                      <a:headEnd type="none" w="med" len="med"/>
-                      <a:tailEnd type="none" w="med" len="med"/>
-                    </a:lnT>
-                    <a:lnB w="12700" cap="flat" cmpd="sng" algn="ctr">
-                      <a:solidFill>
-                        <a:schemeClr val="tx1"/>
-                      </a:solidFill>
-                      <a:prstDash val="solid"/>
-                      <a:round/>
-                      <a:headEnd type="none" w="med" len="med"/>
-                      <a:tailEnd type="none" w="med" len="med"/>
-                    </a:lnB>
-                    <a:solidFill>
-                      <a:schemeClr val="bg1"/>
-                    </a:solidFill>
-                  </a:tcPr>
-                </a:tc>
-                <a:extLst>
-                  <a:ext uri="{0D108BD9-81ED-4DB2-BD59-A6C34878D82A}">
-                    <a16:rowId xmlns:a16="http://schemas.microsoft.com/office/drawing/2014/main" val="1983379683"/>
-                  </a:ext>
-                </a:extLst>
-              </a:tr>
-              <a:tr h="370840">
-                <a:tc>
-                  <a:txBody>
-                    <a:bodyPr/>
-                    <a:lstStyle/>
-                    <a:p>
-                      <a:pPr algn="ctr"/>
-                      <a:r>
-                        <a:rPr lang="en-ZA" dirty="0"/>
-                        <a:t>8</a:t>
-                      </a:r>
-                    </a:p>
-                  </a:txBody>
-                  <a:tcPr>
-                    <a:lnL w="12700" cap="flat" cmpd="sng" algn="ctr">
-                      <a:solidFill>
-                        <a:schemeClr val="tx1"/>
-                      </a:solidFill>
-                      <a:prstDash val="solid"/>
-                      <a:round/>
-                      <a:headEnd type="none" w="med" len="med"/>
-                      <a:tailEnd type="none" w="med" len="med"/>
-                    </a:lnL>
-                    <a:lnR w="12700" cap="flat" cmpd="sng" algn="ctr">
-                      <a:solidFill>
-                        <a:schemeClr val="tx1"/>
-                      </a:solidFill>
-                      <a:prstDash val="solid"/>
-                      <a:round/>
-                      <a:headEnd type="none" w="med" len="med"/>
-                      <a:tailEnd type="none" w="med" len="med"/>
-                    </a:lnR>
-                    <a:lnT w="12700" cap="flat" cmpd="sng" algn="ctr">
-                      <a:solidFill>
-                        <a:schemeClr val="tx1"/>
-                      </a:solidFill>
-                      <a:prstDash val="solid"/>
-                      <a:round/>
-                      <a:headEnd type="none" w="med" len="med"/>
-                      <a:tailEnd type="none" w="med" len="med"/>
-                    </a:lnT>
-                    <a:lnB w="12700" cap="flat" cmpd="sng" algn="ctr">
-                      <a:solidFill>
-                        <a:schemeClr val="tx1"/>
-                      </a:solidFill>
-                      <a:prstDash val="solid"/>
-                      <a:round/>
-                      <a:headEnd type="none" w="med" len="med"/>
-                      <a:tailEnd type="none" w="med" len="med"/>
-                    </a:lnB>
-                    <a:solidFill>
-                      <a:schemeClr val="bg1"/>
-                    </a:solidFill>
-                  </a:tcPr>
-                </a:tc>
-                <a:extLst>
-                  <a:ext uri="{0D108BD9-81ED-4DB2-BD59-A6C34878D82A}">
-                    <a16:rowId xmlns:a16="http://schemas.microsoft.com/office/drawing/2014/main" val="392476566"/>
-                  </a:ext>
-                </a:extLst>
-              </a:tr>
-            </a:tbl>
-          </a:graphicData>
-        </a:graphic>
-      </p:graphicFrame>
-      <p:sp>
-        <p:nvSpPr>
-          <p:cNvPr id="11" name="TextBox 10">
-            <a:extLst>
-              <a:ext uri="{FF2B5EF4-FFF2-40B4-BE49-F238E27FC236}">
-                <a16:creationId xmlns:a16="http://schemas.microsoft.com/office/drawing/2014/main" id="{B70D8109-4D79-461C-B45A-511107C0002D}"/>
-              </a:ext>
-            </a:extLst>
-          </p:cNvPr>
-          <p:cNvSpPr txBox="1"/>
-          <p:nvPr/>
-        </p:nvSpPr>
-        <p:spPr>
-          <a:xfrm>
-            <a:off x="3909229" y="6483761"/>
-            <a:ext cx="677173" cy="369332"/>
-          </a:xfrm>
-          <a:prstGeom prst="rect">
-            <a:avLst/>
-          </a:prstGeom>
-          <a:noFill/>
-        </p:spPr>
-        <p:txBody>
-          <a:bodyPr wrap="none" rtlCol="0">
-            <a:spAutoFit/>
-          </a:bodyPr>
-          <a:lstStyle/>
-          <a:p>
-            <a:r>
-              <a:rPr lang="en-ZA" dirty="0"/>
-              <a:t>Stack</a:t>
-            </a:r>
-          </a:p>
-        </p:txBody>
-      </p:sp>
-      <p:graphicFrame>
-        <p:nvGraphicFramePr>
-          <p:cNvPr id="12" name="Table 11">
-            <a:extLst>
-              <a:ext uri="{FF2B5EF4-FFF2-40B4-BE49-F238E27FC236}">
-                <a16:creationId xmlns:a16="http://schemas.microsoft.com/office/drawing/2014/main" id="{7042DDE5-CE5E-4B47-ADBF-AB3B86B52F11}"/>
-              </a:ext>
-            </a:extLst>
-          </p:cNvPr>
-          <p:cNvGraphicFramePr>
-            <a:graphicFrameLocks noGrp="1"/>
-          </p:cNvGraphicFramePr>
-          <p:nvPr/>
-        </p:nvGraphicFramePr>
-        <p:xfrm>
-          <a:off x="6674090" y="3429000"/>
-          <a:ext cx="1294255" cy="2225040"/>
-        </p:xfrm>
-        <a:graphic>
-          <a:graphicData uri="http://schemas.openxmlformats.org/drawingml/2006/table">
-            <a:tbl>
-              <a:tblPr firstRow="1" bandRow="1">
-                <a:tableStyleId>{5C22544A-7EE6-4342-B048-85BDC9FD1C3A}</a:tableStyleId>
-              </a:tblPr>
-              <a:tblGrid>
-                <a:gridCol w="1294255">
-                  <a:extLst>
-                    <a:ext uri="{9D8B030D-6E8A-4147-A177-3AD203B41FA5}">
-                      <a16:colId xmlns:a16="http://schemas.microsoft.com/office/drawing/2014/main" val="3729675899"/>
-                    </a:ext>
-                  </a:extLst>
-                </a:gridCol>
-              </a:tblGrid>
-              <a:tr h="370840">
-                <a:tc>
-                  <a:txBody>
-                    <a:bodyPr/>
-                    <a:lstStyle/>
-                    <a:p>
-                      <a:pPr algn="ctr"/>
-                      <a:r>
-                        <a:rPr lang="en-ZA" b="0" dirty="0">
-                          <a:solidFill>
-                            <a:schemeClr val="tx1"/>
-                          </a:solidFill>
-                        </a:rPr>
-                        <a:t>3</a:t>
-                      </a:r>
-                    </a:p>
-                  </a:txBody>
-                  <a:tcPr>
-                    <a:lnL w="12700" cap="flat" cmpd="sng" algn="ctr">
-                      <a:solidFill>
-                        <a:schemeClr val="tx1"/>
-                      </a:solidFill>
-                      <a:prstDash val="solid"/>
-                      <a:round/>
-                      <a:headEnd type="none" w="med" len="med"/>
-                      <a:tailEnd type="none" w="med" len="med"/>
-                    </a:lnL>
-                    <a:lnR w="12700" cap="flat" cmpd="sng" algn="ctr">
-                      <a:solidFill>
-                        <a:schemeClr val="tx1"/>
-                      </a:solidFill>
-                      <a:prstDash val="solid"/>
-                      <a:round/>
-                      <a:headEnd type="none" w="med" len="med"/>
-                      <a:tailEnd type="none" w="med" len="med"/>
-                    </a:lnR>
-                    <a:lnT w="12700" cap="flat" cmpd="sng" algn="ctr">
-                      <a:solidFill>
-                        <a:schemeClr val="tx1"/>
-                      </a:solidFill>
-                      <a:prstDash val="solid"/>
-                      <a:round/>
-                      <a:headEnd type="none" w="med" len="med"/>
-                      <a:tailEnd type="none" w="med" len="med"/>
-                    </a:lnT>
-                    <a:lnB w="12700" cap="flat" cmpd="sng" algn="ctr">
-                      <a:solidFill>
-                        <a:schemeClr val="tx1"/>
-                      </a:solidFill>
-                      <a:prstDash val="solid"/>
-                      <a:round/>
-                      <a:headEnd type="none" w="med" len="med"/>
-                      <a:tailEnd type="none" w="med" len="med"/>
-                    </a:lnB>
-                    <a:solidFill>
-                      <a:schemeClr val="bg1"/>
-                    </a:solidFill>
-                  </a:tcPr>
-                </a:tc>
-                <a:extLst>
-                  <a:ext uri="{0D108BD9-81ED-4DB2-BD59-A6C34878D82A}">
-                    <a16:rowId xmlns:a16="http://schemas.microsoft.com/office/drawing/2014/main" val="3499872361"/>
-                  </a:ext>
-                </a:extLst>
-              </a:tr>
-              <a:tr h="370840">
-                <a:tc>
-                  <a:txBody>
-                    <a:bodyPr/>
-                    <a:lstStyle/>
-                    <a:p>
-                      <a:pPr algn="ctr"/>
-                      <a:r>
-                        <a:rPr lang="en-ZA" dirty="0"/>
-                        <a:t>4</a:t>
-                      </a:r>
-                    </a:p>
-                  </a:txBody>
-                  <a:tcPr>
-                    <a:lnL w="12700" cap="flat" cmpd="sng" algn="ctr">
-                      <a:solidFill>
-                        <a:schemeClr val="tx1"/>
-                      </a:solidFill>
-                      <a:prstDash val="solid"/>
-                      <a:round/>
-                      <a:headEnd type="none" w="med" len="med"/>
-                      <a:tailEnd type="none" w="med" len="med"/>
-                    </a:lnL>
-                    <a:lnR w="12700" cap="flat" cmpd="sng" algn="ctr">
-                      <a:solidFill>
-                        <a:schemeClr val="tx1"/>
-                      </a:solidFill>
-                      <a:prstDash val="solid"/>
-                      <a:round/>
-                      <a:headEnd type="none" w="med" len="med"/>
-                      <a:tailEnd type="none" w="med" len="med"/>
-                    </a:lnR>
-                    <a:lnT w="12700" cap="flat" cmpd="sng" algn="ctr">
-                      <a:solidFill>
-                        <a:schemeClr val="tx1"/>
-                      </a:solidFill>
-                      <a:prstDash val="solid"/>
-                      <a:round/>
-                      <a:headEnd type="none" w="med" len="med"/>
-                      <a:tailEnd type="none" w="med" len="med"/>
-                    </a:lnT>
-                    <a:lnB w="12700" cap="flat" cmpd="sng" algn="ctr">
-                      <a:solidFill>
-                        <a:schemeClr val="tx1"/>
-                      </a:solidFill>
-                      <a:prstDash val="solid"/>
-                      <a:round/>
-                      <a:headEnd type="none" w="med" len="med"/>
-                      <a:tailEnd type="none" w="med" len="med"/>
-                    </a:lnB>
-                    <a:solidFill>
-                      <a:schemeClr val="bg1"/>
-                    </a:solidFill>
-                  </a:tcPr>
-                </a:tc>
-                <a:extLst>
-                  <a:ext uri="{0D108BD9-81ED-4DB2-BD59-A6C34878D82A}">
-                    <a16:rowId xmlns:a16="http://schemas.microsoft.com/office/drawing/2014/main" val="220806705"/>
-                  </a:ext>
-                </a:extLst>
-              </a:tr>
-              <a:tr h="370840">
-                <a:tc>
-                  <a:txBody>
-                    <a:bodyPr/>
-                    <a:lstStyle/>
-                    <a:p>
-                      <a:pPr algn="ctr"/>
-                      <a:r>
-                        <a:rPr lang="en-ZA" dirty="0"/>
-                        <a:t>5</a:t>
-                      </a:r>
-                    </a:p>
-                  </a:txBody>
-                  <a:tcPr>
-                    <a:lnL w="12700" cap="flat" cmpd="sng" algn="ctr">
-                      <a:solidFill>
-                        <a:schemeClr val="tx1"/>
-                      </a:solidFill>
-                      <a:prstDash val="solid"/>
-                      <a:round/>
-                      <a:headEnd type="none" w="med" len="med"/>
-                      <a:tailEnd type="none" w="med" len="med"/>
-                    </a:lnL>
-                    <a:lnR w="12700" cap="flat" cmpd="sng" algn="ctr">
-                      <a:solidFill>
-                        <a:schemeClr val="tx1"/>
-                      </a:solidFill>
-                      <a:prstDash val="solid"/>
-                      <a:round/>
-                      <a:headEnd type="none" w="med" len="med"/>
-                      <a:tailEnd type="none" w="med" len="med"/>
-                    </a:lnR>
-                    <a:lnT w="12700" cap="flat" cmpd="sng" algn="ctr">
-                      <a:solidFill>
-                        <a:schemeClr val="tx1"/>
-                      </a:solidFill>
-                      <a:prstDash val="solid"/>
-                      <a:round/>
-                      <a:headEnd type="none" w="med" len="med"/>
-                      <a:tailEnd type="none" w="med" len="med"/>
-                    </a:lnT>
-                    <a:lnB w="12700" cap="flat" cmpd="sng" algn="ctr">
-                      <a:solidFill>
-                        <a:schemeClr val="tx1"/>
-                      </a:solidFill>
-                      <a:prstDash val="solid"/>
-                      <a:round/>
-                      <a:headEnd type="none" w="med" len="med"/>
-                      <a:tailEnd type="none" w="med" len="med"/>
-                    </a:lnB>
-                    <a:solidFill>
-                      <a:schemeClr val="bg1"/>
-                    </a:solidFill>
-                  </a:tcPr>
-                </a:tc>
-                <a:extLst>
-                  <a:ext uri="{0D108BD9-81ED-4DB2-BD59-A6C34878D82A}">
-                    <a16:rowId xmlns:a16="http://schemas.microsoft.com/office/drawing/2014/main" val="1831422260"/>
-                  </a:ext>
-                </a:extLst>
-              </a:tr>
-              <a:tr h="370840">
-                <a:tc>
-                  <a:txBody>
-                    <a:bodyPr/>
-                    <a:lstStyle/>
-                    <a:p>
-                      <a:pPr algn="ctr"/>
-                      <a:r>
-                        <a:rPr lang="en-ZA" dirty="0"/>
-                        <a:t>6</a:t>
-                      </a:r>
-                    </a:p>
-                  </a:txBody>
-                  <a:tcPr>
-                    <a:lnL w="12700" cap="flat" cmpd="sng" algn="ctr">
-                      <a:solidFill>
-                        <a:schemeClr val="tx1"/>
-                      </a:solidFill>
-                      <a:prstDash val="solid"/>
-                      <a:round/>
-                      <a:headEnd type="none" w="med" len="med"/>
-                      <a:tailEnd type="none" w="med" len="med"/>
-                    </a:lnL>
-                    <a:lnR w="12700" cap="flat" cmpd="sng" algn="ctr">
-                      <a:solidFill>
-                        <a:schemeClr val="tx1"/>
-                      </a:solidFill>
-                      <a:prstDash val="solid"/>
-                      <a:round/>
-                      <a:headEnd type="none" w="med" len="med"/>
-                      <a:tailEnd type="none" w="med" len="med"/>
-                    </a:lnR>
-                    <a:lnT w="12700" cap="flat" cmpd="sng" algn="ctr">
-                      <a:solidFill>
-                        <a:schemeClr val="tx1"/>
-                      </a:solidFill>
-                      <a:prstDash val="solid"/>
-                      <a:round/>
-                      <a:headEnd type="none" w="med" len="med"/>
-                      <a:tailEnd type="none" w="med" len="med"/>
-                    </a:lnT>
-                    <a:lnB w="12700" cap="flat" cmpd="sng" algn="ctr">
-                      <a:solidFill>
-                        <a:schemeClr val="tx1"/>
-                      </a:solidFill>
-                      <a:prstDash val="solid"/>
-                      <a:round/>
-                      <a:headEnd type="none" w="med" len="med"/>
-                      <a:tailEnd type="none" w="med" len="med"/>
-                    </a:lnB>
-                    <a:solidFill>
-                      <a:schemeClr val="bg1"/>
-                    </a:solidFill>
-                  </a:tcPr>
-                </a:tc>
-                <a:extLst>
-                  <a:ext uri="{0D108BD9-81ED-4DB2-BD59-A6C34878D82A}">
-                    <a16:rowId xmlns:a16="http://schemas.microsoft.com/office/drawing/2014/main" val="793857569"/>
-                  </a:ext>
-                </a:extLst>
-              </a:tr>
-              <a:tr h="370840">
-                <a:tc>
-                  <a:txBody>
-                    <a:bodyPr/>
-                    <a:lstStyle/>
-                    <a:p>
-                      <a:pPr algn="ctr"/>
-                      <a:r>
-                        <a:rPr lang="en-ZA" dirty="0"/>
-                        <a:t>7</a:t>
-                      </a:r>
-                    </a:p>
-                  </a:txBody>
-                  <a:tcPr>
-                    <a:lnL w="12700" cap="flat" cmpd="sng" algn="ctr">
-                      <a:solidFill>
-                        <a:schemeClr val="tx1"/>
-                      </a:solidFill>
-                      <a:prstDash val="solid"/>
-                      <a:round/>
-                      <a:headEnd type="none" w="med" len="med"/>
-                      <a:tailEnd type="none" w="med" len="med"/>
-                    </a:lnL>
-                    <a:lnR w="12700" cap="flat" cmpd="sng" algn="ctr">
-                      <a:solidFill>
-                        <a:schemeClr val="tx1"/>
-                      </a:solidFill>
-                      <a:prstDash val="solid"/>
-                      <a:round/>
-                      <a:headEnd type="none" w="med" len="med"/>
-                      <a:tailEnd type="none" w="med" len="med"/>
-                    </a:lnR>
-                    <a:lnT w="12700" cap="flat" cmpd="sng" algn="ctr">
-                      <a:solidFill>
-                        <a:schemeClr val="tx1"/>
-                      </a:solidFill>
-                      <a:prstDash val="solid"/>
-                      <a:round/>
-                      <a:headEnd type="none" w="med" len="med"/>
-                      <a:tailEnd type="none" w="med" len="med"/>
-                    </a:lnT>
-                    <a:lnB w="12700" cap="flat" cmpd="sng" algn="ctr">
-                      <a:solidFill>
-                        <a:schemeClr val="tx1"/>
-                      </a:solidFill>
-                      <a:prstDash val="solid"/>
-                      <a:round/>
-                      <a:headEnd type="none" w="med" len="med"/>
-                      <a:tailEnd type="none" w="med" len="med"/>
-                    </a:lnB>
-                    <a:solidFill>
-                      <a:schemeClr val="bg1"/>
-                    </a:solidFill>
-                  </a:tcPr>
-                </a:tc>
-                <a:extLst>
-                  <a:ext uri="{0D108BD9-81ED-4DB2-BD59-A6C34878D82A}">
-                    <a16:rowId xmlns:a16="http://schemas.microsoft.com/office/drawing/2014/main" val="1983379683"/>
-                  </a:ext>
-                </a:extLst>
-              </a:tr>
-              <a:tr h="370840">
-                <a:tc>
-                  <a:txBody>
-                    <a:bodyPr/>
-                    <a:lstStyle/>
-                    <a:p>
-                      <a:pPr algn="ctr"/>
-                      <a:r>
-                        <a:rPr lang="en-ZA" dirty="0"/>
-                        <a:t>8</a:t>
-                      </a:r>
-                    </a:p>
-                  </a:txBody>
-                  <a:tcPr>
-                    <a:lnL w="12700" cap="flat" cmpd="sng" algn="ctr">
-                      <a:solidFill>
-                        <a:schemeClr val="tx1"/>
-                      </a:solidFill>
-                      <a:prstDash val="solid"/>
-                      <a:round/>
-                      <a:headEnd type="none" w="med" len="med"/>
-                      <a:tailEnd type="none" w="med" len="med"/>
-                    </a:lnL>
-                    <a:lnR w="12700" cap="flat" cmpd="sng" algn="ctr">
-                      <a:solidFill>
-                        <a:schemeClr val="tx1"/>
-                      </a:solidFill>
-                      <a:prstDash val="solid"/>
-                      <a:round/>
-                      <a:headEnd type="none" w="med" len="med"/>
-                      <a:tailEnd type="none" w="med" len="med"/>
-                    </a:lnR>
-                    <a:lnT w="12700" cap="flat" cmpd="sng" algn="ctr">
-                      <a:solidFill>
-                        <a:schemeClr val="tx1"/>
-                      </a:solidFill>
-                      <a:prstDash val="solid"/>
-                      <a:round/>
-                      <a:headEnd type="none" w="med" len="med"/>
-                      <a:tailEnd type="none" w="med" len="med"/>
-                    </a:lnT>
-                    <a:lnB w="12700" cap="flat" cmpd="sng" algn="ctr">
-                      <a:solidFill>
-                        <a:schemeClr val="tx1"/>
-                      </a:solidFill>
-                      <a:prstDash val="solid"/>
-                      <a:round/>
-                      <a:headEnd type="none" w="med" len="med"/>
-                      <a:tailEnd type="none" w="med" len="med"/>
-                    </a:lnB>
-                    <a:solidFill>
-                      <a:schemeClr val="bg1"/>
-                    </a:solidFill>
-                  </a:tcPr>
-                </a:tc>
-                <a:extLst>
-                  <a:ext uri="{0D108BD9-81ED-4DB2-BD59-A6C34878D82A}">
-                    <a16:rowId xmlns:a16="http://schemas.microsoft.com/office/drawing/2014/main" val="392476566"/>
-                  </a:ext>
-                </a:extLst>
-              </a:tr>
-            </a:tbl>
-          </a:graphicData>
-        </a:graphic>
-      </p:graphicFrame>
-      <p:sp>
-        <p:nvSpPr>
-          <p:cNvPr id="13" name="TextBox 12">
-            <a:extLst>
-              <a:ext uri="{FF2B5EF4-FFF2-40B4-BE49-F238E27FC236}">
-                <a16:creationId xmlns:a16="http://schemas.microsoft.com/office/drawing/2014/main" id="{CF4329A9-C5D2-4D14-820D-09C0716A25B8}"/>
-              </a:ext>
-            </a:extLst>
-          </p:cNvPr>
-          <p:cNvSpPr txBox="1"/>
-          <p:nvPr/>
-        </p:nvSpPr>
-        <p:spPr>
-          <a:xfrm>
-            <a:off x="6982630" y="6483761"/>
-            <a:ext cx="677173" cy="369332"/>
-          </a:xfrm>
-          <a:prstGeom prst="rect">
-            <a:avLst/>
-          </a:prstGeom>
-          <a:noFill/>
-        </p:spPr>
-        <p:txBody>
-          <a:bodyPr wrap="none" rtlCol="0">
-            <a:spAutoFit/>
-          </a:bodyPr>
-          <a:lstStyle/>
-          <a:p>
-            <a:r>
-              <a:rPr lang="en-ZA" dirty="0"/>
-              <a:t>Stack</a:t>
-            </a:r>
-          </a:p>
-        </p:txBody>
-      </p:sp>
-      <p:cxnSp>
-        <p:nvCxnSpPr>
-          <p:cNvPr id="17" name="Straight Arrow Connector 16">
-            <a:extLst>
-              <a:ext uri="{FF2B5EF4-FFF2-40B4-BE49-F238E27FC236}">
-                <a16:creationId xmlns:a16="http://schemas.microsoft.com/office/drawing/2014/main" id="{8177E823-6CCF-4586-B651-F9FB2A3FA414}"/>
-              </a:ext>
-            </a:extLst>
-          </p:cNvPr>
-          <p:cNvCxnSpPr>
-            <a:cxnSpLocks/>
-            <a:stCxn id="19" idx="2"/>
-            <a:endCxn id="8" idx="0"/>
-          </p:cNvCxnSpPr>
-          <p:nvPr/>
-        </p:nvCxnSpPr>
-        <p:spPr>
-          <a:xfrm>
-            <a:off x="1174417" y="3056264"/>
-            <a:ext cx="0" cy="372736"/>
-          </a:xfrm>
-          <a:prstGeom prst="straightConnector1">
-            <a:avLst/>
-          </a:prstGeom>
-          <a:ln>
-            <a:tailEnd type="triangle"/>
-          </a:ln>
-        </p:spPr>
-        <p:style>
-          <a:lnRef idx="1">
-            <a:schemeClr val="accent1"/>
-          </a:lnRef>
-          <a:fillRef idx="0">
-            <a:schemeClr val="accent1"/>
-          </a:fillRef>
-          <a:effectRef idx="0">
-            <a:schemeClr val="accent1"/>
-          </a:effectRef>
-          <a:fontRef idx="minor">
-            <a:schemeClr val="tx1"/>
-          </a:fontRef>
-        </p:style>
-      </p:cxnSp>
-      <p:sp>
-        <p:nvSpPr>
-          <p:cNvPr id="19" name="TextBox 18">
-            <a:extLst>
-              <a:ext uri="{FF2B5EF4-FFF2-40B4-BE49-F238E27FC236}">
-                <a16:creationId xmlns:a16="http://schemas.microsoft.com/office/drawing/2014/main" id="{1D641A4E-BB3C-4530-B4C8-A0B57731FEF8}"/>
-              </a:ext>
-            </a:extLst>
-          </p:cNvPr>
-          <p:cNvSpPr txBox="1"/>
-          <p:nvPr/>
-        </p:nvSpPr>
-        <p:spPr>
-          <a:xfrm>
-            <a:off x="688081" y="2409933"/>
-            <a:ext cx="972671" cy="646331"/>
-          </a:xfrm>
-          <a:prstGeom prst="rect">
-            <a:avLst/>
-          </a:prstGeom>
-          <a:noFill/>
-        </p:spPr>
-        <p:txBody>
-          <a:bodyPr wrap="square" rtlCol="0">
-            <a:spAutoFit/>
-          </a:bodyPr>
-          <a:lstStyle/>
-          <a:p>
-            <a:pPr algn="ctr"/>
-            <a:r>
-              <a:rPr lang="en-ZA" dirty="0"/>
-              <a:t>Top = 1</a:t>
-            </a:r>
-          </a:p>
-          <a:p>
-            <a:pPr algn="ctr"/>
-            <a:r>
-              <a:rPr lang="en-ZA" dirty="0"/>
-              <a:t>Size =  8</a:t>
-            </a:r>
-          </a:p>
-        </p:txBody>
-      </p:sp>
-      <p:sp>
-        <p:nvSpPr>
-          <p:cNvPr id="23" name="Arrow: Left 22">
-            <a:extLst>
-              <a:ext uri="{FF2B5EF4-FFF2-40B4-BE49-F238E27FC236}">
-                <a16:creationId xmlns:a16="http://schemas.microsoft.com/office/drawing/2014/main" id="{456EF2DD-BB45-4E71-B7AB-F1246099B2D6}"/>
-              </a:ext>
-            </a:extLst>
-          </p:cNvPr>
-          <p:cNvSpPr/>
-          <p:nvPr/>
-        </p:nvSpPr>
-        <p:spPr>
-          <a:xfrm>
-            <a:off x="1821543" y="3372196"/>
-            <a:ext cx="995548" cy="508000"/>
-          </a:xfrm>
-          <a:prstGeom prst="leftArrow">
-            <a:avLst/>
-          </a:prstGeom>
-        </p:spPr>
-        <p:style>
-          <a:lnRef idx="2">
-            <a:schemeClr val="accent1">
-              <a:shade val="50000"/>
-            </a:schemeClr>
-          </a:lnRef>
-          <a:fillRef idx="1">
-            <a:schemeClr val="accent1"/>
-          </a:fillRef>
-          <a:effectRef idx="0">
-            <a:schemeClr val="accent1"/>
-          </a:effectRef>
-          <a:fontRef idx="minor">
-            <a:schemeClr val="lt1"/>
-          </a:fontRef>
-        </p:style>
-        <p:txBody>
-          <a:bodyPr rtlCol="0" anchor="ctr"/>
-          <a:lstStyle/>
-          <a:p>
-            <a:pPr algn="ctr"/>
-            <a:r>
-              <a:rPr lang="en-ZA" dirty="0"/>
-              <a:t>pop()</a:t>
-            </a:r>
-          </a:p>
-        </p:txBody>
-      </p:sp>
-      <p:sp>
-        <p:nvSpPr>
-          <p:cNvPr id="26" name="Arrow: Left 25">
-            <a:extLst>
-              <a:ext uri="{FF2B5EF4-FFF2-40B4-BE49-F238E27FC236}">
-                <a16:creationId xmlns:a16="http://schemas.microsoft.com/office/drawing/2014/main" id="{D790D5C4-5D83-4F07-A854-9A969A3B0442}"/>
-              </a:ext>
-            </a:extLst>
-          </p:cNvPr>
-          <p:cNvSpPr/>
-          <p:nvPr/>
-        </p:nvSpPr>
-        <p:spPr>
-          <a:xfrm>
-            <a:off x="4917031" y="3372196"/>
-            <a:ext cx="995548" cy="508000"/>
-          </a:xfrm>
-          <a:prstGeom prst="leftArrow">
-            <a:avLst/>
-          </a:prstGeom>
-        </p:spPr>
-        <p:style>
-          <a:lnRef idx="2">
-            <a:schemeClr val="accent1">
-              <a:shade val="50000"/>
-            </a:schemeClr>
-          </a:lnRef>
-          <a:fillRef idx="1">
-            <a:schemeClr val="accent1"/>
-          </a:fillRef>
-          <a:effectRef idx="0">
-            <a:schemeClr val="accent1"/>
-          </a:effectRef>
-          <a:fontRef idx="minor">
-            <a:schemeClr val="lt1"/>
-          </a:fontRef>
-        </p:style>
-        <p:txBody>
-          <a:bodyPr rtlCol="0" anchor="ctr"/>
-          <a:lstStyle/>
-          <a:p>
-            <a:pPr algn="ctr"/>
-            <a:r>
-              <a:rPr lang="en-ZA" dirty="0"/>
-              <a:t>pop()</a:t>
-            </a:r>
-          </a:p>
-        </p:txBody>
-      </p:sp>
-      <p:cxnSp>
-        <p:nvCxnSpPr>
-          <p:cNvPr id="34" name="Straight Arrow Connector 33">
-            <a:extLst>
-              <a:ext uri="{FF2B5EF4-FFF2-40B4-BE49-F238E27FC236}">
-                <a16:creationId xmlns:a16="http://schemas.microsoft.com/office/drawing/2014/main" id="{5C3DC6F8-E44B-49B3-86B5-ED427548DF4D}"/>
-              </a:ext>
-            </a:extLst>
-          </p:cNvPr>
-          <p:cNvCxnSpPr>
-            <a:cxnSpLocks/>
-            <a:stCxn id="35" idx="2"/>
-          </p:cNvCxnSpPr>
-          <p:nvPr/>
-        </p:nvCxnSpPr>
-        <p:spPr>
-          <a:xfrm>
-            <a:off x="4245509" y="3068583"/>
-            <a:ext cx="0" cy="372736"/>
-          </a:xfrm>
-          <a:prstGeom prst="straightConnector1">
-            <a:avLst/>
-          </a:prstGeom>
-          <a:ln>
-            <a:tailEnd type="triangle"/>
-          </a:ln>
-        </p:spPr>
-        <p:style>
-          <a:lnRef idx="1">
-            <a:schemeClr val="accent1"/>
-          </a:lnRef>
-          <a:fillRef idx="0">
-            <a:schemeClr val="accent1"/>
-          </a:fillRef>
-          <a:effectRef idx="0">
-            <a:schemeClr val="accent1"/>
-          </a:effectRef>
-          <a:fontRef idx="minor">
-            <a:schemeClr val="tx1"/>
-          </a:fontRef>
-        </p:style>
-      </p:cxnSp>
-      <p:sp>
-        <p:nvSpPr>
-          <p:cNvPr id="35" name="TextBox 34">
-            <a:extLst>
-              <a:ext uri="{FF2B5EF4-FFF2-40B4-BE49-F238E27FC236}">
-                <a16:creationId xmlns:a16="http://schemas.microsoft.com/office/drawing/2014/main" id="{02A592D8-28F7-4C4D-9458-96B40A1C4BAE}"/>
-              </a:ext>
-            </a:extLst>
-          </p:cNvPr>
-          <p:cNvSpPr txBox="1"/>
-          <p:nvPr/>
-        </p:nvSpPr>
-        <p:spPr>
-          <a:xfrm>
-            <a:off x="3759173" y="2422252"/>
-            <a:ext cx="972671" cy="646331"/>
-          </a:xfrm>
-          <a:prstGeom prst="rect">
-            <a:avLst/>
-          </a:prstGeom>
-          <a:noFill/>
-        </p:spPr>
-        <p:txBody>
-          <a:bodyPr wrap="square" rtlCol="0">
-            <a:spAutoFit/>
-          </a:bodyPr>
-          <a:lstStyle/>
-          <a:p>
-            <a:pPr algn="ctr"/>
-            <a:r>
-              <a:rPr lang="en-ZA" dirty="0"/>
-              <a:t>Top = 2</a:t>
-            </a:r>
-          </a:p>
-          <a:p>
-            <a:pPr algn="ctr"/>
-            <a:r>
-              <a:rPr lang="en-ZA" dirty="0"/>
-              <a:t>Size =  7</a:t>
-            </a:r>
-          </a:p>
-        </p:txBody>
-      </p:sp>
-      <p:cxnSp>
-        <p:nvCxnSpPr>
-          <p:cNvPr id="36" name="Straight Arrow Connector 35">
-            <a:extLst>
-              <a:ext uri="{FF2B5EF4-FFF2-40B4-BE49-F238E27FC236}">
-                <a16:creationId xmlns:a16="http://schemas.microsoft.com/office/drawing/2014/main" id="{2D977A9F-DB78-4A65-A2D8-5EFD59E1860D}"/>
-              </a:ext>
-            </a:extLst>
-          </p:cNvPr>
-          <p:cNvCxnSpPr>
-            <a:cxnSpLocks/>
-            <a:stCxn id="37" idx="2"/>
-          </p:cNvCxnSpPr>
-          <p:nvPr/>
-        </p:nvCxnSpPr>
-        <p:spPr>
-          <a:xfrm>
-            <a:off x="7316601" y="3056264"/>
-            <a:ext cx="0" cy="372736"/>
-          </a:xfrm>
-          <a:prstGeom prst="straightConnector1">
-            <a:avLst/>
-          </a:prstGeom>
-          <a:ln>
-            <a:tailEnd type="triangle"/>
-          </a:ln>
-        </p:spPr>
-        <p:style>
-          <a:lnRef idx="1">
-            <a:schemeClr val="accent1"/>
-          </a:lnRef>
-          <a:fillRef idx="0">
-            <a:schemeClr val="accent1"/>
-          </a:fillRef>
-          <a:effectRef idx="0">
-            <a:schemeClr val="accent1"/>
-          </a:effectRef>
-          <a:fontRef idx="minor">
-            <a:schemeClr val="tx1"/>
-          </a:fontRef>
-        </p:style>
-      </p:cxnSp>
-      <p:sp>
-        <p:nvSpPr>
-          <p:cNvPr id="37" name="TextBox 36">
-            <a:extLst>
-              <a:ext uri="{FF2B5EF4-FFF2-40B4-BE49-F238E27FC236}">
-                <a16:creationId xmlns:a16="http://schemas.microsoft.com/office/drawing/2014/main" id="{BB1355E7-53C7-40FD-B4A9-4B34BB127A9E}"/>
-              </a:ext>
-            </a:extLst>
-          </p:cNvPr>
-          <p:cNvSpPr txBox="1"/>
-          <p:nvPr/>
-        </p:nvSpPr>
-        <p:spPr>
-          <a:xfrm>
-            <a:off x="6830265" y="2409933"/>
-            <a:ext cx="972671" cy="646331"/>
-          </a:xfrm>
-          <a:prstGeom prst="rect">
-            <a:avLst/>
-          </a:prstGeom>
-          <a:noFill/>
-        </p:spPr>
-        <p:txBody>
-          <a:bodyPr wrap="square" rtlCol="0">
-            <a:spAutoFit/>
-          </a:bodyPr>
-          <a:lstStyle/>
-          <a:p>
-            <a:pPr algn="ctr"/>
-            <a:r>
-              <a:rPr lang="en-ZA" dirty="0"/>
-              <a:t>Top = 3</a:t>
-            </a:r>
-          </a:p>
-          <a:p>
-            <a:pPr algn="ctr"/>
-            <a:r>
-              <a:rPr lang="en-ZA" dirty="0"/>
-              <a:t>Size =  6</a:t>
-            </a:r>
-          </a:p>
-        </p:txBody>
-      </p:sp>
-      <p:graphicFrame>
-        <p:nvGraphicFramePr>
-          <p:cNvPr id="38" name="Table 37">
-            <a:extLst>
-              <a:ext uri="{FF2B5EF4-FFF2-40B4-BE49-F238E27FC236}">
-                <a16:creationId xmlns:a16="http://schemas.microsoft.com/office/drawing/2014/main" id="{8E0E9528-DEC3-474E-8565-0D409B520647}"/>
-              </a:ext>
-            </a:extLst>
-          </p:cNvPr>
-          <p:cNvGraphicFramePr>
-            <a:graphicFrameLocks noGrp="1"/>
-          </p:cNvGraphicFramePr>
-          <p:nvPr/>
-        </p:nvGraphicFramePr>
-        <p:xfrm>
-          <a:off x="9417331" y="3441319"/>
-          <a:ext cx="1294255" cy="2595880"/>
-        </p:xfrm>
-        <a:graphic>
-          <a:graphicData uri="http://schemas.openxmlformats.org/drawingml/2006/table">
-            <a:tbl>
-              <a:tblPr firstRow="1" bandRow="1">
-                <a:tableStyleId>{5C22544A-7EE6-4342-B048-85BDC9FD1C3A}</a:tableStyleId>
-              </a:tblPr>
-              <a:tblGrid>
-                <a:gridCol w="1294255">
-                  <a:extLst>
-                    <a:ext uri="{9D8B030D-6E8A-4147-A177-3AD203B41FA5}">
-                      <a16:colId xmlns:a16="http://schemas.microsoft.com/office/drawing/2014/main" val="3729675899"/>
-                    </a:ext>
-                  </a:extLst>
-                </a:gridCol>
-              </a:tblGrid>
-              <a:tr h="370840">
-                <a:tc>
-                  <a:txBody>
-                    <a:bodyPr/>
-                    <a:lstStyle/>
-                    <a:p>
-                      <a:pPr algn="ctr"/>
-                      <a:r>
-                        <a:rPr lang="en-ZA" b="0" dirty="0">
-                          <a:solidFill>
-                            <a:schemeClr val="tx1"/>
-                          </a:solidFill>
-                        </a:rPr>
-                        <a:t>100</a:t>
-                      </a:r>
-                    </a:p>
-                  </a:txBody>
-                  <a:tcPr>
-                    <a:lnL w="12700" cap="flat" cmpd="sng" algn="ctr">
-                      <a:solidFill>
-                        <a:schemeClr val="tx1"/>
-                      </a:solidFill>
-                      <a:prstDash val="solid"/>
-                      <a:round/>
-                      <a:headEnd type="none" w="med" len="med"/>
-                      <a:tailEnd type="none" w="med" len="med"/>
-                    </a:lnL>
-                    <a:lnR w="12700" cap="flat" cmpd="sng" algn="ctr">
-                      <a:solidFill>
-                        <a:schemeClr val="tx1"/>
-                      </a:solidFill>
-                      <a:prstDash val="solid"/>
-                      <a:round/>
-                      <a:headEnd type="none" w="med" len="med"/>
-                      <a:tailEnd type="none" w="med" len="med"/>
-                    </a:lnR>
-                    <a:lnT w="12700" cap="flat" cmpd="sng" algn="ctr">
-                      <a:solidFill>
-                        <a:schemeClr val="tx1"/>
-                      </a:solidFill>
-                      <a:prstDash val="solid"/>
-                      <a:round/>
-                      <a:headEnd type="none" w="med" len="med"/>
-                      <a:tailEnd type="none" w="med" len="med"/>
-                    </a:lnT>
-                    <a:lnB w="12700" cap="flat" cmpd="sng" algn="ctr">
-                      <a:solidFill>
-                        <a:schemeClr val="tx1"/>
-                      </a:solidFill>
-                      <a:prstDash val="solid"/>
-                      <a:round/>
-                      <a:headEnd type="none" w="med" len="med"/>
-                      <a:tailEnd type="none" w="med" len="med"/>
-                    </a:lnB>
-                    <a:solidFill>
-                      <a:schemeClr val="bg1"/>
-                    </a:solidFill>
-                  </a:tcPr>
-                </a:tc>
-                <a:extLst>
-                  <a:ext uri="{0D108BD9-81ED-4DB2-BD59-A6C34878D82A}">
-                    <a16:rowId xmlns:a16="http://schemas.microsoft.com/office/drawing/2014/main" val="3499872361"/>
-                  </a:ext>
-                </a:extLst>
-              </a:tr>
-              <a:tr h="370840">
-                <a:tc>
-                  <a:txBody>
-                    <a:bodyPr/>
-                    <a:lstStyle/>
-                    <a:p>
-                      <a:pPr algn="ctr"/>
-                      <a:r>
-                        <a:rPr lang="en-ZA" dirty="0"/>
-                        <a:t>3</a:t>
-                      </a:r>
-                    </a:p>
-                  </a:txBody>
-                  <a:tcPr>
-                    <a:lnL w="12700" cap="flat" cmpd="sng" algn="ctr">
-                      <a:solidFill>
-                        <a:schemeClr val="tx1"/>
-                      </a:solidFill>
-                      <a:prstDash val="solid"/>
-                      <a:round/>
-                      <a:headEnd type="none" w="med" len="med"/>
-                      <a:tailEnd type="none" w="med" len="med"/>
-                    </a:lnL>
-                    <a:lnR w="12700" cap="flat" cmpd="sng" algn="ctr">
-                      <a:solidFill>
-                        <a:schemeClr val="tx1"/>
-                      </a:solidFill>
-                      <a:prstDash val="solid"/>
-                      <a:round/>
-                      <a:headEnd type="none" w="med" len="med"/>
-                      <a:tailEnd type="none" w="med" len="med"/>
-                    </a:lnR>
-                    <a:lnT w="12700" cap="flat" cmpd="sng" algn="ctr">
-                      <a:solidFill>
-                        <a:schemeClr val="tx1"/>
-                      </a:solidFill>
-                      <a:prstDash val="solid"/>
-                      <a:round/>
-                      <a:headEnd type="none" w="med" len="med"/>
-                      <a:tailEnd type="none" w="med" len="med"/>
-                    </a:lnT>
-                    <a:lnB w="12700" cap="flat" cmpd="sng" algn="ctr">
-                      <a:solidFill>
-                        <a:schemeClr val="tx1"/>
-                      </a:solidFill>
-                      <a:prstDash val="solid"/>
-                      <a:round/>
-                      <a:headEnd type="none" w="med" len="med"/>
-                      <a:tailEnd type="none" w="med" len="med"/>
-                    </a:lnB>
-                    <a:solidFill>
-                      <a:schemeClr val="bg1"/>
-                    </a:solidFill>
-                  </a:tcPr>
-                </a:tc>
-                <a:extLst>
-                  <a:ext uri="{0D108BD9-81ED-4DB2-BD59-A6C34878D82A}">
-                    <a16:rowId xmlns:a16="http://schemas.microsoft.com/office/drawing/2014/main" val="220806705"/>
-                  </a:ext>
-                </a:extLst>
-              </a:tr>
-              <a:tr h="370840">
-                <a:tc>
-                  <a:txBody>
-                    <a:bodyPr/>
-                    <a:lstStyle/>
-                    <a:p>
-                      <a:pPr algn="ctr"/>
-                      <a:r>
-                        <a:rPr lang="en-ZA" dirty="0"/>
-                        <a:t>4</a:t>
-                      </a:r>
-                    </a:p>
-                  </a:txBody>
-                  <a:tcPr>
-                    <a:lnL w="12700" cap="flat" cmpd="sng" algn="ctr">
-                      <a:solidFill>
-                        <a:schemeClr val="tx1"/>
-                      </a:solidFill>
-                      <a:prstDash val="solid"/>
-                      <a:round/>
-                      <a:headEnd type="none" w="med" len="med"/>
-                      <a:tailEnd type="none" w="med" len="med"/>
-                    </a:lnL>
-                    <a:lnR w="12700" cap="flat" cmpd="sng" algn="ctr">
-                      <a:solidFill>
-                        <a:schemeClr val="tx1"/>
-                      </a:solidFill>
-                      <a:prstDash val="solid"/>
-                      <a:round/>
-                      <a:headEnd type="none" w="med" len="med"/>
-                      <a:tailEnd type="none" w="med" len="med"/>
-                    </a:lnR>
-                    <a:lnT w="12700" cap="flat" cmpd="sng" algn="ctr">
-                      <a:solidFill>
-                        <a:schemeClr val="tx1"/>
-                      </a:solidFill>
-                      <a:prstDash val="solid"/>
-                      <a:round/>
-                      <a:headEnd type="none" w="med" len="med"/>
-                      <a:tailEnd type="none" w="med" len="med"/>
-                    </a:lnT>
-                    <a:lnB w="12700" cap="flat" cmpd="sng" algn="ctr">
-                      <a:solidFill>
-                        <a:schemeClr val="tx1"/>
-                      </a:solidFill>
-                      <a:prstDash val="solid"/>
-                      <a:round/>
-                      <a:headEnd type="none" w="med" len="med"/>
-                      <a:tailEnd type="none" w="med" len="med"/>
-                    </a:lnB>
-                    <a:solidFill>
-                      <a:schemeClr val="bg1"/>
-                    </a:solidFill>
-                  </a:tcPr>
-                </a:tc>
-                <a:extLst>
-                  <a:ext uri="{0D108BD9-81ED-4DB2-BD59-A6C34878D82A}">
-                    <a16:rowId xmlns:a16="http://schemas.microsoft.com/office/drawing/2014/main" val="2763925148"/>
-                  </a:ext>
-                </a:extLst>
-              </a:tr>
-              <a:tr h="370840">
-                <a:tc>
-                  <a:txBody>
-                    <a:bodyPr/>
-                    <a:lstStyle/>
-                    <a:p>
-                      <a:pPr algn="ctr"/>
-                      <a:r>
-                        <a:rPr lang="en-ZA" dirty="0"/>
-                        <a:t>5</a:t>
-                      </a:r>
-                    </a:p>
-                  </a:txBody>
-                  <a:tcPr>
-                    <a:lnL w="12700" cap="flat" cmpd="sng" algn="ctr">
-                      <a:solidFill>
-                        <a:schemeClr val="tx1"/>
-                      </a:solidFill>
-                      <a:prstDash val="solid"/>
-                      <a:round/>
-                      <a:headEnd type="none" w="med" len="med"/>
-                      <a:tailEnd type="none" w="med" len="med"/>
-                    </a:lnL>
-                    <a:lnR w="12700" cap="flat" cmpd="sng" algn="ctr">
-                      <a:solidFill>
-                        <a:schemeClr val="tx1"/>
-                      </a:solidFill>
-                      <a:prstDash val="solid"/>
-                      <a:round/>
-                      <a:headEnd type="none" w="med" len="med"/>
-                      <a:tailEnd type="none" w="med" len="med"/>
-                    </a:lnR>
-                    <a:lnT w="12700" cap="flat" cmpd="sng" algn="ctr">
-                      <a:solidFill>
-                        <a:schemeClr val="tx1"/>
-                      </a:solidFill>
-                      <a:prstDash val="solid"/>
-                      <a:round/>
-                      <a:headEnd type="none" w="med" len="med"/>
-                      <a:tailEnd type="none" w="med" len="med"/>
-                    </a:lnT>
-                    <a:lnB w="12700" cap="flat" cmpd="sng" algn="ctr">
-                      <a:solidFill>
-                        <a:schemeClr val="tx1"/>
-                      </a:solidFill>
-                      <a:prstDash val="solid"/>
-                      <a:round/>
-                      <a:headEnd type="none" w="med" len="med"/>
-                      <a:tailEnd type="none" w="med" len="med"/>
-                    </a:lnB>
-                    <a:solidFill>
-                      <a:schemeClr val="bg1"/>
-                    </a:solidFill>
-                  </a:tcPr>
-                </a:tc>
-                <a:extLst>
-                  <a:ext uri="{0D108BD9-81ED-4DB2-BD59-A6C34878D82A}">
-                    <a16:rowId xmlns:a16="http://schemas.microsoft.com/office/drawing/2014/main" val="1831422260"/>
-                  </a:ext>
-                </a:extLst>
-              </a:tr>
-              <a:tr h="370840">
-                <a:tc>
-                  <a:txBody>
-                    <a:bodyPr/>
-                    <a:lstStyle/>
-                    <a:p>
-                      <a:pPr algn="ctr"/>
-                      <a:r>
-                        <a:rPr lang="en-ZA" dirty="0"/>
-                        <a:t>6</a:t>
-                      </a:r>
-                    </a:p>
-                  </a:txBody>
-                  <a:tcPr>
-                    <a:lnL w="12700" cap="flat" cmpd="sng" algn="ctr">
-                      <a:solidFill>
-                        <a:schemeClr val="tx1"/>
-                      </a:solidFill>
-                      <a:prstDash val="solid"/>
-                      <a:round/>
-                      <a:headEnd type="none" w="med" len="med"/>
-                      <a:tailEnd type="none" w="med" len="med"/>
-                    </a:lnL>
-                    <a:lnR w="12700" cap="flat" cmpd="sng" algn="ctr">
-                      <a:solidFill>
-                        <a:schemeClr val="tx1"/>
-                      </a:solidFill>
-                      <a:prstDash val="solid"/>
-                      <a:round/>
-                      <a:headEnd type="none" w="med" len="med"/>
-                      <a:tailEnd type="none" w="med" len="med"/>
-                    </a:lnR>
-                    <a:lnT w="12700" cap="flat" cmpd="sng" algn="ctr">
-                      <a:solidFill>
-                        <a:schemeClr val="tx1"/>
-                      </a:solidFill>
-                      <a:prstDash val="solid"/>
-                      <a:round/>
-                      <a:headEnd type="none" w="med" len="med"/>
-                      <a:tailEnd type="none" w="med" len="med"/>
-                    </a:lnT>
-                    <a:lnB w="12700" cap="flat" cmpd="sng" algn="ctr">
-                      <a:solidFill>
-                        <a:schemeClr val="tx1"/>
-                      </a:solidFill>
-                      <a:prstDash val="solid"/>
-                      <a:round/>
-                      <a:headEnd type="none" w="med" len="med"/>
-                      <a:tailEnd type="none" w="med" len="med"/>
-                    </a:lnB>
-                    <a:solidFill>
-                      <a:schemeClr val="bg1"/>
-                    </a:solidFill>
-                  </a:tcPr>
-                </a:tc>
-                <a:extLst>
-                  <a:ext uri="{0D108BD9-81ED-4DB2-BD59-A6C34878D82A}">
-                    <a16:rowId xmlns:a16="http://schemas.microsoft.com/office/drawing/2014/main" val="793857569"/>
-                  </a:ext>
-                </a:extLst>
-              </a:tr>
-              <a:tr h="370840">
-                <a:tc>
-                  <a:txBody>
-                    <a:bodyPr/>
-                    <a:lstStyle/>
-                    <a:p>
-                      <a:pPr algn="ctr"/>
-                      <a:r>
-                        <a:rPr lang="en-ZA" dirty="0"/>
-                        <a:t>7</a:t>
-                      </a:r>
-                    </a:p>
-                  </a:txBody>
-                  <a:tcPr>
-                    <a:lnL w="12700" cap="flat" cmpd="sng" algn="ctr">
-                      <a:solidFill>
-                        <a:schemeClr val="tx1"/>
-                      </a:solidFill>
-                      <a:prstDash val="solid"/>
-                      <a:round/>
-                      <a:headEnd type="none" w="med" len="med"/>
-                      <a:tailEnd type="none" w="med" len="med"/>
-                    </a:lnL>
-                    <a:lnR w="12700" cap="flat" cmpd="sng" algn="ctr">
-                      <a:solidFill>
-                        <a:schemeClr val="tx1"/>
-                      </a:solidFill>
-                      <a:prstDash val="solid"/>
-                      <a:round/>
-                      <a:headEnd type="none" w="med" len="med"/>
-                      <a:tailEnd type="none" w="med" len="med"/>
-                    </a:lnR>
-                    <a:lnT w="12700" cap="flat" cmpd="sng" algn="ctr">
-                      <a:solidFill>
-                        <a:schemeClr val="tx1"/>
-                      </a:solidFill>
-                      <a:prstDash val="solid"/>
-                      <a:round/>
-                      <a:headEnd type="none" w="med" len="med"/>
-                      <a:tailEnd type="none" w="med" len="med"/>
-                    </a:lnT>
-                    <a:lnB w="12700" cap="flat" cmpd="sng" algn="ctr">
-                      <a:solidFill>
-                        <a:schemeClr val="tx1"/>
-                      </a:solidFill>
-                      <a:prstDash val="solid"/>
-                      <a:round/>
-                      <a:headEnd type="none" w="med" len="med"/>
-                      <a:tailEnd type="none" w="med" len="med"/>
-                    </a:lnB>
-                    <a:solidFill>
-                      <a:schemeClr val="bg1"/>
-                    </a:solidFill>
-                  </a:tcPr>
-                </a:tc>
-                <a:extLst>
-                  <a:ext uri="{0D108BD9-81ED-4DB2-BD59-A6C34878D82A}">
-                    <a16:rowId xmlns:a16="http://schemas.microsoft.com/office/drawing/2014/main" val="1983379683"/>
-                  </a:ext>
-                </a:extLst>
-              </a:tr>
-              <a:tr h="370840">
-                <a:tc>
-                  <a:txBody>
-                    <a:bodyPr/>
-                    <a:lstStyle/>
-                    <a:p>
-                      <a:pPr algn="ctr"/>
-                      <a:r>
-                        <a:rPr lang="en-ZA" dirty="0"/>
-                        <a:t>8</a:t>
-                      </a:r>
-                    </a:p>
-                  </a:txBody>
-                  <a:tcPr>
-                    <a:lnL w="12700" cap="flat" cmpd="sng" algn="ctr">
-                      <a:solidFill>
-                        <a:schemeClr val="tx1"/>
-                      </a:solidFill>
-                      <a:prstDash val="solid"/>
-                      <a:round/>
-                      <a:headEnd type="none" w="med" len="med"/>
-                      <a:tailEnd type="none" w="med" len="med"/>
-                    </a:lnL>
-                    <a:lnR w="12700" cap="flat" cmpd="sng" algn="ctr">
-                      <a:solidFill>
-                        <a:schemeClr val="tx1"/>
-                      </a:solidFill>
-                      <a:prstDash val="solid"/>
-                      <a:round/>
-                      <a:headEnd type="none" w="med" len="med"/>
-                      <a:tailEnd type="none" w="med" len="med"/>
-                    </a:lnR>
-                    <a:lnT w="12700" cap="flat" cmpd="sng" algn="ctr">
-                      <a:solidFill>
-                        <a:schemeClr val="tx1"/>
-                      </a:solidFill>
-                      <a:prstDash val="solid"/>
-                      <a:round/>
-                      <a:headEnd type="none" w="med" len="med"/>
-                      <a:tailEnd type="none" w="med" len="med"/>
-                    </a:lnT>
-                    <a:lnB w="12700" cap="flat" cmpd="sng" algn="ctr">
-                      <a:solidFill>
-                        <a:schemeClr val="tx1"/>
-                      </a:solidFill>
-                      <a:prstDash val="solid"/>
-                      <a:round/>
-                      <a:headEnd type="none" w="med" len="med"/>
-                      <a:tailEnd type="none" w="med" len="med"/>
-                    </a:lnB>
-                    <a:solidFill>
-                      <a:schemeClr val="bg1"/>
-                    </a:solidFill>
-                  </a:tcPr>
-                </a:tc>
-                <a:extLst>
-                  <a:ext uri="{0D108BD9-81ED-4DB2-BD59-A6C34878D82A}">
-                    <a16:rowId xmlns:a16="http://schemas.microsoft.com/office/drawing/2014/main" val="392476566"/>
-                  </a:ext>
-                </a:extLst>
-              </a:tr>
-            </a:tbl>
-          </a:graphicData>
-        </a:graphic>
-      </p:graphicFrame>
-      <p:sp>
-        <p:nvSpPr>
-          <p:cNvPr id="39" name="TextBox 38">
-            <a:extLst>
-              <a:ext uri="{FF2B5EF4-FFF2-40B4-BE49-F238E27FC236}">
-                <a16:creationId xmlns:a16="http://schemas.microsoft.com/office/drawing/2014/main" id="{9874E437-47CD-4134-ADF7-555825458D6A}"/>
-              </a:ext>
-            </a:extLst>
-          </p:cNvPr>
-          <p:cNvSpPr txBox="1"/>
-          <p:nvPr/>
-        </p:nvSpPr>
-        <p:spPr>
-          <a:xfrm>
-            <a:off x="9725871" y="6496080"/>
-            <a:ext cx="677173" cy="369332"/>
-          </a:xfrm>
-          <a:prstGeom prst="rect">
-            <a:avLst/>
-          </a:prstGeom>
-          <a:noFill/>
-        </p:spPr>
-        <p:txBody>
-          <a:bodyPr wrap="none" rtlCol="0">
-            <a:spAutoFit/>
-          </a:bodyPr>
-          <a:lstStyle/>
-          <a:p>
-            <a:r>
-              <a:rPr lang="en-ZA" dirty="0"/>
-              <a:t>Stack</a:t>
-            </a:r>
-          </a:p>
-        </p:txBody>
-      </p:sp>
-      <p:cxnSp>
-        <p:nvCxnSpPr>
-          <p:cNvPr id="40" name="Straight Arrow Connector 39">
-            <a:extLst>
-              <a:ext uri="{FF2B5EF4-FFF2-40B4-BE49-F238E27FC236}">
-                <a16:creationId xmlns:a16="http://schemas.microsoft.com/office/drawing/2014/main" id="{6CA50828-ECB4-4CB0-A86C-EE0733E56A6F}"/>
-              </a:ext>
-            </a:extLst>
-          </p:cNvPr>
-          <p:cNvCxnSpPr>
-            <a:cxnSpLocks/>
-            <a:stCxn id="41" idx="2"/>
-            <a:endCxn id="38" idx="0"/>
-          </p:cNvCxnSpPr>
-          <p:nvPr/>
-        </p:nvCxnSpPr>
-        <p:spPr>
-          <a:xfrm flipH="1">
-            <a:off x="10064458" y="3096202"/>
-            <a:ext cx="1520" cy="345117"/>
-          </a:xfrm>
-          <a:prstGeom prst="straightConnector1">
-            <a:avLst/>
-          </a:prstGeom>
-          <a:ln>
-            <a:tailEnd type="triangle"/>
-          </a:ln>
-        </p:spPr>
-        <p:style>
-          <a:lnRef idx="1">
-            <a:schemeClr val="accent1"/>
-          </a:lnRef>
-          <a:fillRef idx="0">
-            <a:schemeClr val="accent1"/>
-          </a:fillRef>
-          <a:effectRef idx="0">
-            <a:schemeClr val="accent1"/>
-          </a:effectRef>
-          <a:fontRef idx="minor">
-            <a:schemeClr val="tx1"/>
-          </a:fontRef>
-        </p:style>
-      </p:cxnSp>
-      <p:sp>
-        <p:nvSpPr>
-          <p:cNvPr id="41" name="TextBox 40">
-            <a:extLst>
-              <a:ext uri="{FF2B5EF4-FFF2-40B4-BE49-F238E27FC236}">
-                <a16:creationId xmlns:a16="http://schemas.microsoft.com/office/drawing/2014/main" id="{AE047FA3-C3B4-4728-A52F-07BE072BF6A8}"/>
-              </a:ext>
-            </a:extLst>
-          </p:cNvPr>
-          <p:cNvSpPr txBox="1"/>
-          <p:nvPr/>
-        </p:nvSpPr>
-        <p:spPr>
-          <a:xfrm>
-            <a:off x="8983670" y="2172872"/>
-            <a:ext cx="2164615" cy="923330"/>
-          </a:xfrm>
-          <a:prstGeom prst="rect">
-            <a:avLst/>
-          </a:prstGeom>
-          <a:noFill/>
-        </p:spPr>
-        <p:txBody>
-          <a:bodyPr wrap="square" rtlCol="0">
-            <a:spAutoFit/>
-          </a:bodyPr>
-          <a:lstStyle/>
-          <a:p>
-            <a:pPr algn="ctr"/>
-            <a:r>
-              <a:rPr lang="en-ZA" dirty="0"/>
-              <a:t>Top = 100</a:t>
-            </a:r>
-          </a:p>
-          <a:p>
-            <a:pPr algn="ctr"/>
-            <a:r>
-              <a:rPr lang="en-ZA" dirty="0"/>
-              <a:t>Size =  7</a:t>
-            </a:r>
-          </a:p>
-          <a:p>
-            <a:pPr algn="ctr"/>
-            <a:r>
-              <a:rPr lang="en-ZA" dirty="0"/>
-              <a:t>empty() = false</a:t>
-            </a:r>
-          </a:p>
-        </p:txBody>
-      </p:sp>
-      <p:sp>
-        <p:nvSpPr>
-          <p:cNvPr id="44" name="Arrow: Left 43">
-            <a:extLst>
-              <a:ext uri="{FF2B5EF4-FFF2-40B4-BE49-F238E27FC236}">
-                <a16:creationId xmlns:a16="http://schemas.microsoft.com/office/drawing/2014/main" id="{BA22E65F-0B01-4BE0-8FCD-99966CCD4010}"/>
-              </a:ext>
-            </a:extLst>
-          </p:cNvPr>
-          <p:cNvSpPr/>
-          <p:nvPr/>
-        </p:nvSpPr>
-        <p:spPr>
-          <a:xfrm>
-            <a:off x="7999562" y="3372196"/>
-            <a:ext cx="995548" cy="508000"/>
-          </a:xfrm>
-          <a:prstGeom prst="leftArrow">
-            <a:avLst/>
-          </a:prstGeom>
-        </p:spPr>
-        <p:style>
-          <a:lnRef idx="2">
-            <a:schemeClr val="accent1">
-              <a:shade val="50000"/>
-            </a:schemeClr>
-          </a:lnRef>
-          <a:fillRef idx="1">
-            <a:schemeClr val="accent1"/>
-          </a:fillRef>
-          <a:effectRef idx="0">
-            <a:schemeClr val="accent1"/>
-          </a:effectRef>
-          <a:fontRef idx="minor">
-            <a:schemeClr val="lt1"/>
-          </a:fontRef>
-        </p:style>
-        <p:txBody>
-          <a:bodyPr rtlCol="0" anchor="ctr"/>
-          <a:lstStyle/>
-          <a:p>
-            <a:pPr algn="ctr"/>
-            <a:r>
-              <a:rPr lang="en-ZA" dirty="0"/>
-              <a:t>push()</a:t>
-            </a:r>
-          </a:p>
-        </p:txBody>
-      </p:sp>
-    </p:spTree>
-    <p:extLst>
-      <p:ext uri="{BB962C8B-B14F-4D97-AF65-F5344CB8AC3E}">
-        <p14:creationId xmlns:p14="http://schemas.microsoft.com/office/powerpoint/2010/main" val="1831600755"/>
-      </p:ext>
-    </p:extLst>
-  </p:cSld>
-  <p:clrMapOvr>
-    <a:masterClrMapping/>
-  </p:clrMapOvr>
-</p:sld>
-</file>
-
-<file path=ppt/slides/slide16.xml><?xml version="1.0" encoding="utf-8"?>
-<p:sld xmlns:a="http://schemas.openxmlformats.org/drawingml/2006/main" xmlns:r="http://schemas.openxmlformats.org/officeDocument/2006/relationships" xmlns:p="http://schemas.openxmlformats.org/presentationml/2006/main">
-  <p:cSld>
-    <p:spTree>
-      <p:nvGrpSpPr>
-        <p:cNvPr id="1" name=""/>
-        <p:cNvGrpSpPr/>
-        <p:nvPr/>
-      </p:nvGrpSpPr>
-      <p:grpSpPr>
-        <a:xfrm>
-          <a:off x="0" y="0"/>
-          <a:ext cx="0" cy="0"/>
-          <a:chOff x="0" y="0"/>
-          <a:chExt cx="0" cy="0"/>
-        </a:xfrm>
-      </p:grpSpPr>
-      <p:sp>
-        <p:nvSpPr>
-          <p:cNvPr id="2" name="Title 1">
-            <a:extLst>
-              <a:ext uri="{FF2B5EF4-FFF2-40B4-BE49-F238E27FC236}">
-                <a16:creationId xmlns:a16="http://schemas.microsoft.com/office/drawing/2014/main" id="{D5ADB741-E60D-422D-8B8C-3C91984C06A5}"/>
-              </a:ext>
-            </a:extLst>
-          </p:cNvPr>
-          <p:cNvSpPr>
-            <a:spLocks noGrp="1"/>
-          </p:cNvSpPr>
-          <p:nvPr>
-            <p:ph type="title"/>
-          </p:nvPr>
-        </p:nvSpPr>
-        <p:spPr/>
-        <p:txBody>
-          <a:bodyPr/>
-          <a:lstStyle/>
-          <a:p>
-            <a:r>
-              <a:rPr lang="en-ZA" dirty="0"/>
-              <a:t>Stacks</a:t>
-            </a:r>
-          </a:p>
-        </p:txBody>
-      </p:sp>
-      <p:graphicFrame>
-        <p:nvGraphicFramePr>
-          <p:cNvPr id="4" name="Table 3">
-            <a:extLst>
-              <a:ext uri="{FF2B5EF4-FFF2-40B4-BE49-F238E27FC236}">
-                <a16:creationId xmlns:a16="http://schemas.microsoft.com/office/drawing/2014/main" id="{994A58CA-3D76-4425-94C2-475E6B04C21E}"/>
-              </a:ext>
-            </a:extLst>
-          </p:cNvPr>
-          <p:cNvGraphicFramePr>
-            <a:graphicFrameLocks noGrp="1"/>
-          </p:cNvGraphicFramePr>
-          <p:nvPr/>
-        </p:nvGraphicFramePr>
-        <p:xfrm>
-          <a:off x="5949036" y="1384192"/>
-          <a:ext cx="2686637" cy="747929"/>
-        </p:xfrm>
-        <a:graphic>
-          <a:graphicData uri="http://schemas.openxmlformats.org/drawingml/2006/table">
-            <a:tbl>
-              <a:tblPr firstRow="1" bandRow="1">
-                <a:tableStyleId>{5C22544A-7EE6-4342-B048-85BDC9FD1C3A}</a:tableStyleId>
-              </a:tblPr>
-              <a:tblGrid>
-                <a:gridCol w="2686637">
-                  <a:extLst>
-                    <a:ext uri="{9D8B030D-6E8A-4147-A177-3AD203B41FA5}">
-                      <a16:colId xmlns:a16="http://schemas.microsoft.com/office/drawing/2014/main" val="3796963812"/>
-                    </a:ext>
-                  </a:extLst>
-                </a:gridCol>
-              </a:tblGrid>
-              <a:tr h="377089">
-                <a:tc>
-                  <a:txBody>
-                    <a:bodyPr/>
-                    <a:lstStyle/>
-                    <a:p>
-                      <a:pPr algn="ctr"/>
-                      <a:r>
-                        <a:rPr lang="en-ZA" dirty="0"/>
-                        <a:t>Remove Last (From Back)  </a:t>
-                      </a:r>
-                    </a:p>
-                  </a:txBody>
-                  <a:tcPr>
-                    <a:solidFill>
-                      <a:schemeClr val="tx1">
-                        <a:lumMod val="75000"/>
-                        <a:lumOff val="25000"/>
-                      </a:schemeClr>
-                    </a:solidFill>
-                  </a:tcPr>
-                </a:tc>
-                <a:extLst>
-                  <a:ext uri="{0D108BD9-81ED-4DB2-BD59-A6C34878D82A}">
-                    <a16:rowId xmlns:a16="http://schemas.microsoft.com/office/drawing/2014/main" val="222445295"/>
-                  </a:ext>
-                </a:extLst>
-              </a:tr>
-              <a:tr h="370840">
-                <a:tc>
-                  <a:txBody>
-                    <a:bodyPr/>
-                    <a:lstStyle/>
-                    <a:p>
-                      <a:pPr algn="ctr"/>
-                      <a:r>
-                        <a:rPr lang="en-ZA" dirty="0"/>
-                        <a:t>O(1)</a:t>
-                      </a:r>
-                    </a:p>
-                  </a:txBody>
-                  <a:tcPr>
-                    <a:solidFill>
-                      <a:schemeClr val="accent4">
-                        <a:lumMod val="60000"/>
-                        <a:lumOff val="40000"/>
-                      </a:schemeClr>
-                    </a:solidFill>
-                  </a:tcPr>
-                </a:tc>
-                <a:extLst>
-                  <a:ext uri="{0D108BD9-81ED-4DB2-BD59-A6C34878D82A}">
-                    <a16:rowId xmlns:a16="http://schemas.microsoft.com/office/drawing/2014/main" val="1314663892"/>
-                  </a:ext>
-                </a:extLst>
-              </a:tr>
-            </a:tbl>
-          </a:graphicData>
-        </a:graphic>
-      </p:graphicFrame>
-      <p:graphicFrame>
-        <p:nvGraphicFramePr>
-          <p:cNvPr id="5" name="Table 4">
-            <a:extLst>
-              <a:ext uri="{FF2B5EF4-FFF2-40B4-BE49-F238E27FC236}">
-                <a16:creationId xmlns:a16="http://schemas.microsoft.com/office/drawing/2014/main" id="{6498EF5F-38CE-4036-B7C4-63D5550FAF58}"/>
-              </a:ext>
-            </a:extLst>
-          </p:cNvPr>
-          <p:cNvGraphicFramePr>
-            <a:graphicFrameLocks noGrp="1"/>
-          </p:cNvGraphicFramePr>
-          <p:nvPr/>
-        </p:nvGraphicFramePr>
-        <p:xfrm>
-          <a:off x="838200" y="1384192"/>
-          <a:ext cx="2272146" cy="747929"/>
-        </p:xfrm>
-        <a:graphic>
-          <a:graphicData uri="http://schemas.openxmlformats.org/drawingml/2006/table">
-            <a:tbl>
-              <a:tblPr firstRow="1" bandRow="1">
-                <a:tableStyleId>{5C22544A-7EE6-4342-B048-85BDC9FD1C3A}</a:tableStyleId>
-              </a:tblPr>
-              <a:tblGrid>
-                <a:gridCol w="2272146">
-                  <a:extLst>
-                    <a:ext uri="{9D8B030D-6E8A-4147-A177-3AD203B41FA5}">
-                      <a16:colId xmlns:a16="http://schemas.microsoft.com/office/drawing/2014/main" val="3796963812"/>
-                    </a:ext>
-                  </a:extLst>
-                </a:gridCol>
-              </a:tblGrid>
-              <a:tr h="377089">
-                <a:tc>
-                  <a:txBody>
-                    <a:bodyPr/>
-                    <a:lstStyle/>
-                    <a:p>
-                      <a:pPr algn="ctr"/>
-                      <a:r>
-                        <a:rPr lang="en-ZA" dirty="0"/>
-                        <a:t>Add First (From Back)  </a:t>
-                      </a:r>
-                    </a:p>
-                  </a:txBody>
-                  <a:tcPr>
-                    <a:solidFill>
-                      <a:schemeClr val="tx1">
-                        <a:lumMod val="75000"/>
-                        <a:lumOff val="25000"/>
-                        <a:alpha val="10000"/>
-                      </a:schemeClr>
-                    </a:solidFill>
-                  </a:tcPr>
-                </a:tc>
-                <a:extLst>
-                  <a:ext uri="{0D108BD9-81ED-4DB2-BD59-A6C34878D82A}">
-                    <a16:rowId xmlns:a16="http://schemas.microsoft.com/office/drawing/2014/main" val="222445295"/>
-                  </a:ext>
-                </a:extLst>
-              </a:tr>
-              <a:tr h="370840">
-                <a:tc>
-                  <a:txBody>
-                    <a:bodyPr/>
-                    <a:lstStyle/>
-                    <a:p>
-                      <a:pPr algn="ctr"/>
-                      <a:r>
-                        <a:rPr lang="en-ZA" dirty="0"/>
-                        <a:t>O(n)</a:t>
-                      </a:r>
-                    </a:p>
-                  </a:txBody>
-                  <a:tcPr>
-                    <a:solidFill>
-                      <a:schemeClr val="accent4">
-                        <a:lumMod val="60000"/>
-                        <a:lumOff val="40000"/>
-                        <a:alpha val="10000"/>
-                      </a:schemeClr>
-                    </a:solidFill>
-                  </a:tcPr>
-                </a:tc>
-                <a:extLst>
-                  <a:ext uri="{0D108BD9-81ED-4DB2-BD59-A6C34878D82A}">
-                    <a16:rowId xmlns:a16="http://schemas.microsoft.com/office/drawing/2014/main" val="1314663892"/>
-                  </a:ext>
-                </a:extLst>
-              </a:tr>
-            </a:tbl>
-          </a:graphicData>
-        </a:graphic>
-      </p:graphicFrame>
-      <p:graphicFrame>
-        <p:nvGraphicFramePr>
-          <p:cNvPr id="6" name="Table 5">
-            <a:extLst>
-              <a:ext uri="{FF2B5EF4-FFF2-40B4-BE49-F238E27FC236}">
-                <a16:creationId xmlns:a16="http://schemas.microsoft.com/office/drawing/2014/main" id="{E0C2AA83-4BA3-4AAD-B113-9A8D20DF1FBB}"/>
-              </a:ext>
-            </a:extLst>
-          </p:cNvPr>
-          <p:cNvGraphicFramePr>
-            <a:graphicFrameLocks noGrp="1"/>
-          </p:cNvGraphicFramePr>
-          <p:nvPr/>
-        </p:nvGraphicFramePr>
-        <p:xfrm>
-          <a:off x="8729181" y="1384192"/>
-          <a:ext cx="2272145" cy="747929"/>
-        </p:xfrm>
-        <a:graphic>
-          <a:graphicData uri="http://schemas.openxmlformats.org/drawingml/2006/table">
-            <a:tbl>
-              <a:tblPr firstRow="1" bandRow="1">
-                <a:tableStyleId>{5C22544A-7EE6-4342-B048-85BDC9FD1C3A}</a:tableStyleId>
-              </a:tblPr>
-              <a:tblGrid>
-                <a:gridCol w="2272145">
-                  <a:extLst>
-                    <a:ext uri="{9D8B030D-6E8A-4147-A177-3AD203B41FA5}">
-                      <a16:colId xmlns:a16="http://schemas.microsoft.com/office/drawing/2014/main" val="3796963812"/>
-                    </a:ext>
-                  </a:extLst>
-                </a:gridCol>
-              </a:tblGrid>
-              <a:tr h="377089">
-                <a:tc>
-                  <a:txBody>
-                    <a:bodyPr/>
-                    <a:lstStyle/>
-                    <a:p>
-                      <a:pPr algn="ctr"/>
-                      <a:r>
-                        <a:rPr lang="en-ZA" dirty="0"/>
-                        <a:t>Add Last (From Back) </a:t>
-                      </a:r>
-                    </a:p>
-                  </a:txBody>
-                  <a:tcPr>
-                    <a:solidFill>
-                      <a:schemeClr val="tx1">
-                        <a:lumMod val="75000"/>
-                        <a:lumOff val="25000"/>
-                      </a:schemeClr>
-                    </a:solidFill>
-                  </a:tcPr>
-                </a:tc>
-                <a:extLst>
-                  <a:ext uri="{0D108BD9-81ED-4DB2-BD59-A6C34878D82A}">
-                    <a16:rowId xmlns:a16="http://schemas.microsoft.com/office/drawing/2014/main" val="222445295"/>
-                  </a:ext>
-                </a:extLst>
-              </a:tr>
-              <a:tr h="370840">
-                <a:tc>
-                  <a:txBody>
-                    <a:bodyPr/>
-                    <a:lstStyle/>
-                    <a:p>
-                      <a:pPr algn="ctr"/>
-                      <a:r>
-                        <a:rPr lang="en-ZA" dirty="0"/>
-                        <a:t>O(1)</a:t>
-                      </a:r>
-                    </a:p>
-                  </a:txBody>
-                  <a:tcPr>
-                    <a:solidFill>
-                      <a:schemeClr val="accent4">
-                        <a:lumMod val="60000"/>
-                        <a:lumOff val="40000"/>
-                      </a:schemeClr>
-                    </a:solidFill>
-                  </a:tcPr>
-                </a:tc>
-                <a:extLst>
-                  <a:ext uri="{0D108BD9-81ED-4DB2-BD59-A6C34878D82A}">
-                    <a16:rowId xmlns:a16="http://schemas.microsoft.com/office/drawing/2014/main" val="1314663892"/>
-                  </a:ext>
-                </a:extLst>
-              </a:tr>
-            </a:tbl>
-          </a:graphicData>
-        </a:graphic>
-      </p:graphicFrame>
-      <p:graphicFrame>
-        <p:nvGraphicFramePr>
-          <p:cNvPr id="7" name="Table 6">
-            <a:extLst>
-              <a:ext uri="{FF2B5EF4-FFF2-40B4-BE49-F238E27FC236}">
-                <a16:creationId xmlns:a16="http://schemas.microsoft.com/office/drawing/2014/main" id="{6419E500-1FB4-4F32-BAD1-E29C5F9630D1}"/>
-              </a:ext>
-            </a:extLst>
-          </p:cNvPr>
-          <p:cNvGraphicFramePr>
-            <a:graphicFrameLocks noGrp="1"/>
-          </p:cNvGraphicFramePr>
-          <p:nvPr/>
-        </p:nvGraphicFramePr>
-        <p:xfrm>
-          <a:off x="3203854" y="1384192"/>
-          <a:ext cx="2651674" cy="747929"/>
-        </p:xfrm>
-        <a:graphic>
-          <a:graphicData uri="http://schemas.openxmlformats.org/drawingml/2006/table">
-            <a:tbl>
-              <a:tblPr firstRow="1" bandRow="1">
-                <a:tableStyleId>{5C22544A-7EE6-4342-B048-85BDC9FD1C3A}</a:tableStyleId>
-              </a:tblPr>
-              <a:tblGrid>
-                <a:gridCol w="2651674">
-                  <a:extLst>
-                    <a:ext uri="{9D8B030D-6E8A-4147-A177-3AD203B41FA5}">
-                      <a16:colId xmlns:a16="http://schemas.microsoft.com/office/drawing/2014/main" val="3796963812"/>
-                    </a:ext>
-                  </a:extLst>
-                </a:gridCol>
-              </a:tblGrid>
-              <a:tr h="377089">
-                <a:tc>
-                  <a:txBody>
-                    <a:bodyPr/>
-                    <a:lstStyle/>
-                    <a:p>
-                      <a:pPr algn="ctr"/>
-                      <a:r>
-                        <a:rPr lang="en-ZA" dirty="0"/>
-                        <a:t>Remove First (From Back)  </a:t>
-                      </a:r>
-                    </a:p>
-                  </a:txBody>
-                  <a:tcPr>
-                    <a:solidFill>
-                      <a:schemeClr val="tx1">
-                        <a:lumMod val="75000"/>
-                        <a:lumOff val="25000"/>
-                        <a:alpha val="10000"/>
-                      </a:schemeClr>
-                    </a:solidFill>
-                  </a:tcPr>
-                </a:tc>
-                <a:extLst>
-                  <a:ext uri="{0D108BD9-81ED-4DB2-BD59-A6C34878D82A}">
-                    <a16:rowId xmlns:a16="http://schemas.microsoft.com/office/drawing/2014/main" val="222445295"/>
-                  </a:ext>
-                </a:extLst>
-              </a:tr>
-              <a:tr h="370840">
-                <a:tc>
-                  <a:txBody>
-                    <a:bodyPr/>
-                    <a:lstStyle/>
-                    <a:p>
-                      <a:pPr algn="ctr"/>
-                      <a:r>
-                        <a:rPr lang="en-ZA" dirty="0"/>
-                        <a:t>O(n)</a:t>
-                      </a:r>
-                    </a:p>
-                  </a:txBody>
-                  <a:tcPr>
-                    <a:solidFill>
-                      <a:schemeClr val="accent4">
-                        <a:lumMod val="60000"/>
-                        <a:lumOff val="40000"/>
-                        <a:alpha val="10000"/>
-                      </a:schemeClr>
-                    </a:solidFill>
-                  </a:tcPr>
-                </a:tc>
-                <a:extLst>
-                  <a:ext uri="{0D108BD9-81ED-4DB2-BD59-A6C34878D82A}">
-                    <a16:rowId xmlns:a16="http://schemas.microsoft.com/office/drawing/2014/main" val="1314663892"/>
-                  </a:ext>
-                </a:extLst>
-              </a:tr>
-            </a:tbl>
-          </a:graphicData>
-        </a:graphic>
-      </p:graphicFrame>
-      <p:sp>
-        <p:nvSpPr>
-          <p:cNvPr id="46" name="TextBox 45">
-            <a:extLst>
-              <a:ext uri="{FF2B5EF4-FFF2-40B4-BE49-F238E27FC236}">
-                <a16:creationId xmlns:a16="http://schemas.microsoft.com/office/drawing/2014/main" id="{77F4A1E5-C0A1-4793-B464-6F252159635A}"/>
-              </a:ext>
-            </a:extLst>
-          </p:cNvPr>
-          <p:cNvSpPr txBox="1"/>
-          <p:nvPr/>
-        </p:nvSpPr>
-        <p:spPr>
-          <a:xfrm>
-            <a:off x="1117600" y="2613891"/>
-            <a:ext cx="10778836" cy="4135106"/>
-          </a:xfrm>
-          <a:prstGeom prst="rect">
-            <a:avLst/>
-          </a:prstGeom>
-          <a:noFill/>
-        </p:spPr>
-        <p:txBody>
-          <a:bodyPr wrap="square" rtlCol="0">
-            <a:spAutoFit/>
-          </a:bodyPr>
-          <a:lstStyle/>
-          <a:p>
-            <a:pPr>
-              <a:lnSpc>
-                <a:spcPct val="250000"/>
-              </a:lnSpc>
-            </a:pPr>
-            <a:r>
-              <a:rPr lang="en-ZA" dirty="0"/>
-              <a:t>Examples of Stacks:</a:t>
-            </a:r>
-          </a:p>
-          <a:p>
-            <a:pPr marL="285750" indent="-285750">
-              <a:lnSpc>
-                <a:spcPct val="250000"/>
-              </a:lnSpc>
-              <a:buFont typeface="Arial" panose="020B0604020202020204" pitchFamily="34" charset="0"/>
-              <a:buChar char="•"/>
-            </a:pPr>
-            <a:r>
-              <a:rPr lang="en-ZA" dirty="0"/>
-              <a:t>In a web browser, if you visit multiple pages, each page gets piled in the other you opened them. By pressing the back button, you get back to the earlier pages.</a:t>
-            </a:r>
-          </a:p>
-          <a:p>
-            <a:pPr marL="285750" indent="-285750">
-              <a:lnSpc>
-                <a:spcPct val="250000"/>
-              </a:lnSpc>
-              <a:buFont typeface="Arial" panose="020B0604020202020204" pitchFamily="34" charset="0"/>
-              <a:buChar char="•"/>
-            </a:pPr>
-            <a:r>
-              <a:rPr lang="en-ZA" dirty="0"/>
-              <a:t>Applications in your phone. The main screen most of the time goes at the bottom of the stack. When you press the home button, you pop the current screen for the home screen.</a:t>
-            </a:r>
-          </a:p>
-          <a:p>
-            <a:pPr marL="285750" indent="-285750">
-              <a:lnSpc>
-                <a:spcPct val="250000"/>
-              </a:lnSpc>
-              <a:buFont typeface="Arial" panose="020B0604020202020204" pitchFamily="34" charset="0"/>
-              <a:buChar char="•"/>
-            </a:pPr>
-            <a:r>
-              <a:rPr lang="en-ZA" dirty="0"/>
-              <a:t>Let’s not forget about our </a:t>
-            </a:r>
-            <a:r>
-              <a:rPr lang="en-ZA" b="1" dirty="0"/>
-              <a:t>Ctrl + Z </a:t>
-            </a:r>
-            <a:endParaRPr lang="en-ZA" dirty="0"/>
-          </a:p>
-        </p:txBody>
-      </p:sp>
-      <p:sp>
-        <p:nvSpPr>
-          <p:cNvPr id="47" name="Smiley Face 46">
-            <a:extLst>
-              <a:ext uri="{FF2B5EF4-FFF2-40B4-BE49-F238E27FC236}">
-                <a16:creationId xmlns:a16="http://schemas.microsoft.com/office/drawing/2014/main" id="{7B0B90B4-D04F-4D3A-9EFF-48A695A7D354}"/>
-              </a:ext>
-            </a:extLst>
-          </p:cNvPr>
-          <p:cNvSpPr/>
-          <p:nvPr/>
-        </p:nvSpPr>
-        <p:spPr>
-          <a:xfrm>
-            <a:off x="4701309" y="4027054"/>
-            <a:ext cx="230909" cy="258618"/>
-          </a:xfrm>
-          <a:prstGeom prst="smileyFace">
-            <a:avLst/>
-          </a:prstGeom>
-        </p:spPr>
-        <p:style>
-          <a:lnRef idx="2">
-            <a:schemeClr val="accent1">
-              <a:shade val="50000"/>
-            </a:schemeClr>
-          </a:lnRef>
-          <a:fillRef idx="1">
-            <a:schemeClr val="accent1"/>
-          </a:fillRef>
-          <a:effectRef idx="0">
-            <a:schemeClr val="accent1"/>
-          </a:effectRef>
-          <a:fontRef idx="minor">
-            <a:schemeClr val="lt1"/>
-          </a:fontRef>
-        </p:style>
-        <p:txBody>
-          <a:bodyPr rtlCol="0" anchor="ctr"/>
-          <a:lstStyle/>
-          <a:p>
-            <a:pPr algn="ctr"/>
-            <a:endParaRPr lang="en-ZA"/>
-          </a:p>
-        </p:txBody>
-      </p:sp>
-    </p:spTree>
-    <p:extLst>
-      <p:ext uri="{BB962C8B-B14F-4D97-AF65-F5344CB8AC3E}">
-        <p14:creationId xmlns:p14="http://schemas.microsoft.com/office/powerpoint/2010/main" val="1848003365"/>
-      </p:ext>
-    </p:extLst>
-  </p:cSld>
-  <p:clrMapOvr>
-    <a:masterClrMapping/>
-  </p:clrMapOvr>
-</p:sld>
-</file>
-
-<file path=ppt/slides/slide17.xml><?xml version="1.0" encoding="utf-8"?>
-<p:sld xmlns:a="http://schemas.openxmlformats.org/drawingml/2006/main" xmlns:r="http://schemas.openxmlformats.org/officeDocument/2006/relationships" xmlns:p="http://schemas.openxmlformats.org/presentationml/2006/main">
-  <p:cSld>
-    <p:spTree>
-      <p:nvGrpSpPr>
-        <p:cNvPr id="1" name=""/>
-        <p:cNvGrpSpPr/>
-        <p:nvPr/>
-      </p:nvGrpSpPr>
-      <p:grpSpPr>
-        <a:xfrm>
-          <a:off x="0" y="0"/>
-          <a:ext cx="0" cy="0"/>
-          <a:chOff x="0" y="0"/>
-          <a:chExt cx="0" cy="0"/>
-        </a:xfrm>
-      </p:grpSpPr>
-      <p:sp>
-        <p:nvSpPr>
-          <p:cNvPr id="2" name="Title 1">
-            <a:extLst>
-              <a:ext uri="{FF2B5EF4-FFF2-40B4-BE49-F238E27FC236}">
-                <a16:creationId xmlns:a16="http://schemas.microsoft.com/office/drawing/2014/main" id="{D5ADB741-E60D-422D-8B8C-3C91984C06A5}"/>
-              </a:ext>
-            </a:extLst>
-          </p:cNvPr>
-          <p:cNvSpPr>
-            <a:spLocks noGrp="1"/>
-          </p:cNvSpPr>
-          <p:nvPr>
-            <p:ph type="title"/>
-          </p:nvPr>
-        </p:nvSpPr>
-        <p:spPr>
-          <a:xfrm>
-            <a:off x="838200" y="0"/>
-            <a:ext cx="10515600" cy="1044144"/>
-          </a:xfrm>
-        </p:spPr>
-        <p:txBody>
-          <a:bodyPr/>
-          <a:lstStyle/>
-          <a:p>
-            <a:r>
-              <a:rPr lang="en-ZA" dirty="0"/>
-              <a:t>Stacks(</a:t>
-            </a:r>
-            <a:r>
-              <a:rPr lang="en-ZA" sz="4000" dirty="0"/>
-              <a:t>Simple Array-Based Stack Implementation</a:t>
-            </a:r>
-            <a:r>
-              <a:rPr lang="en-ZA" dirty="0"/>
-              <a:t>)</a:t>
-            </a:r>
-          </a:p>
-        </p:txBody>
-      </p:sp>
-      <p:sp>
-        <p:nvSpPr>
-          <p:cNvPr id="3" name="Rectangle 2">
-            <a:extLst>
-              <a:ext uri="{FF2B5EF4-FFF2-40B4-BE49-F238E27FC236}">
-                <a16:creationId xmlns:a16="http://schemas.microsoft.com/office/drawing/2014/main" id="{1B063AEC-6380-4543-A6F1-E1BB08407671}"/>
-              </a:ext>
-            </a:extLst>
-          </p:cNvPr>
-          <p:cNvSpPr/>
-          <p:nvPr/>
-        </p:nvSpPr>
-        <p:spPr>
-          <a:xfrm>
-            <a:off x="212436" y="1336526"/>
-            <a:ext cx="6096000" cy="5632311"/>
-          </a:xfrm>
-          <a:prstGeom prst="rect">
-            <a:avLst/>
-          </a:prstGeom>
-        </p:spPr>
-        <p:txBody>
-          <a:bodyPr>
-            <a:spAutoFit/>
-          </a:bodyPr>
-          <a:lstStyle/>
-          <a:p>
-            <a:r>
-              <a:rPr lang="en-ZA" b="1" dirty="0"/>
-              <a:t>Algorithm</a:t>
-            </a:r>
-            <a:r>
-              <a:rPr lang="en-ZA" dirty="0"/>
-              <a:t> size():</a:t>
-            </a:r>
-          </a:p>
-          <a:p>
-            <a:r>
-              <a:rPr lang="en-ZA" dirty="0"/>
-              <a:t>    return t + 1</a:t>
-            </a:r>
-          </a:p>
-          <a:p>
-            <a:r>
-              <a:rPr lang="en-ZA" b="1" dirty="0"/>
-              <a:t>Algorithm</a:t>
-            </a:r>
-            <a:r>
-              <a:rPr lang="en-ZA" dirty="0"/>
-              <a:t> empty():</a:t>
-            </a:r>
-          </a:p>
-          <a:p>
-            <a:r>
-              <a:rPr lang="en-ZA" dirty="0"/>
-              <a:t>    return ( t &lt;0 )</a:t>
-            </a:r>
-          </a:p>
-          <a:p>
-            <a:r>
-              <a:rPr lang="en-ZA" b="1" dirty="0"/>
-              <a:t>Algorithm</a:t>
-            </a:r>
-            <a:r>
-              <a:rPr lang="en-ZA" dirty="0"/>
-              <a:t> top():</a:t>
-            </a:r>
-          </a:p>
-          <a:p>
-            <a:r>
-              <a:rPr lang="en-ZA" dirty="0"/>
-              <a:t>    if empty() then</a:t>
-            </a:r>
-          </a:p>
-          <a:p>
-            <a:r>
-              <a:rPr lang="en-ZA" dirty="0"/>
-              <a:t>        throw Stack Empty exception</a:t>
-            </a:r>
-          </a:p>
-          <a:p>
-            <a:r>
-              <a:rPr lang="en-ZA" dirty="0"/>
-              <a:t>    return S[t] </a:t>
-            </a:r>
-          </a:p>
-          <a:p>
-            <a:r>
-              <a:rPr lang="en-ZA" b="1" dirty="0"/>
-              <a:t>Algorithm</a:t>
-            </a:r>
-            <a:r>
-              <a:rPr lang="en-ZA" dirty="0"/>
-              <a:t> push(e):</a:t>
-            </a:r>
-          </a:p>
-          <a:p>
-            <a:r>
-              <a:rPr lang="en-ZA" dirty="0"/>
-              <a:t>    if size() = N then</a:t>
-            </a:r>
-          </a:p>
-          <a:p>
-            <a:r>
-              <a:rPr lang="en-ZA" dirty="0"/>
-              <a:t>        throw Stack Full exception </a:t>
-            </a:r>
-          </a:p>
-          <a:p>
-            <a:r>
-              <a:rPr lang="en-ZA" dirty="0"/>
-              <a:t>    t ← t+1 </a:t>
-            </a:r>
-          </a:p>
-          <a:p>
-            <a:r>
-              <a:rPr lang="en-ZA" dirty="0"/>
-              <a:t>    S[t] ← e</a:t>
-            </a:r>
-          </a:p>
-          <a:p>
-            <a:r>
-              <a:rPr lang="en-ZA" b="1" dirty="0"/>
-              <a:t>Algorithm</a:t>
-            </a:r>
-            <a:r>
-              <a:rPr lang="en-ZA" dirty="0"/>
-              <a:t> pop():</a:t>
-            </a:r>
-          </a:p>
-          <a:p>
-            <a:r>
-              <a:rPr lang="en-ZA" dirty="0"/>
-              <a:t>    if empty() then</a:t>
-            </a:r>
-          </a:p>
-          <a:p>
-            <a:r>
-              <a:rPr lang="en-ZA" dirty="0"/>
-              <a:t>        throw Stack Empty exception </a:t>
-            </a:r>
-          </a:p>
-          <a:p>
-            <a:r>
-              <a:rPr lang="en-ZA" dirty="0"/>
-              <a:t>    t←t−1</a:t>
-            </a:r>
-          </a:p>
-          <a:p>
-            <a:endParaRPr lang="en-ZA" dirty="0"/>
-          </a:p>
-          <a:p>
-            <a:r>
-              <a:rPr lang="en-ZA" dirty="0"/>
-              <a:t>Code Fragment 5.3:Implementation of a stack by means of an array.</a:t>
-            </a:r>
-          </a:p>
-        </p:txBody>
-      </p:sp>
-      <p:graphicFrame>
-        <p:nvGraphicFramePr>
-          <p:cNvPr id="8" name="Table 7">
-            <a:extLst>
-              <a:ext uri="{FF2B5EF4-FFF2-40B4-BE49-F238E27FC236}">
-                <a16:creationId xmlns:a16="http://schemas.microsoft.com/office/drawing/2014/main" id="{98D75332-9862-465D-AF74-55F7CBFB85E5}"/>
-              </a:ext>
-            </a:extLst>
-          </p:cNvPr>
-          <p:cNvGraphicFramePr>
-            <a:graphicFrameLocks noGrp="1"/>
-          </p:cNvGraphicFramePr>
-          <p:nvPr>
-            <p:extLst>
-              <p:ext uri="{D42A27DB-BD31-4B8C-83A1-F6EECF244321}">
-                <p14:modId xmlns:p14="http://schemas.microsoft.com/office/powerpoint/2010/main" val="829688193"/>
-              </p:ext>
-            </p:extLst>
-          </p:nvPr>
-        </p:nvGraphicFramePr>
-        <p:xfrm>
-          <a:off x="5470236" y="2668539"/>
-          <a:ext cx="5883564" cy="2225040"/>
-        </p:xfrm>
-        <a:graphic>
-          <a:graphicData uri="http://schemas.openxmlformats.org/drawingml/2006/table">
-            <a:tbl>
-              <a:tblPr firstRow="1" bandRow="1">
-                <a:tableStyleId>{5C22544A-7EE6-4342-B048-85BDC9FD1C3A}</a:tableStyleId>
-              </a:tblPr>
-              <a:tblGrid>
-                <a:gridCol w="2941782">
-                  <a:extLst>
-                    <a:ext uri="{9D8B030D-6E8A-4147-A177-3AD203B41FA5}">
-                      <a16:colId xmlns:a16="http://schemas.microsoft.com/office/drawing/2014/main" val="4022719767"/>
-                    </a:ext>
-                  </a:extLst>
-                </a:gridCol>
-                <a:gridCol w="2941782">
-                  <a:extLst>
-                    <a:ext uri="{9D8B030D-6E8A-4147-A177-3AD203B41FA5}">
-                      <a16:colId xmlns:a16="http://schemas.microsoft.com/office/drawing/2014/main" val="3975814711"/>
-                    </a:ext>
-                  </a:extLst>
-                </a:gridCol>
-              </a:tblGrid>
-              <a:tr h="370840">
-                <a:tc>
-                  <a:txBody>
-                    <a:bodyPr/>
-                    <a:lstStyle/>
-                    <a:p>
-                      <a:pPr algn="ctr"/>
-                      <a:r>
-                        <a:rPr lang="en-ZA" dirty="0"/>
-                        <a:t>Operation</a:t>
-                      </a:r>
-                    </a:p>
-                  </a:txBody>
-                  <a:tcPr/>
-                </a:tc>
-                <a:tc>
-                  <a:txBody>
-                    <a:bodyPr/>
-                    <a:lstStyle/>
-                    <a:p>
-                      <a:pPr algn="ctr"/>
-                      <a:r>
-                        <a:rPr lang="en-ZA" dirty="0"/>
-                        <a:t>Time</a:t>
-                      </a:r>
-                    </a:p>
-                  </a:txBody>
-                  <a:tcPr/>
-                </a:tc>
-                <a:extLst>
-                  <a:ext uri="{0D108BD9-81ED-4DB2-BD59-A6C34878D82A}">
-                    <a16:rowId xmlns:a16="http://schemas.microsoft.com/office/drawing/2014/main" val="2322682272"/>
-                  </a:ext>
-                </a:extLst>
-              </a:tr>
-              <a:tr h="370840">
-                <a:tc>
-                  <a:txBody>
-                    <a:bodyPr/>
-                    <a:lstStyle/>
-                    <a:p>
-                      <a:pPr algn="ctr"/>
-                      <a:r>
-                        <a:rPr lang="en-ZA" dirty="0"/>
-                        <a:t>size</a:t>
-                      </a:r>
-                    </a:p>
-                  </a:txBody>
-                  <a:tcPr/>
-                </a:tc>
-                <a:tc>
-                  <a:txBody>
-                    <a:bodyPr/>
-                    <a:lstStyle/>
-                    <a:p>
-                      <a:pPr algn="ctr"/>
-                      <a:r>
-                        <a:rPr lang="en-ZA" dirty="0"/>
-                        <a:t>O(1)</a:t>
-                      </a:r>
-                    </a:p>
-                  </a:txBody>
-                  <a:tcPr/>
-                </a:tc>
-                <a:extLst>
-                  <a:ext uri="{0D108BD9-81ED-4DB2-BD59-A6C34878D82A}">
-                    <a16:rowId xmlns:a16="http://schemas.microsoft.com/office/drawing/2014/main" val="1054377991"/>
-                  </a:ext>
-                </a:extLst>
-              </a:tr>
-              <a:tr h="370840">
-                <a:tc>
-                  <a:txBody>
-                    <a:bodyPr/>
-                    <a:lstStyle/>
-                    <a:p>
-                      <a:pPr algn="ctr"/>
-                      <a:r>
-                        <a:rPr lang="en-ZA" dirty="0"/>
-                        <a:t>empty</a:t>
-                      </a:r>
-                    </a:p>
-                  </a:txBody>
-                  <a:tcPr/>
-                </a:tc>
-                <a:tc>
-                  <a:txBody>
-                    <a:bodyPr/>
-                    <a:lstStyle/>
-                    <a:p>
-                      <a:pPr marL="0" marR="0" lvl="0" indent="0" algn="ctr" defTabSz="914400" rtl="0" eaLnBrk="1" fontAlgn="auto" latinLnBrk="0" hangingPunct="1">
-                        <a:lnSpc>
-                          <a:spcPct val="100000"/>
-                        </a:lnSpc>
-                        <a:spcBef>
-                          <a:spcPts val="0"/>
-                        </a:spcBef>
-                        <a:spcAft>
-                          <a:spcPts val="0"/>
-                        </a:spcAft>
-                        <a:buClrTx/>
-                        <a:buSzTx/>
-                        <a:buFontTx/>
-                        <a:buNone/>
-                        <a:tabLst/>
-                        <a:defRPr/>
-                      </a:pPr>
-                      <a:r>
-                        <a:rPr lang="en-ZA" dirty="0"/>
-                        <a:t>O(1)</a:t>
-                      </a:r>
-                    </a:p>
-                  </a:txBody>
-                  <a:tcPr/>
-                </a:tc>
-                <a:extLst>
-                  <a:ext uri="{0D108BD9-81ED-4DB2-BD59-A6C34878D82A}">
-                    <a16:rowId xmlns:a16="http://schemas.microsoft.com/office/drawing/2014/main" val="3315277496"/>
-                  </a:ext>
-                </a:extLst>
-              </a:tr>
-              <a:tr h="370840">
-                <a:tc>
-                  <a:txBody>
-                    <a:bodyPr/>
-                    <a:lstStyle/>
-                    <a:p>
-                      <a:pPr algn="ctr"/>
-                      <a:r>
-                        <a:rPr lang="en-ZA" dirty="0"/>
-                        <a:t>pop</a:t>
-                      </a:r>
-                    </a:p>
-                  </a:txBody>
-                  <a:tcPr/>
-                </a:tc>
-                <a:tc>
-                  <a:txBody>
-                    <a:bodyPr/>
-                    <a:lstStyle/>
-                    <a:p>
-                      <a:pPr marL="0" marR="0" lvl="0" indent="0" algn="ctr" defTabSz="914400" rtl="0" eaLnBrk="1" fontAlgn="auto" latinLnBrk="0" hangingPunct="1">
-                        <a:lnSpc>
-                          <a:spcPct val="100000"/>
-                        </a:lnSpc>
-                        <a:spcBef>
-                          <a:spcPts val="0"/>
-                        </a:spcBef>
-                        <a:spcAft>
-                          <a:spcPts val="0"/>
-                        </a:spcAft>
-                        <a:buClrTx/>
-                        <a:buSzTx/>
-                        <a:buFontTx/>
-                        <a:buNone/>
-                        <a:tabLst/>
-                        <a:defRPr/>
-                      </a:pPr>
-                      <a:r>
-                        <a:rPr lang="en-ZA" dirty="0"/>
-                        <a:t>O(1)</a:t>
-                      </a:r>
-                    </a:p>
-                  </a:txBody>
-                  <a:tcPr/>
-                </a:tc>
-                <a:extLst>
-                  <a:ext uri="{0D108BD9-81ED-4DB2-BD59-A6C34878D82A}">
-                    <a16:rowId xmlns:a16="http://schemas.microsoft.com/office/drawing/2014/main" val="3963132772"/>
-                  </a:ext>
-                </a:extLst>
-              </a:tr>
-              <a:tr h="370840">
-                <a:tc>
-                  <a:txBody>
-                    <a:bodyPr/>
-                    <a:lstStyle/>
-                    <a:p>
-                      <a:pPr algn="ctr"/>
-                      <a:r>
-                        <a:rPr lang="en-ZA" dirty="0"/>
-                        <a:t>push</a:t>
-                      </a:r>
-                    </a:p>
-                  </a:txBody>
-                  <a:tcPr/>
-                </a:tc>
-                <a:tc>
-                  <a:txBody>
-                    <a:bodyPr/>
-                    <a:lstStyle/>
-                    <a:p>
-                      <a:pPr marL="0" marR="0" lvl="0" indent="0" algn="ctr" defTabSz="914400" rtl="0" eaLnBrk="1" fontAlgn="auto" latinLnBrk="0" hangingPunct="1">
-                        <a:lnSpc>
-                          <a:spcPct val="100000"/>
-                        </a:lnSpc>
-                        <a:spcBef>
-                          <a:spcPts val="0"/>
-                        </a:spcBef>
-                        <a:spcAft>
-                          <a:spcPts val="0"/>
-                        </a:spcAft>
-                        <a:buClrTx/>
-                        <a:buSzTx/>
-                        <a:buFontTx/>
-                        <a:buNone/>
-                        <a:tabLst/>
-                        <a:defRPr/>
-                      </a:pPr>
-                      <a:r>
-                        <a:rPr lang="en-ZA" dirty="0"/>
-                        <a:t>O(1)</a:t>
-                      </a:r>
-                    </a:p>
-                  </a:txBody>
-                  <a:tcPr/>
-                </a:tc>
-                <a:extLst>
-                  <a:ext uri="{0D108BD9-81ED-4DB2-BD59-A6C34878D82A}">
-                    <a16:rowId xmlns:a16="http://schemas.microsoft.com/office/drawing/2014/main" val="721656540"/>
-                  </a:ext>
-                </a:extLst>
-              </a:tr>
-              <a:tr h="370840">
-                <a:tc>
-                  <a:txBody>
-                    <a:bodyPr/>
-                    <a:lstStyle/>
-                    <a:p>
-                      <a:pPr algn="ctr"/>
-                      <a:r>
-                        <a:rPr lang="en-ZA" dirty="0"/>
-                        <a:t>top </a:t>
-                      </a:r>
-                    </a:p>
-                  </a:txBody>
-                  <a:tcPr/>
-                </a:tc>
-                <a:tc>
-                  <a:txBody>
-                    <a:bodyPr/>
-                    <a:lstStyle/>
-                    <a:p>
-                      <a:pPr marL="0" marR="0" lvl="0" indent="0" algn="ctr" defTabSz="914400" rtl="0" eaLnBrk="1" fontAlgn="auto" latinLnBrk="0" hangingPunct="1">
-                        <a:lnSpc>
-                          <a:spcPct val="100000"/>
-                        </a:lnSpc>
-                        <a:spcBef>
-                          <a:spcPts val="0"/>
-                        </a:spcBef>
-                        <a:spcAft>
-                          <a:spcPts val="0"/>
-                        </a:spcAft>
-                        <a:buClrTx/>
-                        <a:buSzTx/>
-                        <a:buFontTx/>
-                        <a:buNone/>
-                        <a:tabLst/>
-                        <a:defRPr/>
-                      </a:pPr>
-                      <a:r>
-                        <a:rPr lang="en-ZA" dirty="0"/>
-                        <a:t>O(1)</a:t>
-                      </a:r>
-                    </a:p>
-                  </a:txBody>
-                  <a:tcPr/>
-                </a:tc>
-                <a:extLst>
-                  <a:ext uri="{0D108BD9-81ED-4DB2-BD59-A6C34878D82A}">
-                    <a16:rowId xmlns:a16="http://schemas.microsoft.com/office/drawing/2014/main" val="4114201908"/>
-                  </a:ext>
-                </a:extLst>
-              </a:tr>
-            </a:tbl>
-          </a:graphicData>
-        </a:graphic>
-      </p:graphicFrame>
-    </p:spTree>
-    <p:extLst>
-      <p:ext uri="{BB962C8B-B14F-4D97-AF65-F5344CB8AC3E}">
-        <p14:creationId xmlns:p14="http://schemas.microsoft.com/office/powerpoint/2010/main" val="394608922"/>
-      </p:ext>
-    </p:extLst>
-  </p:cSld>
-  <p:clrMapOvr>
-    <a:masterClrMapping/>
-  </p:clrMapOvr>
-</p:sld>
-</file>
-
-<file path=ppt/slides/slide18.xml><?xml version="1.0" encoding="utf-8"?>
-<p:sld xmlns:a="http://schemas.openxmlformats.org/drawingml/2006/main" xmlns:r="http://schemas.openxmlformats.org/officeDocument/2006/relationships" xmlns:p="http://schemas.openxmlformats.org/presentationml/2006/main">
-  <p:cSld>
-    <p:spTree>
-      <p:nvGrpSpPr>
-        <p:cNvPr id="1" name=""/>
-        <p:cNvGrpSpPr/>
-        <p:nvPr/>
-      </p:nvGrpSpPr>
-      <p:grpSpPr>
-        <a:xfrm>
-          <a:off x="0" y="0"/>
-          <a:ext cx="0" cy="0"/>
-          <a:chOff x="0" y="0"/>
-          <a:chExt cx="0" cy="0"/>
-        </a:xfrm>
-      </p:grpSpPr>
-      <p:sp>
-        <p:nvSpPr>
-          <p:cNvPr id="2" name="Title 1">
-            <a:extLst>
-              <a:ext uri="{FF2B5EF4-FFF2-40B4-BE49-F238E27FC236}">
-                <a16:creationId xmlns:a16="http://schemas.microsoft.com/office/drawing/2014/main" id="{D28D3F81-A47D-4DFE-A3B3-CED811DADB77}"/>
-              </a:ext>
-            </a:extLst>
-          </p:cNvPr>
-          <p:cNvSpPr>
-            <a:spLocks noGrp="1"/>
-          </p:cNvSpPr>
-          <p:nvPr>
-            <p:ph type="title"/>
-          </p:nvPr>
-        </p:nvSpPr>
-        <p:spPr/>
-        <p:txBody>
-          <a:bodyPr/>
-          <a:lstStyle/>
-          <a:p>
-            <a:r>
-              <a:rPr lang="en-ZA" dirty="0"/>
-              <a:t>Stacks</a:t>
-            </a:r>
-          </a:p>
-        </p:txBody>
-      </p:sp>
-      <p:sp>
-        <p:nvSpPr>
-          <p:cNvPr id="3" name="Content Placeholder 2">
-            <a:extLst>
-              <a:ext uri="{FF2B5EF4-FFF2-40B4-BE49-F238E27FC236}">
-                <a16:creationId xmlns:a16="http://schemas.microsoft.com/office/drawing/2014/main" id="{7BF123DB-6467-48BB-9E76-EB652B5ACEDE}"/>
-              </a:ext>
-            </a:extLst>
-          </p:cNvPr>
-          <p:cNvSpPr>
-            <a:spLocks noGrp="1"/>
-          </p:cNvSpPr>
-          <p:nvPr>
-            <p:ph idx="1"/>
-          </p:nvPr>
-        </p:nvSpPr>
-        <p:spPr/>
-        <p:txBody>
-          <a:bodyPr/>
-          <a:lstStyle/>
-          <a:p>
-            <a:pPr>
-              <a:lnSpc>
-                <a:spcPct val="150000"/>
-              </a:lnSpc>
-            </a:pPr>
-            <a:r>
-              <a:rPr lang="en-ZA" dirty="0"/>
-              <a:t>Could you think of implementing a stack using a Linked List?</a:t>
-            </a:r>
-          </a:p>
-          <a:p>
-            <a:pPr>
-              <a:lnSpc>
-                <a:spcPct val="150000"/>
-              </a:lnSpc>
-            </a:pPr>
-            <a:r>
-              <a:rPr lang="en-ZA" dirty="0"/>
-              <a:t>What would be the time complexity of each operation? Refer to the previous table?</a:t>
-            </a:r>
-          </a:p>
-          <a:p>
-            <a:pPr>
-              <a:lnSpc>
-                <a:spcPct val="150000"/>
-              </a:lnSpc>
-            </a:pPr>
-            <a:r>
-              <a:rPr lang="en-ZA" dirty="0"/>
-              <a:t>Which one would you use?</a:t>
-            </a:r>
-          </a:p>
-          <a:p>
-            <a:pPr>
-              <a:lnSpc>
-                <a:spcPct val="150000"/>
-              </a:lnSpc>
-            </a:pPr>
-            <a:r>
-              <a:rPr lang="en-ZA" dirty="0"/>
-              <a:t>Using a stack, could you write a little pseudocode to reverse a vector?</a:t>
-            </a:r>
-          </a:p>
-        </p:txBody>
-      </p:sp>
-    </p:spTree>
-    <p:extLst>
-      <p:ext uri="{BB962C8B-B14F-4D97-AF65-F5344CB8AC3E}">
-        <p14:creationId xmlns:p14="http://schemas.microsoft.com/office/powerpoint/2010/main" val="4038939913"/>
-      </p:ext>
-    </p:extLst>
-  </p:cSld>
-  <p:clrMapOvr>
-    <a:masterClrMapping/>
-  </p:clrMapOvr>
-</p:sld>
-</file>
-
-<file path=ppt/slides/slide19.xml><?xml version="1.0" encoding="utf-8"?>
-<p:sld xmlns:a="http://schemas.openxmlformats.org/drawingml/2006/main" xmlns:r="http://schemas.openxmlformats.org/officeDocument/2006/relationships" xmlns:p="http://schemas.openxmlformats.org/presentationml/2006/main">
-  <p:cSld>
-    <p:spTree>
-      <p:nvGrpSpPr>
-        <p:cNvPr id="1" name=""/>
-        <p:cNvGrpSpPr/>
-        <p:nvPr/>
-      </p:nvGrpSpPr>
-      <p:grpSpPr>
-        <a:xfrm>
-          <a:off x="0" y="0"/>
-          <a:ext cx="0" cy="0"/>
-          <a:chOff x="0" y="0"/>
-          <a:chExt cx="0" cy="0"/>
-        </a:xfrm>
-      </p:grpSpPr>
-      <p:sp>
-        <p:nvSpPr>
-          <p:cNvPr id="2" name="Title 1">
-            <a:extLst>
-              <a:ext uri="{FF2B5EF4-FFF2-40B4-BE49-F238E27FC236}">
                 <a16:creationId xmlns:a16="http://schemas.microsoft.com/office/drawing/2014/main" id="{CD9C4791-DCF2-4729-9C8D-681888220DC5}"/>
               </a:ext>
             </a:extLst>
@@ -14817,7 +7947,7 @@
 </p:sld>
 </file>
 
-<file path=ppt/slides/slide2.xml><?xml version="1.0" encoding="utf-8"?>
+<file path=ppt/slides/slide13.xml><?xml version="1.0" encoding="utf-8"?>
 <p:sld xmlns:a="http://schemas.openxmlformats.org/drawingml/2006/main" xmlns:r="http://schemas.openxmlformats.org/officeDocument/2006/relationships" xmlns:p="http://schemas.openxmlformats.org/presentationml/2006/main">
   <p:cSld>
     <p:spTree>
@@ -14839,7 +7969,7 @@
           <p:cNvPr id="2" name="Title 1">
             <a:extLst>
               <a:ext uri="{FF2B5EF4-FFF2-40B4-BE49-F238E27FC236}">
-                <a16:creationId xmlns:a16="http://schemas.microsoft.com/office/drawing/2014/main" id="{E2BED386-C341-453D-93CA-D9CC83337C31}"/>
+                <a16:creationId xmlns:a16="http://schemas.microsoft.com/office/drawing/2014/main" id="{CD9C4791-DCF2-4729-9C8D-681888220DC5}"/>
               </a:ext>
             </a:extLst>
           </p:cNvPr>
@@ -14857,7 +7987,7 @@
           <a:p>
             <a:r>
               <a:rPr lang="en-ZA" dirty="0"/>
-              <a:t>Complexity</a:t>
+              <a:t>Queues</a:t>
             </a:r>
           </a:p>
         </p:txBody>
@@ -14867,7 +7997,7 @@
           <p:cNvPr id="3" name="Content Placeholder 2">
             <a:extLst>
               <a:ext uri="{FF2B5EF4-FFF2-40B4-BE49-F238E27FC236}">
-                <a16:creationId xmlns:a16="http://schemas.microsoft.com/office/drawing/2014/main" id="{80BFAD01-6DCA-4B67-A780-93CB7E7CE451}"/>
+                <a16:creationId xmlns:a16="http://schemas.microsoft.com/office/drawing/2014/main" id="{56E6416D-72F7-4006-BAF1-0C79C81F746A}"/>
               </a:ext>
             </a:extLst>
           </p:cNvPr>
@@ -14880,73 +8010,396 @@
         </p:nvSpPr>
         <p:spPr>
           <a:xfrm>
-            <a:off x="931178" y="1828800"/>
-            <a:ext cx="11560029" cy="5482205"/>
+            <a:off x="838200" y="1825624"/>
+            <a:ext cx="10515600" cy="4870739"/>
           </a:xfrm>
         </p:spPr>
         <p:txBody>
-          <a:bodyPr>
-            <a:normAutofit/>
+          <a:bodyPr/>
+          <a:lstStyle/>
+          <a:p>
+            <a:r>
+              <a:rPr lang="en-US" dirty="0"/>
+              <a:t>Data structure in which the elements are added at one end, called the rear, and deleted from the other end, called the front. As in a stack, the middle elements of the queue are inaccessible. </a:t>
+            </a:r>
+          </a:p>
+          <a:p>
+            <a:endParaRPr lang="en-US" dirty="0"/>
+          </a:p>
+          <a:p>
+            <a:r>
+              <a:rPr lang="en-US" dirty="0"/>
+              <a:t>A queue is a First In First Out (FIFO) data structure. </a:t>
+            </a:r>
+            <a:endParaRPr lang="en-ZA" dirty="0"/>
+          </a:p>
+        </p:txBody>
+      </p:sp>
+      <p:graphicFrame>
+        <p:nvGraphicFramePr>
+          <p:cNvPr id="4" name="Table 3">
+            <a:extLst>
+              <a:ext uri="{FF2B5EF4-FFF2-40B4-BE49-F238E27FC236}">
+                <a16:creationId xmlns:a16="http://schemas.microsoft.com/office/drawing/2014/main" id="{634FAB40-AA1E-4105-8BB9-262C5AF3F84E}"/>
+              </a:ext>
+            </a:extLst>
+          </p:cNvPr>
+          <p:cNvGraphicFramePr>
+            <a:graphicFrameLocks noGrp="1"/>
+          </p:cNvGraphicFramePr>
+          <p:nvPr>
+            <p:extLst>
+              <p:ext uri="{D42A27DB-BD31-4B8C-83A1-F6EECF244321}">
+                <p14:modId xmlns:p14="http://schemas.microsoft.com/office/powerpoint/2010/main" val="3865593701"/>
+              </p:ext>
+            </p:extLst>
+          </p:nvPr>
+        </p:nvGraphicFramePr>
+        <p:xfrm>
+          <a:off x="3119349" y="5617767"/>
+          <a:ext cx="5689600" cy="370840"/>
+        </p:xfrm>
+        <a:graphic>
+          <a:graphicData uri="http://schemas.openxmlformats.org/drawingml/2006/table">
+            <a:tbl>
+              <a:tblPr firstRow="1" bandRow="1">
+                <a:tableStyleId>{5C22544A-7EE6-4342-B048-85BDC9FD1C3A}</a:tableStyleId>
+              </a:tblPr>
+              <a:tblGrid>
+                <a:gridCol w="812800">
+                  <a:extLst>
+                    <a:ext uri="{9D8B030D-6E8A-4147-A177-3AD203B41FA5}">
+                      <a16:colId xmlns:a16="http://schemas.microsoft.com/office/drawing/2014/main" val="2880795065"/>
+                    </a:ext>
+                  </a:extLst>
+                </a:gridCol>
+                <a:gridCol w="812800">
+                  <a:extLst>
+                    <a:ext uri="{9D8B030D-6E8A-4147-A177-3AD203B41FA5}">
+                      <a16:colId xmlns:a16="http://schemas.microsoft.com/office/drawing/2014/main" val="1775700839"/>
+                    </a:ext>
+                  </a:extLst>
+                </a:gridCol>
+                <a:gridCol w="812800">
+                  <a:extLst>
+                    <a:ext uri="{9D8B030D-6E8A-4147-A177-3AD203B41FA5}">
+                      <a16:colId xmlns:a16="http://schemas.microsoft.com/office/drawing/2014/main" val="538277412"/>
+                    </a:ext>
+                  </a:extLst>
+                </a:gridCol>
+                <a:gridCol w="812800">
+                  <a:extLst>
+                    <a:ext uri="{9D8B030D-6E8A-4147-A177-3AD203B41FA5}">
+                      <a16:colId xmlns:a16="http://schemas.microsoft.com/office/drawing/2014/main" val="1723819739"/>
+                    </a:ext>
+                  </a:extLst>
+                </a:gridCol>
+                <a:gridCol w="812800">
+                  <a:extLst>
+                    <a:ext uri="{9D8B030D-6E8A-4147-A177-3AD203B41FA5}">
+                      <a16:colId xmlns:a16="http://schemas.microsoft.com/office/drawing/2014/main" val="4065975074"/>
+                    </a:ext>
+                  </a:extLst>
+                </a:gridCol>
+                <a:gridCol w="812800">
+                  <a:extLst>
+                    <a:ext uri="{9D8B030D-6E8A-4147-A177-3AD203B41FA5}">
+                      <a16:colId xmlns:a16="http://schemas.microsoft.com/office/drawing/2014/main" val="3891083553"/>
+                    </a:ext>
+                  </a:extLst>
+                </a:gridCol>
+                <a:gridCol w="812800">
+                  <a:extLst>
+                    <a:ext uri="{9D8B030D-6E8A-4147-A177-3AD203B41FA5}">
+                      <a16:colId xmlns:a16="http://schemas.microsoft.com/office/drawing/2014/main" val="2098357182"/>
+                    </a:ext>
+                  </a:extLst>
+                </a:gridCol>
+              </a:tblGrid>
+              <a:tr h="370840">
+                <a:tc>
+                  <a:txBody>
+                    <a:bodyPr/>
+                    <a:lstStyle/>
+                    <a:p>
+                      <a:endParaRPr lang="en-ZA" dirty="0"/>
+                    </a:p>
+                  </a:txBody>
+                  <a:tcPr/>
+                </a:tc>
+                <a:tc>
+                  <a:txBody>
+                    <a:bodyPr/>
+                    <a:lstStyle/>
+                    <a:p>
+                      <a:endParaRPr lang="en-ZA"/>
+                    </a:p>
+                  </a:txBody>
+                  <a:tcPr/>
+                </a:tc>
+                <a:tc>
+                  <a:txBody>
+                    <a:bodyPr/>
+                    <a:lstStyle/>
+                    <a:p>
+                      <a:endParaRPr lang="en-ZA"/>
+                    </a:p>
+                  </a:txBody>
+                  <a:tcPr/>
+                </a:tc>
+                <a:tc>
+                  <a:txBody>
+                    <a:bodyPr/>
+                    <a:lstStyle/>
+                    <a:p>
+                      <a:endParaRPr lang="en-ZA"/>
+                    </a:p>
+                  </a:txBody>
+                  <a:tcPr/>
+                </a:tc>
+                <a:tc>
+                  <a:txBody>
+                    <a:bodyPr/>
+                    <a:lstStyle/>
+                    <a:p>
+                      <a:endParaRPr lang="en-ZA"/>
+                    </a:p>
+                  </a:txBody>
+                  <a:tcPr/>
+                </a:tc>
+                <a:tc>
+                  <a:txBody>
+                    <a:bodyPr/>
+                    <a:lstStyle/>
+                    <a:p>
+                      <a:endParaRPr lang="en-ZA"/>
+                    </a:p>
+                  </a:txBody>
+                  <a:tcPr/>
+                </a:tc>
+                <a:tc>
+                  <a:txBody>
+                    <a:bodyPr/>
+                    <a:lstStyle/>
+                    <a:p>
+                      <a:endParaRPr lang="en-ZA" dirty="0"/>
+                    </a:p>
+                  </a:txBody>
+                  <a:tcPr/>
+                </a:tc>
+                <a:extLst>
+                  <a:ext uri="{0D108BD9-81ED-4DB2-BD59-A6C34878D82A}">
+                    <a16:rowId xmlns:a16="http://schemas.microsoft.com/office/drawing/2014/main" val="2789021996"/>
+                  </a:ext>
+                </a:extLst>
+              </a:tr>
+            </a:tbl>
+          </a:graphicData>
+        </a:graphic>
+      </p:graphicFrame>
+      <p:sp>
+        <p:nvSpPr>
+          <p:cNvPr id="5" name="TextBox 4">
+            <a:extLst>
+              <a:ext uri="{FF2B5EF4-FFF2-40B4-BE49-F238E27FC236}">
+                <a16:creationId xmlns:a16="http://schemas.microsoft.com/office/drawing/2014/main" id="{491B0CEF-9AA8-4155-AFAC-69C7BDD05A4D}"/>
+              </a:ext>
+            </a:extLst>
+          </p:cNvPr>
+          <p:cNvSpPr txBox="1"/>
+          <p:nvPr/>
+        </p:nvSpPr>
+        <p:spPr>
+          <a:xfrm>
+            <a:off x="5640877" y="6123543"/>
+            <a:ext cx="1430200" cy="369332"/>
+          </a:xfrm>
+          <a:prstGeom prst="rect">
+            <a:avLst/>
+          </a:prstGeom>
+          <a:noFill/>
+        </p:spPr>
+        <p:txBody>
+          <a:bodyPr wrap="none" rtlCol="0">
+            <a:spAutoFit/>
           </a:bodyPr>
           <a:lstStyle/>
           <a:p>
-            <a:pPr>
-              <a:lnSpc>
-                <a:spcPct val="200000"/>
-              </a:lnSpc>
-            </a:pPr>
             <a:r>
               <a:rPr lang="en-ZA" dirty="0"/>
-              <a:t>What are the different operations you can do with an array?</a:t>
+              <a:t>Our Queue Q</a:t>
             </a:r>
           </a:p>
-          <a:p>
-            <a:pPr>
-              <a:lnSpc>
-                <a:spcPct val="200000"/>
-              </a:lnSpc>
-            </a:pPr>
+        </p:txBody>
+      </p:sp>
+      <p:cxnSp>
+        <p:nvCxnSpPr>
+          <p:cNvPr id="7" name="Straight Arrow Connector 6">
+            <a:extLst>
+              <a:ext uri="{FF2B5EF4-FFF2-40B4-BE49-F238E27FC236}">
+                <a16:creationId xmlns:a16="http://schemas.microsoft.com/office/drawing/2014/main" id="{E5458E35-1C16-4B7F-BFF8-BF9681435009}"/>
+              </a:ext>
+            </a:extLst>
+          </p:cNvPr>
+          <p:cNvCxnSpPr>
+            <a:endCxn id="4" idx="3"/>
+          </p:cNvCxnSpPr>
+          <p:nvPr/>
+        </p:nvCxnSpPr>
+        <p:spPr>
+          <a:xfrm flipH="1">
+            <a:off x="8808949" y="5215168"/>
+            <a:ext cx="923636" cy="588019"/>
+          </a:xfrm>
+          <a:prstGeom prst="straightConnector1">
+            <a:avLst/>
+          </a:prstGeom>
+          <a:ln>
+            <a:tailEnd type="triangle"/>
+          </a:ln>
+        </p:spPr>
+        <p:style>
+          <a:lnRef idx="1">
+            <a:schemeClr val="accent1"/>
+          </a:lnRef>
+          <a:fillRef idx="0">
+            <a:schemeClr val="accent1"/>
+          </a:fillRef>
+          <a:effectRef idx="0">
+            <a:schemeClr val="accent1"/>
+          </a:effectRef>
+          <a:fontRef idx="minor">
+            <a:schemeClr val="tx1"/>
+          </a:fontRef>
+        </p:style>
+      </p:cxnSp>
+      <p:sp>
+        <p:nvSpPr>
+          <p:cNvPr id="8" name="TextBox 7">
+            <a:extLst>
+              <a:ext uri="{FF2B5EF4-FFF2-40B4-BE49-F238E27FC236}">
+                <a16:creationId xmlns:a16="http://schemas.microsoft.com/office/drawing/2014/main" id="{C66771C6-79AC-4AFB-BEDC-A046511A8319}"/>
+              </a:ext>
+            </a:extLst>
+          </p:cNvPr>
+          <p:cNvSpPr txBox="1"/>
+          <p:nvPr/>
+        </p:nvSpPr>
+        <p:spPr>
+          <a:xfrm>
+            <a:off x="9649457" y="4892002"/>
+            <a:ext cx="1921163" cy="646331"/>
+          </a:xfrm>
+          <a:prstGeom prst="rect">
+            <a:avLst/>
+          </a:prstGeom>
+          <a:noFill/>
+        </p:spPr>
+        <p:txBody>
+          <a:bodyPr wrap="square" rtlCol="0">
+            <a:spAutoFit/>
+          </a:bodyPr>
+          <a:lstStyle/>
+          <a:p>
             <a:r>
               <a:rPr lang="en-ZA" dirty="0"/>
-              <a:t>What are the different operations you can do with linked lists?</a:t>
+              <a:t>Rear of the queue</a:t>
             </a:r>
           </a:p>
           <a:p>
-            <a:pPr>
-              <a:lnSpc>
-                <a:spcPct val="200000"/>
-              </a:lnSpc>
-            </a:pPr>
             <a:r>
               <a:rPr lang="en-ZA" dirty="0"/>
-              <a:t>What is the time complexity of each operation?</a:t>
+              <a:t>People get in here</a:t>
             </a:r>
           </a:p>
-          <a:p>
-            <a:pPr>
-              <a:lnSpc>
-                <a:spcPct val="200000"/>
-              </a:lnSpc>
-            </a:pPr>
+        </p:txBody>
+      </p:sp>
+      <p:cxnSp>
+        <p:nvCxnSpPr>
+          <p:cNvPr id="10" name="Straight Arrow Connector 9">
+            <a:extLst>
+              <a:ext uri="{FF2B5EF4-FFF2-40B4-BE49-F238E27FC236}">
+                <a16:creationId xmlns:a16="http://schemas.microsoft.com/office/drawing/2014/main" id="{4C67F254-BC29-4EEF-9F20-D4B3EF7FF5C6}"/>
+              </a:ext>
+            </a:extLst>
+          </p:cNvPr>
+          <p:cNvCxnSpPr>
+            <a:endCxn id="4" idx="1"/>
+          </p:cNvCxnSpPr>
+          <p:nvPr/>
+        </p:nvCxnSpPr>
+        <p:spPr>
+          <a:xfrm>
+            <a:off x="2214185" y="5313739"/>
+            <a:ext cx="905164" cy="489448"/>
+          </a:xfrm>
+          <a:prstGeom prst="straightConnector1">
+            <a:avLst/>
+          </a:prstGeom>
+          <a:ln>
+            <a:tailEnd type="triangle"/>
+          </a:ln>
+        </p:spPr>
+        <p:style>
+          <a:lnRef idx="1">
+            <a:schemeClr val="accent1"/>
+          </a:lnRef>
+          <a:fillRef idx="0">
+            <a:schemeClr val="accent1"/>
+          </a:fillRef>
+          <a:effectRef idx="0">
+            <a:schemeClr val="accent1"/>
+          </a:effectRef>
+          <a:fontRef idx="minor">
+            <a:schemeClr val="tx1"/>
+          </a:fontRef>
+        </p:style>
+      </p:cxnSp>
+      <p:sp>
+        <p:nvSpPr>
+          <p:cNvPr id="11" name="TextBox 10">
+            <a:extLst>
+              <a:ext uri="{FF2B5EF4-FFF2-40B4-BE49-F238E27FC236}">
+                <a16:creationId xmlns:a16="http://schemas.microsoft.com/office/drawing/2014/main" id="{426EAD5C-0082-420B-B63C-B20EDD9FDB4B}"/>
+              </a:ext>
+            </a:extLst>
+          </p:cNvPr>
+          <p:cNvSpPr txBox="1"/>
+          <p:nvPr/>
+        </p:nvSpPr>
+        <p:spPr>
+          <a:xfrm>
+            <a:off x="244531" y="4990573"/>
+            <a:ext cx="2015836" cy="646331"/>
+          </a:xfrm>
+          <a:prstGeom prst="rect">
+            <a:avLst/>
+          </a:prstGeom>
+          <a:noFill/>
+        </p:spPr>
+        <p:txBody>
+          <a:bodyPr wrap="square" rtlCol="0">
+            <a:spAutoFit/>
+          </a:bodyPr>
+          <a:lstStyle/>
+          <a:p>
             <a:r>
               <a:rPr lang="en-ZA" dirty="0"/>
-              <a:t>Which of the above data structures work better than the other? When?</a:t>
+              <a:t>Front of the queue</a:t>
             </a:r>
           </a:p>
           <a:p>
-            <a:pPr>
-              <a:lnSpc>
-                <a:spcPct val="200000"/>
-              </a:lnSpc>
-            </a:pPr>
-            <a:endParaRPr lang="en-ZA" dirty="0"/>
+            <a:r>
+              <a:rPr lang="en-ZA" dirty="0"/>
+              <a:t>People get out here</a:t>
+            </a:r>
           </a:p>
         </p:txBody>
       </p:sp>
     </p:spTree>
     <p:extLst>
       <p:ext uri="{BB962C8B-B14F-4D97-AF65-F5344CB8AC3E}">
-        <p14:creationId xmlns:p14="http://schemas.microsoft.com/office/powerpoint/2010/main" val="2381453545"/>
+        <p14:creationId xmlns:p14="http://schemas.microsoft.com/office/powerpoint/2010/main" val="3845038498"/>
       </p:ext>
     </p:extLst>
   </p:cSld>
@@ -14956,7 +8409,7 @@
 </p:sld>
 </file>
 
-<file path=ppt/slides/slide20.xml><?xml version="1.0" encoding="utf-8"?>
+<file path=ppt/slides/slide14.xml><?xml version="1.0" encoding="utf-8"?>
 <p:sld xmlns:a="http://schemas.openxmlformats.org/drawingml/2006/main" xmlns:r="http://schemas.openxmlformats.org/officeDocument/2006/relationships" xmlns:p="http://schemas.openxmlformats.org/presentationml/2006/main">
   <p:cSld>
     <p:spTree>
@@ -15140,7 +8593,105 @@
 </p:sld>
 </file>
 
-<file path=ppt/slides/slide21.xml><?xml version="1.0" encoding="utf-8"?>
+<file path=ppt/slides/slide15.xml><?xml version="1.0" encoding="utf-8"?>
+<p:sld xmlns:a="http://schemas.openxmlformats.org/drawingml/2006/main" xmlns:r="http://schemas.openxmlformats.org/officeDocument/2006/relationships" xmlns:p="http://schemas.openxmlformats.org/presentationml/2006/main">
+  <p:cSld>
+    <p:spTree>
+      <p:nvGrpSpPr>
+        <p:cNvPr id="1" name=""/>
+        <p:cNvGrpSpPr/>
+        <p:nvPr/>
+      </p:nvGrpSpPr>
+      <p:grpSpPr>
+        <a:xfrm>
+          <a:off x="0" y="0"/>
+          <a:ext cx="0" cy="0"/>
+          <a:chOff x="0" y="0"/>
+          <a:chExt cx="0" cy="0"/>
+        </a:xfrm>
+      </p:grpSpPr>
+      <p:sp>
+        <p:nvSpPr>
+          <p:cNvPr id="2" name="Title 1">
+            <a:extLst>
+              <a:ext uri="{FF2B5EF4-FFF2-40B4-BE49-F238E27FC236}">
+                <a16:creationId xmlns:a16="http://schemas.microsoft.com/office/drawing/2014/main" id="{CD9C4791-DCF2-4729-9C8D-681888220DC5}"/>
+              </a:ext>
+            </a:extLst>
+          </p:cNvPr>
+          <p:cNvSpPr>
+            <a:spLocks noGrp="1"/>
+          </p:cNvSpPr>
+          <p:nvPr>
+            <p:ph type="title"/>
+          </p:nvPr>
+        </p:nvSpPr>
+        <p:spPr>
+          <a:xfrm>
+            <a:off x="838200" y="365125"/>
+            <a:ext cx="10948332" cy="1325563"/>
+          </a:xfrm>
+        </p:spPr>
+        <p:txBody>
+          <a:bodyPr/>
+          <a:lstStyle/>
+          <a:p>
+            <a:r>
+              <a:rPr lang="en-ZA" dirty="0"/>
+              <a:t>Queues (Implementation of Queues as Arrays)</a:t>
+            </a:r>
+          </a:p>
+        </p:txBody>
+      </p:sp>
+      <p:sp>
+        <p:nvSpPr>
+          <p:cNvPr id="9" name="Content Placeholder 8">
+            <a:extLst>
+              <a:ext uri="{FF2B5EF4-FFF2-40B4-BE49-F238E27FC236}">
+                <a16:creationId xmlns:a16="http://schemas.microsoft.com/office/drawing/2014/main" id="{65FF80B6-E363-4D42-9535-311E9D127A0D}"/>
+              </a:ext>
+            </a:extLst>
+          </p:cNvPr>
+          <p:cNvSpPr>
+            <a:spLocks noGrp="1"/>
+          </p:cNvSpPr>
+          <p:nvPr>
+            <p:ph idx="1"/>
+          </p:nvPr>
+        </p:nvSpPr>
+        <p:spPr>
+          <a:xfrm>
+            <a:off x="838200" y="1825625"/>
+            <a:ext cx="10515600" cy="4796848"/>
+          </a:xfrm>
+        </p:spPr>
+        <p:txBody>
+          <a:bodyPr>
+            <a:normAutofit/>
+          </a:bodyPr>
+          <a:lstStyle/>
+          <a:p>
+            <a:pPr marL="0" indent="0">
+              <a:buNone/>
+            </a:pPr>
+            <a:endParaRPr lang="en-ZA" dirty="0"/>
+          </a:p>
+        </p:txBody>
+      </p:sp>
+    </p:spTree>
+    <p:extLst>
+      <p:ext uri="{BB962C8B-B14F-4D97-AF65-F5344CB8AC3E}">
+        <p14:creationId xmlns:p14="http://schemas.microsoft.com/office/powerpoint/2010/main" val="38663190"/>
+      </p:ext>
+    </p:extLst>
+  </p:cSld>
+  <p:clrMapOvr>
+    <a:masterClrMapping/>
+  </p:clrMapOvr>
+</p:sld>
+</file>
+
+<file path=ppt/slides/slide16.xml><?xml version="1.0" encoding="utf-8"?>
 <p:sld xmlns:a="http://schemas.openxmlformats.org/drawingml/2006/main" xmlns:r="http://schemas.openxmlformats.org/officeDocument/2006/relationships" xmlns:p="http://schemas.openxmlformats.org/presentationml/2006/main">
   <p:cSld>
     <p:spTree>
@@ -15942,7 +9493,7 @@
 </p:sld>
 </file>
 
-<file path=ppt/slides/slide22.xml><?xml version="1.0" encoding="utf-8"?>
+<file path=ppt/slides/slide17.xml><?xml version="1.0" encoding="utf-8"?>
 <p:sld xmlns:a="http://schemas.openxmlformats.org/drawingml/2006/main" xmlns:r="http://schemas.openxmlformats.org/officeDocument/2006/relationships" xmlns:p="http://schemas.openxmlformats.org/presentationml/2006/main">
   <p:cSld>
     <p:spTree>
@@ -16181,7 +9732,7 @@
 </p:sld>
 </file>
 
-<file path=ppt/slides/slide23.xml><?xml version="1.0" encoding="utf-8"?>
+<file path=ppt/slides/slide18.xml><?xml version="1.0" encoding="utf-8"?>
 <p:sld xmlns:a="http://schemas.openxmlformats.org/drawingml/2006/main" xmlns:r="http://schemas.openxmlformats.org/officeDocument/2006/relationships" xmlns:p="http://schemas.openxmlformats.org/presentationml/2006/main">
   <p:cSld>
     <p:spTree>
@@ -16220,12 +9771,8 @@
           <a:lstStyle/>
           <a:p>
             <a:r>
-              <a:rPr lang="en-ZA" dirty="0" err="1"/>
-              <a:t>Litterature</a:t>
-            </a:r>
-            <a:r>
               <a:rPr lang="en-ZA" dirty="0"/>
-              <a:t>	</a:t>
+              <a:t>Literature	</a:t>
             </a:r>
           </a:p>
         </p:txBody>
@@ -16280,6 +9827,145 @@
     <p:extLst>
       <p:ext uri="{BB962C8B-B14F-4D97-AF65-F5344CB8AC3E}">
         <p14:creationId xmlns:p14="http://schemas.microsoft.com/office/powerpoint/2010/main" val="1893556725"/>
+      </p:ext>
+    </p:extLst>
+  </p:cSld>
+  <p:clrMapOvr>
+    <a:masterClrMapping/>
+  </p:clrMapOvr>
+</p:sld>
+</file>
+
+<file path=ppt/slides/slide2.xml><?xml version="1.0" encoding="utf-8"?>
+<p:sld xmlns:a="http://schemas.openxmlformats.org/drawingml/2006/main" xmlns:r="http://schemas.openxmlformats.org/officeDocument/2006/relationships" xmlns:p="http://schemas.openxmlformats.org/presentationml/2006/main">
+  <p:cSld>
+    <p:spTree>
+      <p:nvGrpSpPr>
+        <p:cNvPr id="1" name=""/>
+        <p:cNvGrpSpPr/>
+        <p:nvPr/>
+      </p:nvGrpSpPr>
+      <p:grpSpPr>
+        <a:xfrm>
+          <a:off x="0" y="0"/>
+          <a:ext cx="0" cy="0"/>
+          <a:chOff x="0" y="0"/>
+          <a:chExt cx="0" cy="0"/>
+        </a:xfrm>
+      </p:grpSpPr>
+      <p:sp>
+        <p:nvSpPr>
+          <p:cNvPr id="2" name="Title 1">
+            <a:extLst>
+              <a:ext uri="{FF2B5EF4-FFF2-40B4-BE49-F238E27FC236}">
+                <a16:creationId xmlns:a16="http://schemas.microsoft.com/office/drawing/2014/main" id="{E2BED386-C341-453D-93CA-D9CC83337C31}"/>
+              </a:ext>
+            </a:extLst>
+          </p:cNvPr>
+          <p:cNvSpPr>
+            <a:spLocks noGrp="1"/>
+          </p:cNvSpPr>
+          <p:nvPr>
+            <p:ph type="title"/>
+          </p:nvPr>
+        </p:nvSpPr>
+        <p:spPr/>
+        <p:txBody>
+          <a:bodyPr/>
+          <a:lstStyle/>
+          <a:p>
+            <a:r>
+              <a:rPr lang="en-ZA" dirty="0"/>
+              <a:t>Complexity</a:t>
+            </a:r>
+          </a:p>
+        </p:txBody>
+      </p:sp>
+      <p:sp>
+        <p:nvSpPr>
+          <p:cNvPr id="3" name="Content Placeholder 2">
+            <a:extLst>
+              <a:ext uri="{FF2B5EF4-FFF2-40B4-BE49-F238E27FC236}">
+                <a16:creationId xmlns:a16="http://schemas.microsoft.com/office/drawing/2014/main" id="{80BFAD01-6DCA-4B67-A780-93CB7E7CE451}"/>
+              </a:ext>
+            </a:extLst>
+          </p:cNvPr>
+          <p:cNvSpPr>
+            <a:spLocks noGrp="1"/>
+          </p:cNvSpPr>
+          <p:nvPr>
+            <p:ph idx="1"/>
+          </p:nvPr>
+        </p:nvSpPr>
+        <p:spPr>
+          <a:xfrm>
+            <a:off x="931178" y="1828800"/>
+            <a:ext cx="11560029" cy="5482205"/>
+          </a:xfrm>
+        </p:spPr>
+        <p:txBody>
+          <a:bodyPr>
+            <a:normAutofit/>
+          </a:bodyPr>
+          <a:lstStyle/>
+          <a:p>
+            <a:pPr>
+              <a:lnSpc>
+                <a:spcPct val="200000"/>
+              </a:lnSpc>
+            </a:pPr>
+            <a:r>
+              <a:rPr lang="en-ZA" dirty="0"/>
+              <a:t>What are the different operations you can do with an array?</a:t>
+            </a:r>
+          </a:p>
+          <a:p>
+            <a:pPr>
+              <a:lnSpc>
+                <a:spcPct val="200000"/>
+              </a:lnSpc>
+            </a:pPr>
+            <a:r>
+              <a:rPr lang="en-ZA" dirty="0"/>
+              <a:t>What are the different operations you can do with linked lists?</a:t>
+            </a:r>
+          </a:p>
+          <a:p>
+            <a:pPr>
+              <a:lnSpc>
+                <a:spcPct val="200000"/>
+              </a:lnSpc>
+            </a:pPr>
+            <a:r>
+              <a:rPr lang="en-ZA" dirty="0"/>
+              <a:t>What is the time complexity of each operation?</a:t>
+            </a:r>
+          </a:p>
+          <a:p>
+            <a:pPr>
+              <a:lnSpc>
+                <a:spcPct val="200000"/>
+              </a:lnSpc>
+            </a:pPr>
+            <a:r>
+              <a:rPr lang="en-ZA" dirty="0"/>
+              <a:t>Which of the above data structures work better than the other? When?</a:t>
+            </a:r>
+          </a:p>
+          <a:p>
+            <a:pPr>
+              <a:lnSpc>
+                <a:spcPct val="200000"/>
+              </a:lnSpc>
+            </a:pPr>
+            <a:endParaRPr lang="en-ZA" dirty="0"/>
+          </a:p>
+        </p:txBody>
+      </p:sp>
+    </p:spTree>
+    <p:extLst>
+      <p:ext uri="{BB962C8B-B14F-4D97-AF65-F5344CB8AC3E}">
+        <p14:creationId xmlns:p14="http://schemas.microsoft.com/office/powerpoint/2010/main" val="2381453545"/>
       </p:ext>
     </p:extLst>
   </p:cSld>

--- a/Stacks and Queues/Queues.pptx
+++ b/Stacks and Queues/Queues.pptx
@@ -142,10 +142,25 @@
   <pc:docChgLst>
     <pc:chgData name="Julien NYAMBAL" userId="ab1197cc928146b1" providerId="LiveId" clId="{6502E760-37F0-4329-A005-734CC1FAE9BB}"/>
     <pc:docChg chg="undo custSel addSld delSld modSld sldOrd">
-      <pc:chgData name="Julien NYAMBAL" userId="ab1197cc928146b1" providerId="LiveId" clId="{6502E760-37F0-4329-A005-734CC1FAE9BB}" dt="2019-08-20T22:55:27.197" v="2108" actId="313"/>
+      <pc:chgData name="Julien NYAMBAL" userId="ab1197cc928146b1" providerId="LiveId" clId="{6502E760-37F0-4329-A005-734CC1FAE9BB}" dt="2019-08-21T17:06:01.239" v="2109" actId="20577"/>
       <pc:docMkLst>
         <pc:docMk/>
       </pc:docMkLst>
+      <pc:sldChg chg="modSp">
+        <pc:chgData name="Julien NYAMBAL" userId="ab1197cc928146b1" providerId="LiveId" clId="{6502E760-37F0-4329-A005-734CC1FAE9BB}" dt="2019-08-21T17:06:01.239" v="2109" actId="20577"/>
+        <pc:sldMkLst>
+          <pc:docMk/>
+          <pc:sldMk cId="1508618718" sldId="256"/>
+        </pc:sldMkLst>
+        <pc:spChg chg="mod">
+          <ac:chgData name="Julien NYAMBAL" userId="ab1197cc928146b1" providerId="LiveId" clId="{6502E760-37F0-4329-A005-734CC1FAE9BB}" dt="2019-08-21T17:06:01.239" v="2109" actId="20577"/>
+          <ac:spMkLst>
+            <pc:docMk/>
+            <pc:sldMk cId="1508618718" sldId="256"/>
+            <ac:spMk id="2" creationId="{5AB461F1-8869-4510-9393-F6A7325D2A7A}"/>
+          </ac:spMkLst>
+        </pc:spChg>
+      </pc:sldChg>
       <pc:sldChg chg="modSp del">
         <pc:chgData name="Julien NYAMBAL" userId="ab1197cc928146b1" providerId="LiveId" clId="{6502E760-37F0-4329-A005-734CC1FAE9BB}" dt="2019-08-20T22:40:40.455" v="2084" actId="2696"/>
         <pc:sldMkLst>
@@ -4291,7 +4306,7 @@
           <a:p>
             <a:r>
               <a:rPr lang="en-ZA" dirty="0"/>
-              <a:t>Stacks and Queues</a:t>
+              <a:t>Queues</a:t>
             </a:r>
           </a:p>
         </p:txBody>
